--- a/BookPPT/Chap5.pptx
+++ b/BookPPT/Chap5.pptx
@@ -216,7 +216,7 @@
           <a:p>
             <a:fld id="{B2BBCBEF-BF88-4224-B8A3-B2ABF2753602}" type="datetimeFigureOut">
               <a:rPr lang="en-US" smtClean="0"/>
-              <a:t>10/10/2021</a:t>
+              <a:t>11/27/2023</a:t>
             </a:fld>
             <a:endParaRPr lang="en-US"/>
           </a:p>
@@ -885,7 +885,7 @@
           <a:p>
             <a:fld id="{0E6BA319-05E9-49EE-8F99-CA1240CA2757}" type="datetimeFigureOut">
               <a:rPr lang="en-US" smtClean="0"/>
-              <a:t>10/10/2021</a:t>
+              <a:t>11/27/2023</a:t>
             </a:fld>
             <a:endParaRPr lang="en-US"/>
           </a:p>
@@ -1087,7 +1087,7 @@
           <a:p>
             <a:fld id="{0E6BA319-05E9-49EE-8F99-CA1240CA2757}" type="datetimeFigureOut">
               <a:rPr lang="en-US" smtClean="0"/>
-              <a:t>10/10/2021</a:t>
+              <a:t>11/27/2023</a:t>
             </a:fld>
             <a:endParaRPr lang="en-US"/>
           </a:p>
@@ -1835,7 +1835,7 @@
           <a:p>
             <a:fld id="{0E6BA319-05E9-49EE-8F99-CA1240CA2757}" type="datetimeFigureOut">
               <a:rPr lang="en-US" smtClean="0"/>
-              <a:t>10/10/2021</a:t>
+              <a:t>11/27/2023</a:t>
             </a:fld>
             <a:endParaRPr lang="en-US"/>
           </a:p>
@@ -2088,7 +2088,7 @@
           <a:p>
             <a:fld id="{0E6BA319-05E9-49EE-8F99-CA1240CA2757}" type="datetimeFigureOut">
               <a:rPr lang="en-US" smtClean="0"/>
-              <a:t>10/10/2021</a:t>
+              <a:t>11/27/2023</a:t>
             </a:fld>
             <a:endParaRPr lang="en-US"/>
           </a:p>
@@ -2476,7 +2476,7 @@
           <a:p>
             <a:fld id="{0E6BA319-05E9-49EE-8F99-CA1240CA2757}" type="datetimeFigureOut">
               <a:rPr lang="en-US" smtClean="0"/>
-              <a:t>10/10/2021</a:t>
+              <a:t>11/27/2023</a:t>
             </a:fld>
             <a:endParaRPr lang="en-US"/>
           </a:p>
@@ -2617,7 +2617,7 @@
           <a:p>
             <a:fld id="{0E6BA319-05E9-49EE-8F99-CA1240CA2757}" type="datetimeFigureOut">
               <a:rPr lang="en-US" smtClean="0"/>
-              <a:t>10/10/2021</a:t>
+              <a:t>11/27/2023</a:t>
             </a:fld>
             <a:endParaRPr lang="en-US"/>
           </a:p>
@@ -2736,7 +2736,7 @@
           <a:p>
             <a:fld id="{0E6BA319-05E9-49EE-8F99-CA1240CA2757}" type="datetimeFigureOut">
               <a:rPr lang="en-US" smtClean="0"/>
-              <a:t>10/10/2021</a:t>
+              <a:t>11/27/2023</a:t>
             </a:fld>
             <a:endParaRPr lang="en-US"/>
           </a:p>
@@ -3035,7 +3035,7 @@
           <a:p>
             <a:fld id="{0E6BA319-05E9-49EE-8F99-CA1240CA2757}" type="datetimeFigureOut">
               <a:rPr lang="en-US" smtClean="0"/>
-              <a:t>10/10/2021</a:t>
+              <a:t>11/27/2023</a:t>
             </a:fld>
             <a:endParaRPr lang="en-US"/>
           </a:p>
@@ -3311,7 +3311,7 @@
           <a:p>
             <a:fld id="{0E6BA319-05E9-49EE-8F99-CA1240CA2757}" type="datetimeFigureOut">
               <a:rPr lang="en-US" smtClean="0"/>
-              <a:t>10/10/2021</a:t>
+              <a:t>11/27/2023</a:t>
             </a:fld>
             <a:endParaRPr lang="en-US"/>
           </a:p>
@@ -4030,8 +4030,8 @@
           </a:p>
         </p:txBody>
       </p:sp>
-      <mc:AlternateContent xmlns:mc="http://schemas.openxmlformats.org/markup-compatibility/2006">
-        <mc:Choice xmlns:a14="http://schemas.microsoft.com/office/drawing/2010/main" Requires="a14">
+      <mc:AlternateContent xmlns:mc="http://schemas.openxmlformats.org/markup-compatibility/2006" xmlns:a14="http://schemas.microsoft.com/office/drawing/2010/main">
+        <mc:Choice Requires="a14">
           <p:sp>
             <p:nvSpPr>
               <p:cNvPr id="3" name="Content Placeholder 2">
@@ -4343,7 +4343,7 @@
             </p:txBody>
           </p:sp>
         </mc:Choice>
-        <mc:Fallback>
+        <mc:Fallback xmlns="">
           <p:sp>
             <p:nvSpPr>
               <p:cNvPr id="3" name="Content Placeholder 2">
@@ -4441,8 +4441,8 @@
           </a:p>
         </p:txBody>
       </p:sp>
-      <mc:AlternateContent xmlns:mc="http://schemas.openxmlformats.org/markup-compatibility/2006">
-        <mc:Choice xmlns:a14="http://schemas.microsoft.com/office/drawing/2010/main" Requires="a14">
+      <mc:AlternateContent xmlns:mc="http://schemas.openxmlformats.org/markup-compatibility/2006" xmlns:a14="http://schemas.microsoft.com/office/drawing/2010/main">
+        <mc:Choice Requires="a14">
           <p:sp>
             <p:nvSpPr>
               <p:cNvPr id="3" name="Content Placeholder 2">
@@ -4478,7 +4478,9 @@
                     <m:sSub>
                       <m:sSubPr>
                         <m:ctrlPr>
-                          <a:rPr lang="en-US" i="1"/>
+                          <a:rPr lang="en-US" i="1">
+                            <a:latin typeface="Cambria Math" panose="02040503050406030204" pitchFamily="18" charset="0"/>
+                          </a:rPr>
                         </m:ctrlPr>
                       </m:sSubPr>
                       <m:e>
@@ -4486,12 +4488,16 @@
                           <m:accPr>
                             <m:chr m:val="⃑"/>
                             <m:ctrlPr>
-                              <a:rPr lang="en-US" i="1"/>
+                              <a:rPr lang="en-US" i="1">
+                                <a:latin typeface="Cambria Math" panose="02040503050406030204" pitchFamily="18" charset="0"/>
+                              </a:rPr>
                             </m:ctrlPr>
                           </m:accPr>
                           <m:e>
                             <m:r>
-                              <a:rPr lang="en-US" i="1"/>
+                              <a:rPr lang="en-US" i="1">
+                                <a:latin typeface="Cambria Math" panose="02040503050406030204" pitchFamily="18" charset="0"/>
+                              </a:rPr>
                               <m:t>𝑉</m:t>
                             </m:r>
                           </m:e>
@@ -4499,53 +4505,71 @@
                       </m:e>
                       <m:sub>
                         <m:r>
-                          <a:rPr lang="en-US"/>
+                          <a:rPr lang="en-US">
+                            <a:latin typeface="Cambria Math" panose="02040503050406030204" pitchFamily="18" charset="0"/>
+                          </a:rPr>
                           <m:t>1</m:t>
                         </m:r>
                       </m:sub>
                     </m:sSub>
                     <m:r>
-                      <a:rPr lang="en-US"/>
+                      <a:rPr lang="en-US">
+                        <a:latin typeface="Cambria Math" panose="02040503050406030204" pitchFamily="18" charset="0"/>
+                      </a:rPr>
                       <m:t>=</m:t>
                     </m:r>
                     <m:sSub>
                       <m:sSubPr>
                         <m:ctrlPr>
-                          <a:rPr lang="en-US" i="1"/>
+                          <a:rPr lang="en-US" i="1">
+                            <a:latin typeface="Cambria Math" panose="02040503050406030204" pitchFamily="18" charset="0"/>
+                          </a:rPr>
                         </m:ctrlPr>
                       </m:sSubPr>
                       <m:e>
                         <m:r>
-                          <a:rPr lang="en-US" i="1"/>
+                          <a:rPr lang="en-US" i="1">
+                            <a:latin typeface="Cambria Math" panose="02040503050406030204" pitchFamily="18" charset="0"/>
+                          </a:rPr>
                           <m:t>𝑃</m:t>
                         </m:r>
                       </m:e>
                       <m:sub>
                         <m:r>
-                          <a:rPr lang="en-US" i="1"/>
+                          <a:rPr lang="en-US" i="1">
+                            <a:latin typeface="Cambria Math" panose="02040503050406030204" pitchFamily="18" charset="0"/>
+                          </a:rPr>
                           <m:t>1</m:t>
                         </m:r>
                       </m:sub>
                     </m:sSub>
                     <m:r>
-                      <a:rPr lang="en-US" i="1"/>
+                      <a:rPr lang="en-US" i="1">
+                        <a:latin typeface="Cambria Math" panose="02040503050406030204" pitchFamily="18" charset="0"/>
+                      </a:rPr>
                       <m:t>−</m:t>
                     </m:r>
                     <m:sSub>
                       <m:sSubPr>
                         <m:ctrlPr>
-                          <a:rPr lang="en-US" i="1"/>
+                          <a:rPr lang="en-US" i="1">
+                            <a:latin typeface="Cambria Math" panose="02040503050406030204" pitchFamily="18" charset="0"/>
+                          </a:rPr>
                         </m:ctrlPr>
                       </m:sSubPr>
                       <m:e>
                         <m:r>
-                          <a:rPr lang="en-US" i="1"/>
+                          <a:rPr lang="en-US" i="1">
+                            <a:latin typeface="Cambria Math" panose="02040503050406030204" pitchFamily="18" charset="0"/>
+                          </a:rPr>
                           <m:t>𝑃</m:t>
                         </m:r>
                       </m:e>
                       <m:sub>
                         <m:r>
-                          <a:rPr lang="en-US" i="1"/>
+                          <a:rPr lang="en-US" i="1">
+                            <a:latin typeface="Cambria Math" panose="02040503050406030204" pitchFamily="18" charset="0"/>
+                          </a:rPr>
                           <m:t>0</m:t>
                         </m:r>
                       </m:sub>
@@ -4564,7 +4588,9 @@
                     <m:sSub>
                       <m:sSubPr>
                         <m:ctrlPr>
-                          <a:rPr lang="en-US" i="1"/>
+                          <a:rPr lang="en-US" i="1">
+                            <a:latin typeface="Cambria Math" panose="02040503050406030204" pitchFamily="18" charset="0"/>
+                          </a:rPr>
                         </m:ctrlPr>
                       </m:sSubPr>
                       <m:e>
@@ -4572,12 +4598,16 @@
                           <m:accPr>
                             <m:chr m:val="⃑"/>
                             <m:ctrlPr>
-                              <a:rPr lang="en-US" i="1"/>
+                              <a:rPr lang="en-US" i="1">
+                                <a:latin typeface="Cambria Math" panose="02040503050406030204" pitchFamily="18" charset="0"/>
+                              </a:rPr>
                             </m:ctrlPr>
                           </m:accPr>
                           <m:e>
                             <m:r>
-                              <a:rPr lang="en-US" i="1"/>
+                              <a:rPr lang="en-US" i="1">
+                                <a:latin typeface="Cambria Math" panose="02040503050406030204" pitchFamily="18" charset="0"/>
+                              </a:rPr>
                               <m:t>𝑉</m:t>
                             </m:r>
                           </m:e>
@@ -4585,53 +4615,71 @@
                       </m:e>
                       <m:sub>
                         <m:r>
-                          <a:rPr lang="en-US"/>
+                          <a:rPr lang="en-US">
+                            <a:latin typeface="Cambria Math" panose="02040503050406030204" pitchFamily="18" charset="0"/>
+                          </a:rPr>
                           <m:t>2</m:t>
                         </m:r>
                       </m:sub>
                     </m:sSub>
                     <m:r>
-                      <a:rPr lang="en-US"/>
+                      <a:rPr lang="en-US">
+                        <a:latin typeface="Cambria Math" panose="02040503050406030204" pitchFamily="18" charset="0"/>
+                      </a:rPr>
                       <m:t>=</m:t>
                     </m:r>
                     <m:sSub>
                       <m:sSubPr>
                         <m:ctrlPr>
-                          <a:rPr lang="en-US" i="1"/>
+                          <a:rPr lang="en-US" i="1">
+                            <a:latin typeface="Cambria Math" panose="02040503050406030204" pitchFamily="18" charset="0"/>
+                          </a:rPr>
                         </m:ctrlPr>
                       </m:sSubPr>
                       <m:e>
                         <m:r>
-                          <a:rPr lang="en-US" i="1"/>
+                          <a:rPr lang="en-US" i="1">
+                            <a:latin typeface="Cambria Math" panose="02040503050406030204" pitchFamily="18" charset="0"/>
+                          </a:rPr>
                           <m:t>𝑃</m:t>
                         </m:r>
                       </m:e>
                       <m:sub>
                         <m:r>
-                          <a:rPr lang="en-US" i="1"/>
+                          <a:rPr lang="en-US" i="1">
+                            <a:latin typeface="Cambria Math" panose="02040503050406030204" pitchFamily="18" charset="0"/>
+                          </a:rPr>
                           <m:t>2</m:t>
                         </m:r>
                       </m:sub>
                     </m:sSub>
                     <m:r>
-                      <a:rPr lang="en-US" i="1"/>
+                      <a:rPr lang="en-US" i="1">
+                        <a:latin typeface="Cambria Math" panose="02040503050406030204" pitchFamily="18" charset="0"/>
+                      </a:rPr>
                       <m:t>−</m:t>
                     </m:r>
                     <m:sSub>
                       <m:sSubPr>
                         <m:ctrlPr>
-                          <a:rPr lang="en-US" i="1"/>
+                          <a:rPr lang="en-US" i="1">
+                            <a:latin typeface="Cambria Math" panose="02040503050406030204" pitchFamily="18" charset="0"/>
+                          </a:rPr>
                         </m:ctrlPr>
                       </m:sSubPr>
                       <m:e>
                         <m:r>
-                          <a:rPr lang="en-US" i="1"/>
+                          <a:rPr lang="en-US" i="1">
+                            <a:latin typeface="Cambria Math" panose="02040503050406030204" pitchFamily="18" charset="0"/>
+                          </a:rPr>
                           <m:t>𝑃</m:t>
                         </m:r>
                       </m:e>
                       <m:sub>
                         <m:r>
-                          <a:rPr lang="en-US" i="1"/>
+                          <a:rPr lang="en-US" i="1">
+                            <a:latin typeface="Cambria Math" panose="02040503050406030204" pitchFamily="18" charset="0"/>
+                          </a:rPr>
                           <m:t>0</m:t>
                         </m:r>
                       </m:sub>
@@ -4648,17 +4696,23 @@
                 <a14:m>
                   <m:oMath xmlns:m="http://schemas.openxmlformats.org/officeDocument/2006/math">
                     <m:r>
-                      <a:rPr lang="en-US" i="1"/>
+                      <a:rPr lang="en-US" i="1">
+                        <a:latin typeface="Cambria Math" panose="02040503050406030204" pitchFamily="18" charset="0"/>
+                      </a:rPr>
                       <m:t>𝑑𝑜𝑡</m:t>
                     </m:r>
                     <m:r>
-                      <a:rPr lang="en-US" i="1"/>
+                      <a:rPr lang="en-US" i="1">
+                        <a:latin typeface="Cambria Math" panose="02040503050406030204" pitchFamily="18" charset="0"/>
+                      </a:rPr>
                       <m:t>= </m:t>
                     </m:r>
                     <m:sSub>
                       <m:sSubPr>
                         <m:ctrlPr>
-                          <a:rPr lang="en-US" i="1"/>
+                          <a:rPr lang="en-US" i="1">
+                            <a:latin typeface="Cambria Math" panose="02040503050406030204" pitchFamily="18" charset="0"/>
+                          </a:rPr>
                         </m:ctrlPr>
                       </m:sSubPr>
                       <m:e>
@@ -4666,12 +4720,16 @@
                           <m:accPr>
                             <m:chr m:val="⃑"/>
                             <m:ctrlPr>
-                              <a:rPr lang="en-US" i="1"/>
+                              <a:rPr lang="en-US" i="1">
+                                <a:latin typeface="Cambria Math" panose="02040503050406030204" pitchFamily="18" charset="0"/>
+                              </a:rPr>
                             </m:ctrlPr>
                           </m:accPr>
                           <m:e>
                             <m:r>
-                              <a:rPr lang="en-US" i="1"/>
+                              <a:rPr lang="en-US" i="1">
+                                <a:latin typeface="Cambria Math" panose="02040503050406030204" pitchFamily="18" charset="0"/>
+                              </a:rPr>
                               <m:t>𝑉</m:t>
                             </m:r>
                           </m:e>
@@ -4679,19 +4737,25 @@
                       </m:e>
                       <m:sub>
                         <m:r>
-                          <a:rPr lang="en-US" i="1"/>
+                          <a:rPr lang="en-US" i="1">
+                            <a:latin typeface="Cambria Math" panose="02040503050406030204" pitchFamily="18" charset="0"/>
+                          </a:rPr>
                           <m:t>1</m:t>
                         </m:r>
                       </m:sub>
                     </m:sSub>
                     <m:r>
-                      <a:rPr lang="en-US" i="1"/>
+                      <a:rPr lang="en-US" i="1">
+                        <a:latin typeface="Cambria Math" panose="02040503050406030204" pitchFamily="18" charset="0"/>
+                      </a:rPr>
                       <m:t>∙</m:t>
                     </m:r>
                     <m:sSub>
                       <m:sSubPr>
                         <m:ctrlPr>
-                          <a:rPr lang="en-US" i="1"/>
+                          <a:rPr lang="en-US" i="1">
+                            <a:latin typeface="Cambria Math" panose="02040503050406030204" pitchFamily="18" charset="0"/>
+                          </a:rPr>
                         </m:ctrlPr>
                       </m:sSubPr>
                       <m:e>
@@ -4699,12 +4763,16 @@
                           <m:accPr>
                             <m:chr m:val="⃑"/>
                             <m:ctrlPr>
-                              <a:rPr lang="en-US" i="1"/>
+                              <a:rPr lang="en-US" i="1">
+                                <a:latin typeface="Cambria Math" panose="02040503050406030204" pitchFamily="18" charset="0"/>
+                              </a:rPr>
                             </m:ctrlPr>
                           </m:accPr>
                           <m:e>
                             <m:r>
-                              <a:rPr lang="en-US" i="1"/>
+                              <a:rPr lang="en-US" i="1">
+                                <a:latin typeface="Cambria Math" panose="02040503050406030204" pitchFamily="18" charset="0"/>
+                              </a:rPr>
                               <m:t>𝑉</m:t>
                             </m:r>
                           </m:e>
@@ -4712,7 +4780,9 @@
                       </m:e>
                       <m:sub>
                         <m:r>
-                          <a:rPr lang="en-US" i="1"/>
+                          <a:rPr lang="en-US" i="1">
+                            <a:latin typeface="Cambria Math" panose="02040503050406030204" pitchFamily="18" charset="0"/>
+                          </a:rPr>
                           <m:t>2</m:t>
                         </m:r>
                       </m:sub>
@@ -4755,8 +4825,12 @@
               <a:p>
                 <a:pPr lvl="1"/>
                 <a:r>
+                  <a:rPr lang="en-US"/>
+                  <a:t>Source </a:t>
+                </a:r>
+                <a:r>
                   <a:rPr lang="en-US" dirty="0"/>
-                  <a:t>Sonce we know: </a:t>
+                  <a:t>we know: </a:t>
                 </a:r>
               </a:p>
               <a:p>
@@ -5180,7 +5254,7 @@
             </p:txBody>
           </p:sp>
         </mc:Choice>
-        <mc:Fallback>
+        <mc:Fallback xmlns="">
           <p:sp>
             <p:nvSpPr>
               <p:cNvPr id="3" name="Content Placeholder 2">
@@ -5379,8 +5453,8 @@
           </a:p>
         </p:txBody>
       </p:sp>
-      <mc:AlternateContent xmlns:mc="http://schemas.openxmlformats.org/markup-compatibility/2006">
-        <mc:Choice xmlns:a14="http://schemas.microsoft.com/office/drawing/2010/main" Requires="a14">
+      <mc:AlternateContent xmlns:mc="http://schemas.openxmlformats.org/markup-compatibility/2006" xmlns:a14="http://schemas.microsoft.com/office/drawing/2010/main">
+        <mc:Choice Requires="a14">
           <p:sp>
             <p:nvSpPr>
               <p:cNvPr id="3" name="Content Placeholder 2">
@@ -5414,7 +5488,9 @@
                     <m:sSub>
                       <m:sSubPr>
                         <m:ctrlPr>
-                          <a:rPr lang="en-US" i="1"/>
+                          <a:rPr lang="en-US" i="1">
+                            <a:latin typeface="Cambria Math" panose="02040503050406030204" pitchFamily="18" charset="0"/>
+                          </a:rPr>
                         </m:ctrlPr>
                       </m:sSubPr>
                       <m:e>
@@ -5422,12 +5498,16 @@
                           <m:accPr>
                             <m:chr m:val="⃑"/>
                             <m:ctrlPr>
-                              <a:rPr lang="en-US" i="1"/>
+                              <a:rPr lang="en-US" i="1">
+                                <a:latin typeface="Cambria Math" panose="02040503050406030204" pitchFamily="18" charset="0"/>
+                              </a:rPr>
                             </m:ctrlPr>
                           </m:accPr>
                           <m:e>
                             <m:r>
-                              <a:rPr lang="en-US" i="1"/>
+                              <a:rPr lang="en-US" i="1">
+                                <a:latin typeface="Cambria Math" panose="02040503050406030204" pitchFamily="18" charset="0"/>
+                              </a:rPr>
                               <m:t>𝑉</m:t>
                             </m:r>
                           </m:e>
@@ -5435,19 +5515,25 @@
                       </m:e>
                       <m:sub>
                         <m:r>
-                          <a:rPr lang="en-US" i="1"/>
+                          <a:rPr lang="en-US" i="1">
+                            <a:latin typeface="Cambria Math" panose="02040503050406030204" pitchFamily="18" charset="0"/>
+                          </a:rPr>
                           <m:t>1</m:t>
                         </m:r>
                       </m:sub>
                     </m:sSub>
                     <m:r>
-                      <a:rPr lang="en-US" i="1"/>
+                      <a:rPr lang="en-US" i="1">
+                        <a:latin typeface="Cambria Math" panose="02040503050406030204" pitchFamily="18" charset="0"/>
+                      </a:rPr>
                       <m:t>∙</m:t>
                     </m:r>
                     <m:sSub>
                       <m:sSubPr>
                         <m:ctrlPr>
-                          <a:rPr lang="en-US" i="1"/>
+                          <a:rPr lang="en-US" i="1">
+                            <a:latin typeface="Cambria Math" panose="02040503050406030204" pitchFamily="18" charset="0"/>
+                          </a:rPr>
                         </m:ctrlPr>
                       </m:sSubPr>
                       <m:e>
@@ -5455,12 +5541,16 @@
                           <m:accPr>
                             <m:chr m:val="⃑"/>
                             <m:ctrlPr>
-                              <a:rPr lang="en-US" i="1"/>
+                              <a:rPr lang="en-US" i="1">
+                                <a:latin typeface="Cambria Math" panose="02040503050406030204" pitchFamily="18" charset="0"/>
+                              </a:rPr>
                             </m:ctrlPr>
                           </m:accPr>
                           <m:e>
                             <m:r>
-                              <a:rPr lang="en-US" i="1"/>
+                              <a:rPr lang="en-US" i="1">
+                                <a:latin typeface="Cambria Math" panose="02040503050406030204" pitchFamily="18" charset="0"/>
+                              </a:rPr>
                               <m:t>𝑉</m:t>
                             </m:r>
                           </m:e>
@@ -5468,13 +5558,17 @@
                       </m:e>
                       <m:sub>
                         <m:r>
-                          <a:rPr lang="en-US" i="1"/>
+                          <a:rPr lang="en-US" i="1">
+                            <a:latin typeface="Cambria Math" panose="02040503050406030204" pitchFamily="18" charset="0"/>
+                          </a:rPr>
                           <m:t>2</m:t>
                         </m:r>
                       </m:sub>
                     </m:sSub>
                     <m:r>
-                      <a:rPr lang="en-US" i="1"/>
+                      <a:rPr lang="en-US" i="1">
+                        <a:latin typeface="Cambria Math" panose="02040503050406030204" pitchFamily="18" charset="0"/>
+                      </a:rPr>
                       <m:t>=</m:t>
                     </m:r>
                     <m:d>
@@ -5482,14 +5576,18 @@
                         <m:begChr m:val="‖"/>
                         <m:endChr m:val="‖"/>
                         <m:ctrlPr>
-                          <a:rPr lang="en-US" i="1"/>
+                          <a:rPr lang="en-US" i="1">
+                            <a:latin typeface="Cambria Math" panose="02040503050406030204" pitchFamily="18" charset="0"/>
+                          </a:rPr>
                         </m:ctrlPr>
                       </m:dPr>
                       <m:e>
                         <m:sSub>
                           <m:sSubPr>
                             <m:ctrlPr>
-                              <a:rPr lang="en-US" i="1"/>
+                              <a:rPr lang="en-US" i="1">
+                                <a:latin typeface="Cambria Math" panose="02040503050406030204" pitchFamily="18" charset="0"/>
+                              </a:rPr>
                             </m:ctrlPr>
                           </m:sSubPr>
                           <m:e>
@@ -5497,12 +5595,16 @@
                               <m:accPr>
                                 <m:chr m:val="⃑"/>
                                 <m:ctrlPr>
-                                  <a:rPr lang="en-US" i="1"/>
+                                  <a:rPr lang="en-US" i="1">
+                                    <a:latin typeface="Cambria Math" panose="02040503050406030204" pitchFamily="18" charset="0"/>
+                                  </a:rPr>
                                 </m:ctrlPr>
                               </m:accPr>
                               <m:e>
                                 <m:r>
-                                  <a:rPr lang="en-US" i="1"/>
+                                  <a:rPr lang="en-US" i="1">
+                                    <a:latin typeface="Cambria Math" panose="02040503050406030204" pitchFamily="18" charset="0"/>
+                                  </a:rPr>
                                   <m:t>𝑉</m:t>
                                 </m:r>
                               </m:e>
@@ -5510,7 +5612,9 @@
                           </m:e>
                           <m:sub>
                             <m:r>
-                              <a:rPr lang="en-US" i="1"/>
+                              <a:rPr lang="en-US" i="1">
+                                <a:latin typeface="Cambria Math" panose="02040503050406030204" pitchFamily="18" charset="0"/>
+                              </a:rPr>
                               <m:t>1</m:t>
                             </m:r>
                           </m:sub>
@@ -5522,14 +5626,18 @@
                         <m:begChr m:val="‖"/>
                         <m:endChr m:val="‖"/>
                         <m:ctrlPr>
-                          <a:rPr lang="en-US" i="1"/>
+                          <a:rPr lang="en-US" i="1">
+                            <a:latin typeface="Cambria Math" panose="02040503050406030204" pitchFamily="18" charset="0"/>
+                          </a:rPr>
                         </m:ctrlPr>
                       </m:dPr>
                       <m:e>
                         <m:sSub>
                           <m:sSubPr>
                             <m:ctrlPr>
-                              <a:rPr lang="en-US" i="1"/>
+                              <a:rPr lang="en-US" i="1">
+                                <a:latin typeface="Cambria Math" panose="02040503050406030204" pitchFamily="18" charset="0"/>
+                              </a:rPr>
                             </m:ctrlPr>
                           </m:sSubPr>
                           <m:e>
@@ -5537,12 +5645,16 @@
                               <m:accPr>
                                 <m:chr m:val="⃑"/>
                                 <m:ctrlPr>
-                                  <a:rPr lang="en-US" i="1"/>
+                                  <a:rPr lang="en-US" i="1">
+                                    <a:latin typeface="Cambria Math" panose="02040503050406030204" pitchFamily="18" charset="0"/>
+                                  </a:rPr>
                                 </m:ctrlPr>
                               </m:accPr>
                               <m:e>
                                 <m:r>
-                                  <a:rPr lang="en-US" i="1"/>
+                                  <a:rPr lang="en-US" i="1">
+                                    <a:latin typeface="Cambria Math" panose="02040503050406030204" pitchFamily="18" charset="0"/>
+                                  </a:rPr>
                                   <m:t>𝑉</m:t>
                                 </m:r>
                               </m:e>
@@ -5550,7 +5662,9 @@
                           </m:e>
                           <m:sub>
                             <m:r>
-                              <a:rPr lang="en-US" i="1"/>
+                              <a:rPr lang="en-US" i="1">
+                                <a:latin typeface="Cambria Math" panose="02040503050406030204" pitchFamily="18" charset="0"/>
+                              </a:rPr>
                               <m:t>2</m:t>
                             </m:r>
                           </m:sub>
@@ -5560,7 +5674,9 @@
                     <m:func>
                       <m:funcPr>
                         <m:ctrlPr>
-                          <a:rPr lang="en-US" i="1"/>
+                          <a:rPr lang="en-US" i="1">
+                            <a:latin typeface="Cambria Math" panose="02040503050406030204" pitchFamily="18" charset="0"/>
+                          </a:rPr>
                         </m:ctrlPr>
                       </m:funcPr>
                       <m:fName>
@@ -5568,13 +5684,17 @@
                           <m:rPr>
                             <m:sty m:val="p"/>
                           </m:rPr>
-                          <a:rPr lang="en-US"/>
+                          <a:rPr lang="en-US">
+                            <a:latin typeface="Cambria Math" panose="02040503050406030204" pitchFamily="18" charset="0"/>
+                          </a:rPr>
                           <m:t>cos</m:t>
                         </m:r>
                       </m:fName>
                       <m:e>
                         <m:r>
-                          <a:rPr lang="en-US" i="1"/>
+                          <a:rPr lang="en-US" i="1">
+                            <a:latin typeface="Cambria Math" panose="02040503050406030204" pitchFamily="18" charset="0"/>
+                          </a:rPr>
                           <m:t>𝜃</m:t>
                         </m:r>
                       </m:e>
@@ -5605,14 +5725,18 @@
                         <m:begChr m:val="‖"/>
                         <m:endChr m:val="‖"/>
                         <m:ctrlPr>
-                          <a:rPr lang="en-US" i="1"/>
+                          <a:rPr lang="en-US" i="1">
+                            <a:latin typeface="Cambria Math" panose="02040503050406030204" pitchFamily="18" charset="0"/>
+                          </a:rPr>
                         </m:ctrlPr>
                       </m:dPr>
                       <m:e>
                         <m:sSub>
                           <m:sSubPr>
                             <m:ctrlPr>
-                              <a:rPr lang="en-US" i="1"/>
+                              <a:rPr lang="en-US" i="1">
+                                <a:latin typeface="Cambria Math" panose="02040503050406030204" pitchFamily="18" charset="0"/>
+                              </a:rPr>
                             </m:ctrlPr>
                           </m:sSubPr>
                           <m:e>
@@ -5620,12 +5744,16 @@
                               <m:accPr>
                                 <m:chr m:val="̂"/>
                                 <m:ctrlPr>
-                                  <a:rPr lang="en-US" i="1"/>
+                                  <a:rPr lang="en-US" i="1">
+                                    <a:latin typeface="Cambria Math" panose="02040503050406030204" pitchFamily="18" charset="0"/>
+                                  </a:rPr>
                                 </m:ctrlPr>
                               </m:accPr>
                               <m:e>
                                 <m:r>
-                                  <a:rPr lang="en-US" i="1"/>
+                                  <a:rPr lang="en-US" i="1">
+                                    <a:latin typeface="Cambria Math" panose="02040503050406030204" pitchFamily="18" charset="0"/>
+                                  </a:rPr>
                                   <m:t>𝑉</m:t>
                                 </m:r>
                               </m:e>
@@ -5633,7 +5761,9 @@
                           </m:e>
                           <m:sub>
                             <m:r>
-                              <a:rPr lang="en-US"/>
+                              <a:rPr lang="en-US">
+                                <a:latin typeface="Cambria Math" panose="02040503050406030204" pitchFamily="18" charset="0"/>
+                              </a:rPr>
                               <m:t>1</m:t>
                             </m:r>
                           </m:sub>
@@ -5641,7 +5771,9 @@
                       </m:e>
                     </m:d>
                     <m:r>
-                      <a:rPr lang="en-US" i="1"/>
+                      <a:rPr lang="en-US" i="1">
+                        <a:latin typeface="Cambria Math" panose="02040503050406030204" pitchFamily="18" charset="0"/>
+                      </a:rPr>
                       <m:t>=</m:t>
                     </m:r>
                     <m:d>
@@ -5649,14 +5781,18 @@
                         <m:begChr m:val="‖"/>
                         <m:endChr m:val="‖"/>
                         <m:ctrlPr>
-                          <a:rPr lang="en-US" i="1"/>
+                          <a:rPr lang="en-US" i="1">
+                            <a:latin typeface="Cambria Math" panose="02040503050406030204" pitchFamily="18" charset="0"/>
+                          </a:rPr>
                         </m:ctrlPr>
                       </m:dPr>
                       <m:e>
                         <m:sSub>
                           <m:sSubPr>
                             <m:ctrlPr>
-                              <a:rPr lang="en-US" i="1"/>
+                              <a:rPr lang="en-US" i="1">
+                                <a:latin typeface="Cambria Math" panose="02040503050406030204" pitchFamily="18" charset="0"/>
+                              </a:rPr>
                             </m:ctrlPr>
                           </m:sSubPr>
                           <m:e>
@@ -5664,12 +5800,16 @@
                               <m:accPr>
                                 <m:chr m:val="̂"/>
                                 <m:ctrlPr>
-                                  <a:rPr lang="en-US" i="1"/>
+                                  <a:rPr lang="en-US" i="1">
+                                    <a:latin typeface="Cambria Math" panose="02040503050406030204" pitchFamily="18" charset="0"/>
+                                  </a:rPr>
                                 </m:ctrlPr>
                               </m:accPr>
                               <m:e>
                                 <m:r>
-                                  <a:rPr lang="en-US" i="1"/>
+                                  <a:rPr lang="en-US" i="1">
+                                    <a:latin typeface="Cambria Math" panose="02040503050406030204" pitchFamily="18" charset="0"/>
+                                  </a:rPr>
                                   <m:t>𝑉</m:t>
                                 </m:r>
                               </m:e>
@@ -5677,7 +5817,9 @@
                           </m:e>
                           <m:sub>
                             <m:r>
-                              <a:rPr lang="en-US"/>
+                              <a:rPr lang="en-US">
+                                <a:latin typeface="Cambria Math" panose="02040503050406030204" pitchFamily="18" charset="0"/>
+                              </a:rPr>
                               <m:t>2</m:t>
                             </m:r>
                           </m:sub>
@@ -5685,7 +5827,9 @@
                       </m:e>
                     </m:d>
                     <m:r>
-                      <a:rPr lang="en-US"/>
+                      <a:rPr lang="en-US">
+                        <a:latin typeface="Cambria Math" panose="02040503050406030204" pitchFamily="18" charset="0"/>
+                      </a:rPr>
                       <m:t>=1.0</m:t>
                     </m:r>
                   </m:oMath>
@@ -5845,7 +5989,9 @@
                     <m:sSub>
                       <m:sSubPr>
                         <m:ctrlPr>
-                          <a:rPr lang="en-US" i="1"/>
+                          <a:rPr lang="en-US" i="1">
+                            <a:latin typeface="Cambria Math" panose="02040503050406030204" pitchFamily="18" charset="0"/>
+                          </a:rPr>
                         </m:ctrlPr>
                       </m:sSubPr>
                       <m:e>
@@ -5853,12 +5999,16 @@
                           <m:accPr>
                             <m:chr m:val="̂"/>
                             <m:ctrlPr>
-                              <a:rPr lang="en-US" i="1"/>
+                              <a:rPr lang="en-US" i="1">
+                                <a:latin typeface="Cambria Math" panose="02040503050406030204" pitchFamily="18" charset="0"/>
+                              </a:rPr>
                             </m:ctrlPr>
                           </m:accPr>
                           <m:e>
                             <m:r>
-                              <a:rPr lang="en-US" i="1"/>
+                              <a:rPr lang="en-US" i="1">
+                                <a:latin typeface="Cambria Math" panose="02040503050406030204" pitchFamily="18" charset="0"/>
+                              </a:rPr>
                               <m:t>𝑉</m:t>
                             </m:r>
                           </m:e>
@@ -5866,19 +6016,25 @@
                       </m:e>
                       <m:sub>
                         <m:r>
-                          <a:rPr lang="en-US"/>
+                          <a:rPr lang="en-US">
+                            <a:latin typeface="Cambria Math" panose="02040503050406030204" pitchFamily="18" charset="0"/>
+                          </a:rPr>
                           <m:t>1</m:t>
                         </m:r>
                       </m:sub>
                     </m:sSub>
                     <m:r>
-                      <a:rPr lang="en-US" i="1"/>
+                      <a:rPr lang="en-US" i="1">
+                        <a:latin typeface="Cambria Math" panose="02040503050406030204" pitchFamily="18" charset="0"/>
+                      </a:rPr>
                       <m:t>∙</m:t>
                     </m:r>
                     <m:sSub>
                       <m:sSubPr>
                         <m:ctrlPr>
-                          <a:rPr lang="en-US" i="1"/>
+                          <a:rPr lang="en-US" i="1">
+                            <a:latin typeface="Cambria Math" panose="02040503050406030204" pitchFamily="18" charset="0"/>
+                          </a:rPr>
                         </m:ctrlPr>
                       </m:sSubPr>
                       <m:e>
@@ -5886,12 +6042,16 @@
                           <m:accPr>
                             <m:chr m:val="⃑"/>
                             <m:ctrlPr>
-                              <a:rPr lang="en-US" i="1"/>
+                              <a:rPr lang="en-US" i="1">
+                                <a:latin typeface="Cambria Math" panose="02040503050406030204" pitchFamily="18" charset="0"/>
+                              </a:rPr>
                             </m:ctrlPr>
                           </m:accPr>
                           <m:e>
                             <m:r>
-                              <a:rPr lang="en-US" i="1"/>
+                              <a:rPr lang="en-US" i="1">
+                                <a:latin typeface="Cambria Math" panose="02040503050406030204" pitchFamily="18" charset="0"/>
+                              </a:rPr>
                               <m:t>𝑉</m:t>
                             </m:r>
                           </m:e>
@@ -5899,13 +6059,17 @@
                       </m:e>
                       <m:sub>
                         <m:r>
-                          <a:rPr lang="en-US" i="1"/>
+                          <a:rPr lang="en-US" i="1">
+                            <a:latin typeface="Cambria Math" panose="02040503050406030204" pitchFamily="18" charset="0"/>
+                          </a:rPr>
                           <m:t>2</m:t>
                         </m:r>
                       </m:sub>
                     </m:sSub>
                     <m:r>
-                      <a:rPr lang="en-US" i="1"/>
+                      <a:rPr lang="en-US" i="1">
+                        <a:latin typeface="Cambria Math" panose="02040503050406030204" pitchFamily="18" charset="0"/>
+                      </a:rPr>
                       <m:t>=</m:t>
                     </m:r>
                     <m:d>
@@ -5913,14 +6077,18 @@
                         <m:begChr m:val="‖"/>
                         <m:endChr m:val="‖"/>
                         <m:ctrlPr>
-                          <a:rPr lang="en-US" i="1"/>
+                          <a:rPr lang="en-US" i="1">
+                            <a:latin typeface="Cambria Math" panose="02040503050406030204" pitchFamily="18" charset="0"/>
+                          </a:rPr>
                         </m:ctrlPr>
                       </m:dPr>
                       <m:e>
                         <m:sSub>
                           <m:sSubPr>
                             <m:ctrlPr>
-                              <a:rPr lang="en-US" i="1"/>
+                              <a:rPr lang="en-US" i="1">
+                                <a:latin typeface="Cambria Math" panose="02040503050406030204" pitchFamily="18" charset="0"/>
+                              </a:rPr>
                             </m:ctrlPr>
                           </m:sSubPr>
                           <m:e>
@@ -5928,12 +6096,16 @@
                               <m:accPr>
                                 <m:chr m:val="⃑"/>
                                 <m:ctrlPr>
-                                  <a:rPr lang="en-US" i="1"/>
+                                  <a:rPr lang="en-US" i="1">
+                                    <a:latin typeface="Cambria Math" panose="02040503050406030204" pitchFamily="18" charset="0"/>
+                                  </a:rPr>
                                 </m:ctrlPr>
                               </m:accPr>
                               <m:e>
                                 <m:r>
-                                  <a:rPr lang="en-US" i="1"/>
+                                  <a:rPr lang="en-US" i="1">
+                                    <a:latin typeface="Cambria Math" panose="02040503050406030204" pitchFamily="18" charset="0"/>
+                                  </a:rPr>
                                   <m:t>𝑉</m:t>
                                 </m:r>
                               </m:e>
@@ -5941,7 +6113,9 @@
                           </m:e>
                           <m:sub>
                             <m:r>
-                              <a:rPr lang="en-US" i="1"/>
+                              <a:rPr lang="en-US" i="1">
+                                <a:latin typeface="Cambria Math" panose="02040503050406030204" pitchFamily="18" charset="0"/>
+                              </a:rPr>
                               <m:t>2</m:t>
                             </m:r>
                           </m:sub>
@@ -5951,7 +6125,9 @@
                     <m:func>
                       <m:funcPr>
                         <m:ctrlPr>
-                          <a:rPr lang="en-US" i="1"/>
+                          <a:rPr lang="en-US" i="1">
+                            <a:latin typeface="Cambria Math" panose="02040503050406030204" pitchFamily="18" charset="0"/>
+                          </a:rPr>
                         </m:ctrlPr>
                       </m:funcPr>
                       <m:fName>
@@ -5959,13 +6135,17 @@
                           <m:rPr>
                             <m:sty m:val="p"/>
                           </m:rPr>
-                          <a:rPr lang="en-US"/>
+                          <a:rPr lang="en-US">
+                            <a:latin typeface="Cambria Math" panose="02040503050406030204" pitchFamily="18" charset="0"/>
+                          </a:rPr>
                           <m:t>cos</m:t>
                         </m:r>
                       </m:fName>
                       <m:e>
                         <m:r>
-                          <a:rPr lang="en-US" i="1"/>
+                          <a:rPr lang="en-US" i="1">
+                            <a:latin typeface="Cambria Math" panose="02040503050406030204" pitchFamily="18" charset="0"/>
+                          </a:rPr>
                           <m:t>𝜃</m:t>
                         </m:r>
                       </m:e>
@@ -5984,7 +6164,9 @@
                     <m:sSub>
                       <m:sSubPr>
                         <m:ctrlPr>
-                          <a:rPr lang="en-US" i="1"/>
+                          <a:rPr lang="en-US" i="1">
+                            <a:latin typeface="Cambria Math" panose="02040503050406030204" pitchFamily="18" charset="0"/>
+                          </a:rPr>
                         </m:ctrlPr>
                       </m:sSubPr>
                       <m:e>
@@ -5992,12 +6174,16 @@
                           <m:accPr>
                             <m:chr m:val="⃑"/>
                             <m:ctrlPr>
-                              <a:rPr lang="en-US" i="1"/>
+                              <a:rPr lang="en-US" i="1">
+                                <a:latin typeface="Cambria Math" panose="02040503050406030204" pitchFamily="18" charset="0"/>
+                              </a:rPr>
                             </m:ctrlPr>
                           </m:accPr>
                           <m:e>
                             <m:r>
-                              <a:rPr lang="en-US" i="1"/>
+                              <a:rPr lang="en-US" i="1">
+                                <a:latin typeface="Cambria Math" panose="02040503050406030204" pitchFamily="18" charset="0"/>
+                              </a:rPr>
                               <m:t>𝑉</m:t>
                             </m:r>
                           </m:e>
@@ -6005,19 +6191,25 @@
                       </m:e>
                       <m:sub>
                         <m:r>
-                          <a:rPr lang="en-US" i="1"/>
+                          <a:rPr lang="en-US" i="1">
+                            <a:latin typeface="Cambria Math" panose="02040503050406030204" pitchFamily="18" charset="0"/>
+                          </a:rPr>
                           <m:t>1</m:t>
                         </m:r>
                       </m:sub>
                     </m:sSub>
                     <m:r>
-                      <a:rPr lang="en-US" i="1"/>
+                      <a:rPr lang="en-US" i="1">
+                        <a:latin typeface="Cambria Math" panose="02040503050406030204" pitchFamily="18" charset="0"/>
+                      </a:rPr>
                       <m:t>∙</m:t>
                     </m:r>
                     <m:sSub>
                       <m:sSubPr>
                         <m:ctrlPr>
-                          <a:rPr lang="en-US" i="1"/>
+                          <a:rPr lang="en-US" i="1">
+                            <a:latin typeface="Cambria Math" panose="02040503050406030204" pitchFamily="18" charset="0"/>
+                          </a:rPr>
                         </m:ctrlPr>
                       </m:sSubPr>
                       <m:e>
@@ -6025,12 +6217,16 @@
                           <m:accPr>
                             <m:chr m:val="̂"/>
                             <m:ctrlPr>
-                              <a:rPr lang="en-US" i="1"/>
+                              <a:rPr lang="en-US" i="1">
+                                <a:latin typeface="Cambria Math" panose="02040503050406030204" pitchFamily="18" charset="0"/>
+                              </a:rPr>
                             </m:ctrlPr>
                           </m:accPr>
                           <m:e>
                             <m:r>
-                              <a:rPr lang="en-US" i="1"/>
+                              <a:rPr lang="en-US" i="1">
+                                <a:latin typeface="Cambria Math" panose="02040503050406030204" pitchFamily="18" charset="0"/>
+                              </a:rPr>
                               <m:t>𝑉</m:t>
                             </m:r>
                           </m:e>
@@ -6038,13 +6234,17 @@
                       </m:e>
                       <m:sub>
                         <m:r>
-                          <a:rPr lang="en-US"/>
+                          <a:rPr lang="en-US">
+                            <a:latin typeface="Cambria Math" panose="02040503050406030204" pitchFamily="18" charset="0"/>
+                          </a:rPr>
                           <m:t>2</m:t>
                         </m:r>
                       </m:sub>
                     </m:sSub>
                     <m:r>
-                      <a:rPr lang="en-US" i="1"/>
+                      <a:rPr lang="en-US" i="1">
+                        <a:latin typeface="Cambria Math" panose="02040503050406030204" pitchFamily="18" charset="0"/>
+                      </a:rPr>
                       <m:t>=</m:t>
                     </m:r>
                     <m:d>
@@ -6052,14 +6252,18 @@
                         <m:begChr m:val="‖"/>
                         <m:endChr m:val="‖"/>
                         <m:ctrlPr>
-                          <a:rPr lang="en-US" i="1"/>
+                          <a:rPr lang="en-US" i="1">
+                            <a:latin typeface="Cambria Math" panose="02040503050406030204" pitchFamily="18" charset="0"/>
+                          </a:rPr>
                         </m:ctrlPr>
                       </m:dPr>
                       <m:e>
                         <m:sSub>
                           <m:sSubPr>
                             <m:ctrlPr>
-                              <a:rPr lang="en-US" i="1"/>
+                              <a:rPr lang="en-US" i="1">
+                                <a:latin typeface="Cambria Math" panose="02040503050406030204" pitchFamily="18" charset="0"/>
+                              </a:rPr>
                             </m:ctrlPr>
                           </m:sSubPr>
                           <m:e>
@@ -6067,12 +6271,16 @@
                               <m:accPr>
                                 <m:chr m:val="⃑"/>
                                 <m:ctrlPr>
-                                  <a:rPr lang="en-US" i="1"/>
+                                  <a:rPr lang="en-US" i="1">
+                                    <a:latin typeface="Cambria Math" panose="02040503050406030204" pitchFamily="18" charset="0"/>
+                                  </a:rPr>
                                 </m:ctrlPr>
                               </m:accPr>
                               <m:e>
                                 <m:r>
-                                  <a:rPr lang="en-US" i="1"/>
+                                  <a:rPr lang="en-US" i="1">
+                                    <a:latin typeface="Cambria Math" panose="02040503050406030204" pitchFamily="18" charset="0"/>
+                                  </a:rPr>
                                   <m:t>𝑉</m:t>
                                 </m:r>
                               </m:e>
@@ -6080,7 +6288,9 @@
                           </m:e>
                           <m:sub>
                             <m:r>
-                              <a:rPr lang="en-US" i="1"/>
+                              <a:rPr lang="en-US" i="1">
+                                <a:latin typeface="Cambria Math" panose="02040503050406030204" pitchFamily="18" charset="0"/>
+                              </a:rPr>
                               <m:t>1</m:t>
                             </m:r>
                           </m:sub>
@@ -6090,7 +6300,9 @@
                     <m:func>
                       <m:funcPr>
                         <m:ctrlPr>
-                          <a:rPr lang="en-US" i="1"/>
+                          <a:rPr lang="en-US" i="1">
+                            <a:latin typeface="Cambria Math" panose="02040503050406030204" pitchFamily="18" charset="0"/>
+                          </a:rPr>
                         </m:ctrlPr>
                       </m:funcPr>
                       <m:fName>
@@ -6098,13 +6310,17 @@
                           <m:rPr>
                             <m:sty m:val="p"/>
                           </m:rPr>
-                          <a:rPr lang="en-US"/>
+                          <a:rPr lang="en-US">
+                            <a:latin typeface="Cambria Math" panose="02040503050406030204" pitchFamily="18" charset="0"/>
+                          </a:rPr>
                           <m:t>cos</m:t>
                         </m:r>
                       </m:fName>
                       <m:e>
                         <m:r>
-                          <a:rPr lang="en-US" i="1"/>
+                          <a:rPr lang="en-US" i="1">
+                            <a:latin typeface="Cambria Math" panose="02040503050406030204" pitchFamily="18" charset="0"/>
+                          </a:rPr>
                           <m:t>𝜃</m:t>
                         </m:r>
                       </m:e>
@@ -6129,14 +6345,18 @@
                         <m:begChr m:val="‖"/>
                         <m:endChr m:val="‖"/>
                         <m:ctrlPr>
-                          <a:rPr lang="en-US" i="1"/>
+                          <a:rPr lang="en-US" i="1">
+                            <a:latin typeface="Cambria Math" panose="02040503050406030204" pitchFamily="18" charset="0"/>
+                          </a:rPr>
                         </m:ctrlPr>
                       </m:dPr>
                       <m:e>
                         <m:sSub>
                           <m:sSubPr>
                             <m:ctrlPr>
-                              <a:rPr lang="en-US" i="1"/>
+                              <a:rPr lang="en-US" i="1">
+                                <a:latin typeface="Cambria Math" panose="02040503050406030204" pitchFamily="18" charset="0"/>
+                              </a:rPr>
                             </m:ctrlPr>
                           </m:sSubPr>
                           <m:e>
@@ -6144,12 +6364,16 @@
                               <m:accPr>
                                 <m:chr m:val="⃑"/>
                                 <m:ctrlPr>
-                                  <a:rPr lang="en-US" i="1"/>
+                                  <a:rPr lang="en-US" i="1">
+                                    <a:latin typeface="Cambria Math" panose="02040503050406030204" pitchFamily="18" charset="0"/>
+                                  </a:rPr>
                                 </m:ctrlPr>
                               </m:accPr>
                               <m:e>
                                 <m:r>
-                                  <a:rPr lang="en-US" i="1"/>
+                                  <a:rPr lang="en-US" i="1">
+                                    <a:latin typeface="Cambria Math" panose="02040503050406030204" pitchFamily="18" charset="0"/>
+                                  </a:rPr>
                                   <m:t>𝑉</m:t>
                                 </m:r>
                               </m:e>
@@ -6157,7 +6381,9 @@
                           </m:e>
                           <m:sub>
                             <m:r>
-                              <a:rPr lang="en-US" i="1"/>
+                              <a:rPr lang="en-US" i="1">
+                                <a:latin typeface="Cambria Math" panose="02040503050406030204" pitchFamily="18" charset="0"/>
+                              </a:rPr>
                               <m:t>1</m:t>
                             </m:r>
                           </m:sub>
@@ -6167,7 +6393,9 @@
                     <m:func>
                       <m:funcPr>
                         <m:ctrlPr>
-                          <a:rPr lang="en-US" i="1"/>
+                          <a:rPr lang="en-US" i="1">
+                            <a:latin typeface="Cambria Math" panose="02040503050406030204" pitchFamily="18" charset="0"/>
+                          </a:rPr>
                         </m:ctrlPr>
                       </m:funcPr>
                       <m:fName>
@@ -6175,19 +6403,25 @@
                           <m:rPr>
                             <m:sty m:val="p"/>
                           </m:rPr>
-                          <a:rPr lang="en-US"/>
+                          <a:rPr lang="en-US">
+                            <a:latin typeface="Cambria Math" panose="02040503050406030204" pitchFamily="18" charset="0"/>
+                          </a:rPr>
                           <m:t>cos</m:t>
                         </m:r>
                       </m:fName>
                       <m:e>
                         <m:r>
-                          <a:rPr lang="en-US" i="1"/>
+                          <a:rPr lang="en-US" i="1">
+                            <a:latin typeface="Cambria Math" panose="02040503050406030204" pitchFamily="18" charset="0"/>
+                          </a:rPr>
                           <m:t>𝜃</m:t>
                         </m:r>
                       </m:e>
                     </m:func>
                     <m:r>
-                      <a:rPr lang="en-US" i="1"/>
+                      <a:rPr lang="en-US" i="1">
+                        <a:latin typeface="Cambria Math" panose="02040503050406030204" pitchFamily="18" charset="0"/>
+                      </a:rPr>
                       <m:t>&gt;</m:t>
                     </m:r>
                   </m:oMath>
@@ -6203,14 +6437,18 @@
                         <m:begChr m:val="‖"/>
                         <m:endChr m:val="‖"/>
                         <m:ctrlPr>
-                          <a:rPr lang="en-US" i="1"/>
+                          <a:rPr lang="en-US" i="1">
+                            <a:latin typeface="Cambria Math" panose="02040503050406030204" pitchFamily="18" charset="0"/>
+                          </a:rPr>
                         </m:ctrlPr>
                       </m:dPr>
                       <m:e>
                         <m:sSub>
                           <m:sSubPr>
                             <m:ctrlPr>
-                              <a:rPr lang="en-US" i="1"/>
+                              <a:rPr lang="en-US" i="1">
+                                <a:latin typeface="Cambria Math" panose="02040503050406030204" pitchFamily="18" charset="0"/>
+                              </a:rPr>
                             </m:ctrlPr>
                           </m:sSubPr>
                           <m:e>
@@ -6218,12 +6456,16 @@
                               <m:accPr>
                                 <m:chr m:val="⃑"/>
                                 <m:ctrlPr>
-                                  <a:rPr lang="en-US" i="1"/>
+                                  <a:rPr lang="en-US" i="1">
+                                    <a:latin typeface="Cambria Math" panose="02040503050406030204" pitchFamily="18" charset="0"/>
+                                  </a:rPr>
                                 </m:ctrlPr>
                               </m:accPr>
                               <m:e>
                                 <m:r>
-                                  <a:rPr lang="en-US" i="1"/>
+                                  <a:rPr lang="en-US" i="1">
+                                    <a:latin typeface="Cambria Math" panose="02040503050406030204" pitchFamily="18" charset="0"/>
+                                  </a:rPr>
                                   <m:t>𝑉</m:t>
                                 </m:r>
                               </m:e>
@@ -6231,7 +6473,9 @@
                           </m:e>
                           <m:sub>
                             <m:r>
-                              <a:rPr lang="en-US" i="1"/>
+                              <a:rPr lang="en-US" i="1">
+                                <a:latin typeface="Cambria Math" panose="02040503050406030204" pitchFamily="18" charset="0"/>
+                              </a:rPr>
                               <m:t>2</m:t>
                             </m:r>
                           </m:sub>
@@ -6261,7 +6505,7 @@
             </p:txBody>
           </p:sp>
         </mc:Choice>
-        <mc:Fallback>
+        <mc:Fallback xmlns="">
           <p:sp>
             <p:nvSpPr>
               <p:cNvPr id="3" name="Content Placeholder 2">
@@ -6496,8 +6740,8 @@
           </a:p>
         </p:txBody>
       </p:sp>
-      <mc:AlternateContent xmlns:mc="http://schemas.openxmlformats.org/markup-compatibility/2006">
-        <mc:Choice xmlns:a14="http://schemas.microsoft.com/office/drawing/2010/main" Requires="a14">
+      <mc:AlternateContent xmlns:mc="http://schemas.openxmlformats.org/markup-compatibility/2006" xmlns:a14="http://schemas.microsoft.com/office/drawing/2010/main">
+        <mc:Choice Requires="a14">
           <p:sp>
             <p:nvSpPr>
               <p:cNvPr id="3" name="Content Placeholder 2">
@@ -6809,7 +7053,7 @@
             </p:txBody>
           </p:sp>
         </mc:Choice>
-        <mc:Fallback>
+        <mc:Fallback xmlns="">
           <p:sp>
             <p:nvSpPr>
               <p:cNvPr id="3" name="Content Placeholder 2">
@@ -6911,8 +7155,8 @@
           </a:p>
         </p:txBody>
       </p:sp>
-      <mc:AlternateContent xmlns:mc="http://schemas.openxmlformats.org/markup-compatibility/2006">
-        <mc:Choice xmlns:a14="http://schemas.microsoft.com/office/drawing/2010/main" Requires="a14">
+      <mc:AlternateContent xmlns:mc="http://schemas.openxmlformats.org/markup-compatibility/2006" xmlns:a14="http://schemas.microsoft.com/office/drawing/2010/main">
+        <mc:Choice Requires="a14">
           <p:sp>
             <p:nvSpPr>
               <p:cNvPr id="3" name="Content Placeholder 2">
@@ -6951,25 +7195,35 @@
                 <a14:m>
                   <m:oMath xmlns:m="http://schemas.openxmlformats.org/officeDocument/2006/math">
                     <m:r>
-                      <a:rPr lang="en-US" i="1"/>
+                      <a:rPr lang="en-US" i="1">
+                        <a:latin typeface="Cambria Math" panose="02040503050406030204" pitchFamily="18" charset="0"/>
+                      </a:rPr>
                       <m:t>𝑣</m:t>
                     </m:r>
                     <m:r>
-                      <a:rPr lang="en-US"/>
+                      <a:rPr lang="en-US">
+                        <a:latin typeface="Cambria Math" panose="02040503050406030204" pitchFamily="18" charset="0"/>
+                      </a:rPr>
                       <m:t>1</m:t>
                     </m:r>
                     <m:r>
-                      <a:rPr lang="en-US" i="1"/>
+                      <a:rPr lang="en-US" i="1">
+                        <a:latin typeface="Cambria Math" panose="02040503050406030204" pitchFamily="18" charset="0"/>
+                      </a:rPr>
                       <m:t>𝐿𝑒𝑛𝑔𝑡h𝑂𝑛𝑉</m:t>
                     </m:r>
                     <m:r>
-                      <a:rPr lang="en-US"/>
+                      <a:rPr lang="en-US">
+                        <a:latin typeface="Cambria Math" panose="02040503050406030204" pitchFamily="18" charset="0"/>
+                      </a:rPr>
                       <m:t>2= </m:t>
                     </m:r>
                     <m:sSub>
                       <m:sSubPr>
                         <m:ctrlPr>
-                          <a:rPr lang="en-US" i="1"/>
+                          <a:rPr lang="en-US" i="1">
+                            <a:latin typeface="Cambria Math" panose="02040503050406030204" pitchFamily="18" charset="0"/>
+                          </a:rPr>
                         </m:ctrlPr>
                       </m:sSubPr>
                       <m:e>
@@ -6977,12 +7231,16 @@
                           <m:accPr>
                             <m:chr m:val="⃑"/>
                             <m:ctrlPr>
-                              <a:rPr lang="en-US" i="1"/>
+                              <a:rPr lang="en-US" i="1">
+                                <a:latin typeface="Cambria Math" panose="02040503050406030204" pitchFamily="18" charset="0"/>
+                              </a:rPr>
                             </m:ctrlPr>
                           </m:accPr>
                           <m:e>
                             <m:r>
-                              <a:rPr lang="en-US" i="1"/>
+                              <a:rPr lang="en-US" i="1">
+                                <a:latin typeface="Cambria Math" panose="02040503050406030204" pitchFamily="18" charset="0"/>
+                              </a:rPr>
                               <m:t>𝑉</m:t>
                             </m:r>
                           </m:e>
@@ -6990,19 +7248,25 @@
                       </m:e>
                       <m:sub>
                         <m:r>
-                          <a:rPr lang="en-US"/>
+                          <a:rPr lang="en-US">
+                            <a:latin typeface="Cambria Math" panose="02040503050406030204" pitchFamily="18" charset="0"/>
+                          </a:rPr>
                           <m:t>1</m:t>
                         </m:r>
                       </m:sub>
                     </m:sSub>
                     <m:r>
-                      <a:rPr lang="en-US"/>
+                      <a:rPr lang="en-US">
+                        <a:latin typeface="Cambria Math" panose="02040503050406030204" pitchFamily="18" charset="0"/>
+                      </a:rPr>
                       <m:t>∙</m:t>
                     </m:r>
                     <m:sSub>
                       <m:sSubPr>
                         <m:ctrlPr>
-                          <a:rPr lang="en-US" i="1"/>
+                          <a:rPr lang="en-US" i="1">
+                            <a:latin typeface="Cambria Math" panose="02040503050406030204" pitchFamily="18" charset="0"/>
+                          </a:rPr>
                         </m:ctrlPr>
                       </m:sSubPr>
                       <m:e>
@@ -7010,12 +7274,16 @@
                           <m:accPr>
                             <m:chr m:val="̂"/>
                             <m:ctrlPr>
-                              <a:rPr lang="en-US" i="1"/>
+                              <a:rPr lang="en-US" i="1">
+                                <a:latin typeface="Cambria Math" panose="02040503050406030204" pitchFamily="18" charset="0"/>
+                              </a:rPr>
                             </m:ctrlPr>
                           </m:accPr>
                           <m:e>
                             <m:r>
-                              <a:rPr lang="en-US" i="1"/>
+                              <a:rPr lang="en-US" i="1">
+                                <a:latin typeface="Cambria Math" panose="02040503050406030204" pitchFamily="18" charset="0"/>
+                              </a:rPr>
                               <m:t>𝑉</m:t>
                             </m:r>
                           </m:e>
@@ -7023,13 +7291,17 @@
                       </m:e>
                       <m:sub>
                         <m:r>
-                          <a:rPr lang="en-US"/>
+                          <a:rPr lang="en-US">
+                            <a:latin typeface="Cambria Math" panose="02040503050406030204" pitchFamily="18" charset="0"/>
+                          </a:rPr>
                           <m:t>2</m:t>
                         </m:r>
                       </m:sub>
                     </m:sSub>
                     <m:r>
-                      <a:rPr lang="en-US"/>
+                      <a:rPr lang="en-US">
+                        <a:latin typeface="Cambria Math" panose="02040503050406030204" pitchFamily="18" charset="0"/>
+                      </a:rPr>
                       <m:t>=</m:t>
                     </m:r>
                     <m:d>
@@ -7037,14 +7309,18 @@
                         <m:begChr m:val="‖"/>
                         <m:endChr m:val="‖"/>
                         <m:ctrlPr>
-                          <a:rPr lang="en-US" i="1"/>
+                          <a:rPr lang="en-US" i="1">
+                            <a:latin typeface="Cambria Math" panose="02040503050406030204" pitchFamily="18" charset="0"/>
+                          </a:rPr>
                         </m:ctrlPr>
                       </m:dPr>
                       <m:e>
                         <m:sSub>
                           <m:sSubPr>
                             <m:ctrlPr>
-                              <a:rPr lang="en-US" i="1"/>
+                              <a:rPr lang="en-US" i="1">
+                                <a:latin typeface="Cambria Math" panose="02040503050406030204" pitchFamily="18" charset="0"/>
+                              </a:rPr>
                             </m:ctrlPr>
                           </m:sSubPr>
                           <m:e>
@@ -7052,12 +7328,16 @@
                               <m:accPr>
                                 <m:chr m:val="⃑"/>
                                 <m:ctrlPr>
-                                  <a:rPr lang="en-US" i="1"/>
+                                  <a:rPr lang="en-US" i="1">
+                                    <a:latin typeface="Cambria Math" panose="02040503050406030204" pitchFamily="18" charset="0"/>
+                                  </a:rPr>
                                 </m:ctrlPr>
                               </m:accPr>
                               <m:e>
                                 <m:r>
-                                  <a:rPr lang="en-US" i="1"/>
+                                  <a:rPr lang="en-US" i="1">
+                                    <a:latin typeface="Cambria Math" panose="02040503050406030204" pitchFamily="18" charset="0"/>
+                                  </a:rPr>
                                   <m:t>𝑉</m:t>
                                 </m:r>
                               </m:e>
@@ -7065,7 +7345,9 @@
                           </m:e>
                           <m:sub>
                             <m:r>
-                              <a:rPr lang="en-US"/>
+                              <a:rPr lang="en-US">
+                                <a:latin typeface="Cambria Math" panose="02040503050406030204" pitchFamily="18" charset="0"/>
+                              </a:rPr>
                               <m:t>1</m:t>
                             </m:r>
                           </m:sub>
@@ -7075,7 +7357,9 @@
                     <m:func>
                       <m:funcPr>
                         <m:ctrlPr>
-                          <a:rPr lang="en-US" i="1"/>
+                          <a:rPr lang="en-US" i="1">
+                            <a:latin typeface="Cambria Math" panose="02040503050406030204" pitchFamily="18" charset="0"/>
+                          </a:rPr>
                         </m:ctrlPr>
                       </m:funcPr>
                       <m:fName>
@@ -7083,13 +7367,17 @@
                           <m:rPr>
                             <m:sty m:val="p"/>
                           </m:rPr>
-                          <a:rPr lang="en-US"/>
+                          <a:rPr lang="en-US">
+                            <a:latin typeface="Cambria Math" panose="02040503050406030204" pitchFamily="18" charset="0"/>
+                          </a:rPr>
                           <m:t>cos</m:t>
                         </m:r>
                       </m:fName>
                       <m:e>
                         <m:r>
-                          <a:rPr lang="en-US" i="1"/>
+                          <a:rPr lang="en-US" i="1">
+                            <a:latin typeface="Cambria Math" panose="02040503050406030204" pitchFamily="18" charset="0"/>
+                          </a:rPr>
                           <m:t>𝜃</m:t>
                         </m:r>
                       </m:e>
@@ -7335,7 +7623,7 @@
             </p:txBody>
           </p:sp>
         </mc:Choice>
-        <mc:Fallback>
+        <mc:Fallback xmlns="">
           <p:sp>
             <p:nvSpPr>
               <p:cNvPr id="3" name="Content Placeholder 2">
@@ -7433,8 +7721,8 @@
           </a:p>
         </p:txBody>
       </p:sp>
-      <mc:AlternateContent xmlns:mc="http://schemas.openxmlformats.org/markup-compatibility/2006">
-        <mc:Choice xmlns:a14="http://schemas.microsoft.com/office/drawing/2010/main" Requires="a14">
+      <mc:AlternateContent xmlns:mc="http://schemas.openxmlformats.org/markup-compatibility/2006" xmlns:a14="http://schemas.microsoft.com/office/drawing/2010/main">
+        <mc:Choice Requires="a14">
           <p:sp>
             <p:nvSpPr>
               <p:cNvPr id="3" name="Content Placeholder 2">
@@ -7471,7 +7759,9 @@
                 <a14:m>
                   <m:oMath xmlns:m="http://schemas.openxmlformats.org/officeDocument/2006/math">
                     <m:r>
-                      <a:rPr lang="en-US" i="1"/>
+                      <a:rPr lang="en-US" i="1">
+                        <a:latin typeface="Cambria Math" panose="02040503050406030204" pitchFamily="18" charset="0"/>
+                      </a:rPr>
                       <m:t>90°</m:t>
                     </m:r>
                   </m:oMath>
@@ -7487,7 +7777,9 @@
                 <a14:m>
                   <m:oMath xmlns:m="http://schemas.openxmlformats.org/officeDocument/2006/math">
                     <m:r>
-                      <a:rPr lang="en-US" i="1"/>
+                      <a:rPr lang="en-US" i="1">
+                        <a:latin typeface="Cambria Math" panose="02040503050406030204" pitchFamily="18" charset="0"/>
+                      </a:rPr>
                       <m:t>0°</m:t>
                     </m:r>
                   </m:oMath>
@@ -7499,7 +7791,9 @@
                 <a14:m>
                   <m:oMath xmlns:m="http://schemas.openxmlformats.org/officeDocument/2006/math">
                     <m:r>
-                      <a:rPr lang="en-US" i="1"/>
+                      <a:rPr lang="en-US" i="1">
+                        <a:latin typeface="Cambria Math" panose="02040503050406030204" pitchFamily="18" charset="0"/>
+                      </a:rPr>
                       <m:t>90°</m:t>
                     </m:r>
                   </m:oMath>
@@ -7512,7 +7806,7 @@
             </p:txBody>
           </p:sp>
         </mc:Choice>
-        <mc:Fallback>
+        <mc:Fallback xmlns="">
           <p:sp>
             <p:nvSpPr>
               <p:cNvPr id="3" name="Content Placeholder 2">
@@ -7610,8 +7904,8 @@
           </a:p>
         </p:txBody>
       </p:sp>
-      <mc:AlternateContent xmlns:mc="http://schemas.openxmlformats.org/markup-compatibility/2006">
-        <mc:Choice xmlns:a14="http://schemas.microsoft.com/office/drawing/2010/main" Requires="a14">
+      <mc:AlternateContent xmlns:mc="http://schemas.openxmlformats.org/markup-compatibility/2006" xmlns:a14="http://schemas.microsoft.com/office/drawing/2010/main">
+        <mc:Choice Requires="a14">
           <p:sp>
             <p:nvSpPr>
               <p:cNvPr id="3" name="Content Placeholder 2">
@@ -7644,18 +7938,24 @@
                     <m:sSub>
                       <m:sSubPr>
                         <m:ctrlPr>
-                          <a:rPr lang="en-US" i="1"/>
+                          <a:rPr lang="en-US" i="1">
+                            <a:latin typeface="Cambria Math" panose="02040503050406030204" pitchFamily="18" charset="0"/>
+                          </a:rPr>
                         </m:ctrlPr>
                       </m:sSubPr>
                       <m:e>
                         <m:r>
-                          <a:rPr lang="en-US" i="1"/>
+                          <a:rPr lang="en-US" i="1">
+                            <a:latin typeface="Cambria Math" panose="02040503050406030204" pitchFamily="18" charset="0"/>
+                          </a:rPr>
                           <m:t>𝑃</m:t>
                         </m:r>
                       </m:e>
                       <m:sub>
                         <m:r>
-                          <a:rPr lang="en-US" i="1"/>
+                          <a:rPr lang="en-US" i="1">
+                            <a:latin typeface="Cambria Math" panose="02040503050406030204" pitchFamily="18" charset="0"/>
+                          </a:rPr>
                           <m:t>0</m:t>
                         </m:r>
                       </m:sub>
@@ -7686,18 +7986,24 @@
                     <m:sSub>
                       <m:sSubPr>
                         <m:ctrlPr>
-                          <a:rPr lang="en-US" i="1"/>
+                          <a:rPr lang="en-US" i="1">
+                            <a:latin typeface="Cambria Math" panose="02040503050406030204" pitchFamily="18" charset="0"/>
+                          </a:rPr>
                         </m:ctrlPr>
                       </m:sSubPr>
                       <m:e>
                         <m:r>
-                          <a:rPr lang="en-US" i="1"/>
+                          <a:rPr lang="en-US" i="1">
+                            <a:latin typeface="Cambria Math" panose="02040503050406030204" pitchFamily="18" charset="0"/>
+                          </a:rPr>
                           <m:t>𝑃</m:t>
                         </m:r>
                       </m:e>
                       <m:sub>
                         <m:r>
-                          <a:rPr lang="en-US" i="1"/>
+                          <a:rPr lang="en-US" i="1">
+                            <a:latin typeface="Cambria Math" panose="02040503050406030204" pitchFamily="18" charset="0"/>
+                          </a:rPr>
                           <m:t>1</m:t>
                         </m:r>
                       </m:sub>
@@ -7726,7 +8032,9 @@
                     <m:sSub>
                       <m:sSubPr>
                         <m:ctrlPr>
-                          <a:rPr lang="en-US" i="1"/>
+                          <a:rPr lang="en-US" i="1">
+                            <a:latin typeface="Cambria Math" panose="02040503050406030204" pitchFamily="18" charset="0"/>
+                          </a:rPr>
                         </m:ctrlPr>
                       </m:sSubPr>
                       <m:e>
@@ -7734,12 +8042,16 @@
                           <m:accPr>
                             <m:chr m:val="⃑"/>
                             <m:ctrlPr>
-                              <a:rPr lang="en-US" i="1"/>
+                              <a:rPr lang="en-US" i="1">
+                                <a:latin typeface="Cambria Math" panose="02040503050406030204" pitchFamily="18" charset="0"/>
+                              </a:rPr>
                             </m:ctrlPr>
                           </m:accPr>
                           <m:e>
                             <m:r>
-                              <a:rPr lang="en-US" i="1"/>
+                              <a:rPr lang="en-US" i="1">
+                                <a:latin typeface="Cambria Math" panose="02040503050406030204" pitchFamily="18" charset="0"/>
+                              </a:rPr>
                               <m:t>𝑉</m:t>
                             </m:r>
                           </m:e>
@@ -7747,53 +8059,71 @@
                       </m:e>
                       <m:sub>
                         <m:r>
-                          <a:rPr lang="en-US" i="1"/>
+                          <a:rPr lang="en-US" i="1">
+                            <a:latin typeface="Cambria Math" panose="02040503050406030204" pitchFamily="18" charset="0"/>
+                          </a:rPr>
                           <m:t>1</m:t>
                         </m:r>
                       </m:sub>
                     </m:sSub>
                     <m:r>
-                      <a:rPr lang="en-US" i="1"/>
+                      <a:rPr lang="en-US" i="1">
+                        <a:latin typeface="Cambria Math" panose="02040503050406030204" pitchFamily="18" charset="0"/>
+                      </a:rPr>
                       <m:t>=</m:t>
                     </m:r>
                     <m:sSub>
                       <m:sSubPr>
                         <m:ctrlPr>
-                          <a:rPr lang="en-US" i="1"/>
+                          <a:rPr lang="en-US" i="1">
+                            <a:latin typeface="Cambria Math" panose="02040503050406030204" pitchFamily="18" charset="0"/>
+                          </a:rPr>
                         </m:ctrlPr>
                       </m:sSubPr>
                       <m:e>
                         <m:r>
-                          <a:rPr lang="en-US" i="1"/>
+                          <a:rPr lang="en-US" i="1">
+                            <a:latin typeface="Cambria Math" panose="02040503050406030204" pitchFamily="18" charset="0"/>
+                          </a:rPr>
                           <m:t>𝑃</m:t>
                         </m:r>
                       </m:e>
                       <m:sub>
                         <m:r>
-                          <a:rPr lang="en-US" i="1"/>
+                          <a:rPr lang="en-US" i="1">
+                            <a:latin typeface="Cambria Math" panose="02040503050406030204" pitchFamily="18" charset="0"/>
+                          </a:rPr>
                           <m:t>1</m:t>
                         </m:r>
                       </m:sub>
                     </m:sSub>
                     <m:r>
-                      <a:rPr lang="en-US" i="1"/>
+                      <a:rPr lang="en-US" i="1">
+                        <a:latin typeface="Cambria Math" panose="02040503050406030204" pitchFamily="18" charset="0"/>
+                      </a:rPr>
                       <m:t>−</m:t>
                     </m:r>
                     <m:sSub>
                       <m:sSubPr>
                         <m:ctrlPr>
-                          <a:rPr lang="en-US" i="1"/>
+                          <a:rPr lang="en-US" i="1">
+                            <a:latin typeface="Cambria Math" panose="02040503050406030204" pitchFamily="18" charset="0"/>
+                          </a:rPr>
                         </m:ctrlPr>
                       </m:sSubPr>
                       <m:e>
                         <m:r>
-                          <a:rPr lang="en-US" i="1"/>
+                          <a:rPr lang="en-US" i="1">
+                            <a:latin typeface="Cambria Math" panose="02040503050406030204" pitchFamily="18" charset="0"/>
+                          </a:rPr>
                           <m:t>𝑃</m:t>
                         </m:r>
                       </m:e>
                       <m:sub>
                         <m:r>
-                          <a:rPr lang="en-US" i="1"/>
+                          <a:rPr lang="en-US" i="1">
+                            <a:latin typeface="Cambria Math" panose="02040503050406030204" pitchFamily="18" charset="0"/>
+                          </a:rPr>
                           <m:t>0</m:t>
                         </m:r>
                       </m:sub>
@@ -8053,18 +8383,24 @@
                     <m:sSub>
                       <m:sSubPr>
                         <m:ctrlPr>
-                          <a:rPr lang="en-US" i="1"/>
+                          <a:rPr lang="en-US" i="1">
+                            <a:latin typeface="Cambria Math" panose="02040503050406030204" pitchFamily="18" charset="0"/>
+                          </a:rPr>
                         </m:ctrlPr>
                       </m:sSubPr>
                       <m:e>
                         <m:r>
-                          <a:rPr lang="en-US" i="1"/>
+                          <a:rPr lang="en-US" i="1">
+                            <a:latin typeface="Cambria Math" panose="02040503050406030204" pitchFamily="18" charset="0"/>
+                          </a:rPr>
                           <m:t>𝑙</m:t>
                         </m:r>
                       </m:e>
                       <m:sub>
                         <m:r>
-                          <a:rPr lang="en-US" i="1"/>
+                          <a:rPr lang="en-US" i="1">
+                            <a:latin typeface="Cambria Math" panose="02040503050406030204" pitchFamily="18" charset="0"/>
+                          </a:rPr>
                           <m:t>𝑣</m:t>
                         </m:r>
                       </m:sub>
@@ -8072,51 +8408,69 @@
                     <m:d>
                       <m:dPr>
                         <m:ctrlPr>
-                          <a:rPr lang="en-US" i="1"/>
+                          <a:rPr lang="en-US" i="1">
+                            <a:latin typeface="Cambria Math" panose="02040503050406030204" pitchFamily="18" charset="0"/>
+                          </a:rPr>
                         </m:ctrlPr>
                       </m:dPr>
                       <m:e>
                         <m:r>
-                          <a:rPr lang="en-US" i="1"/>
+                          <a:rPr lang="en-US" i="1">
+                            <a:latin typeface="Cambria Math" panose="02040503050406030204" pitchFamily="18" charset="0"/>
+                          </a:rPr>
                           <m:t>𝑠</m:t>
                         </m:r>
                       </m:e>
                     </m:d>
                     <m:r>
-                      <a:rPr lang="en-US"/>
+                      <a:rPr lang="en-US">
+                        <a:latin typeface="Cambria Math" panose="02040503050406030204" pitchFamily="18" charset="0"/>
+                      </a:rPr>
                       <m:t>=</m:t>
                     </m:r>
                     <m:sSub>
                       <m:sSubPr>
                         <m:ctrlPr>
-                          <a:rPr lang="en-US" i="1"/>
+                          <a:rPr lang="en-US" i="1">
+                            <a:latin typeface="Cambria Math" panose="02040503050406030204" pitchFamily="18" charset="0"/>
+                          </a:rPr>
                         </m:ctrlPr>
                       </m:sSubPr>
                       <m:e>
                         <m:r>
-                          <a:rPr lang="en-US" i="1"/>
+                          <a:rPr lang="en-US" i="1">
+                            <a:latin typeface="Cambria Math" panose="02040503050406030204" pitchFamily="18" charset="0"/>
+                          </a:rPr>
                           <m:t>𝑃</m:t>
                         </m:r>
                       </m:e>
                       <m:sub>
                         <m:r>
-                          <a:rPr lang="en-US"/>
+                          <a:rPr lang="en-US">
+                            <a:latin typeface="Cambria Math" panose="02040503050406030204" pitchFamily="18" charset="0"/>
+                          </a:rPr>
                           <m:t>0</m:t>
                         </m:r>
                       </m:sub>
                     </m:sSub>
                     <m:r>
-                      <a:rPr lang="en-US"/>
+                      <a:rPr lang="en-US">
+                        <a:latin typeface="Cambria Math" panose="02040503050406030204" pitchFamily="18" charset="0"/>
+                      </a:rPr>
                       <m:t>+</m:t>
                     </m:r>
                     <m:r>
-                      <a:rPr lang="en-US" i="1"/>
+                      <a:rPr lang="en-US" i="1">
+                        <a:latin typeface="Cambria Math" panose="02040503050406030204" pitchFamily="18" charset="0"/>
+                      </a:rPr>
                       <m:t>𝑠</m:t>
                     </m:r>
                     <m:sSub>
                       <m:sSubPr>
                         <m:ctrlPr>
-                          <a:rPr lang="en-US" i="1"/>
+                          <a:rPr lang="en-US" i="1">
+                            <a:latin typeface="Cambria Math" panose="02040503050406030204" pitchFamily="18" charset="0"/>
+                          </a:rPr>
                         </m:ctrlPr>
                       </m:sSubPr>
                       <m:e>
@@ -8124,12 +8478,16 @@
                           <m:accPr>
                             <m:chr m:val="⃑"/>
                             <m:ctrlPr>
-                              <a:rPr lang="en-US" i="1"/>
+                              <a:rPr lang="en-US" i="1">
+                                <a:latin typeface="Cambria Math" panose="02040503050406030204" pitchFamily="18" charset="0"/>
+                              </a:rPr>
                             </m:ctrlPr>
                           </m:accPr>
                           <m:e>
                             <m:r>
-                              <a:rPr lang="en-US" i="1"/>
+                              <a:rPr lang="en-US" i="1">
+                                <a:latin typeface="Cambria Math" panose="02040503050406030204" pitchFamily="18" charset="0"/>
+                              </a:rPr>
                               <m:t>𝑉</m:t>
                             </m:r>
                           </m:e>
@@ -8137,7 +8495,9 @@
                       </m:e>
                       <m:sub>
                         <m:r>
-                          <a:rPr lang="en-US"/>
+                          <a:rPr lang="en-US">
+                            <a:latin typeface="Cambria Math" panose="02040503050406030204" pitchFamily="18" charset="0"/>
+                          </a:rPr>
                           <m:t>1</m:t>
                         </m:r>
                       </m:sub>
@@ -8227,18 +8587,24 @@
                     <m:sSub>
                       <m:sSubPr>
                         <m:ctrlPr>
-                          <a:rPr lang="en-US" i="1"/>
+                          <a:rPr lang="en-US" i="1">
+                            <a:latin typeface="Cambria Math" panose="02040503050406030204" pitchFamily="18" charset="0"/>
+                          </a:rPr>
                         </m:ctrlPr>
                       </m:sSubPr>
                       <m:e>
                         <m:r>
-                          <a:rPr lang="en-US" i="1"/>
+                          <a:rPr lang="en-US" i="1">
+                            <a:latin typeface="Cambria Math" panose="02040503050406030204" pitchFamily="18" charset="0"/>
+                          </a:rPr>
                           <m:t>𝑙</m:t>
                         </m:r>
                       </m:e>
                       <m:sub>
                         <m:r>
-                          <a:rPr lang="en-US" i="1"/>
+                          <a:rPr lang="en-US" i="1">
+                            <a:latin typeface="Cambria Math" panose="02040503050406030204" pitchFamily="18" charset="0"/>
+                          </a:rPr>
                           <m:t>𝑣</m:t>
                         </m:r>
                       </m:sub>
@@ -8246,47 +8612,63 @@
                     <m:d>
                       <m:dPr>
                         <m:ctrlPr>
-                          <a:rPr lang="en-US" i="1"/>
+                          <a:rPr lang="en-US" i="1">
+                            <a:latin typeface="Cambria Math" panose="02040503050406030204" pitchFamily="18" charset="0"/>
+                          </a:rPr>
                         </m:ctrlPr>
                       </m:dPr>
                       <m:e>
                         <m:r>
-                          <a:rPr lang="en-US"/>
+                          <a:rPr lang="en-US">
+                            <a:latin typeface="Cambria Math" panose="02040503050406030204" pitchFamily="18" charset="0"/>
+                          </a:rPr>
                           <m:t>0</m:t>
                         </m:r>
                       </m:e>
                     </m:d>
                     <m:r>
-                      <a:rPr lang="en-US"/>
+                      <a:rPr lang="en-US">
+                        <a:latin typeface="Cambria Math" panose="02040503050406030204" pitchFamily="18" charset="0"/>
+                      </a:rPr>
                       <m:t>=</m:t>
                     </m:r>
                     <m:sSub>
                       <m:sSubPr>
                         <m:ctrlPr>
-                          <a:rPr lang="en-US" i="1"/>
+                          <a:rPr lang="en-US" i="1">
+                            <a:latin typeface="Cambria Math" panose="02040503050406030204" pitchFamily="18" charset="0"/>
+                          </a:rPr>
                         </m:ctrlPr>
                       </m:sSubPr>
                       <m:e>
                         <m:r>
-                          <a:rPr lang="en-US" i="1"/>
+                          <a:rPr lang="en-US" i="1">
+                            <a:latin typeface="Cambria Math" panose="02040503050406030204" pitchFamily="18" charset="0"/>
+                          </a:rPr>
                           <m:t>𝑃</m:t>
                         </m:r>
                       </m:e>
                       <m:sub>
                         <m:r>
-                          <a:rPr lang="en-US"/>
+                          <a:rPr lang="en-US">
+                            <a:latin typeface="Cambria Math" panose="02040503050406030204" pitchFamily="18" charset="0"/>
+                          </a:rPr>
                           <m:t>0</m:t>
                         </m:r>
                       </m:sub>
                     </m:sSub>
                     <m:r>
-                      <a:rPr lang="en-US"/>
+                      <a:rPr lang="en-US">
+                        <a:latin typeface="Cambria Math" panose="02040503050406030204" pitchFamily="18" charset="0"/>
+                      </a:rPr>
                       <m:t>+0</m:t>
                     </m:r>
                     <m:sSub>
                       <m:sSubPr>
                         <m:ctrlPr>
-                          <a:rPr lang="en-US" i="1"/>
+                          <a:rPr lang="en-US" i="1">
+                            <a:latin typeface="Cambria Math" panose="02040503050406030204" pitchFamily="18" charset="0"/>
+                          </a:rPr>
                         </m:ctrlPr>
                       </m:sSubPr>
                       <m:e>
@@ -8294,12 +8676,16 @@
                           <m:accPr>
                             <m:chr m:val="⃑"/>
                             <m:ctrlPr>
-                              <a:rPr lang="en-US" i="1"/>
+                              <a:rPr lang="en-US" i="1">
+                                <a:latin typeface="Cambria Math" panose="02040503050406030204" pitchFamily="18" charset="0"/>
+                              </a:rPr>
                             </m:ctrlPr>
                           </m:accPr>
                           <m:e>
                             <m:r>
-                              <a:rPr lang="en-US" i="1"/>
+                              <a:rPr lang="en-US" i="1">
+                                <a:latin typeface="Cambria Math" panose="02040503050406030204" pitchFamily="18" charset="0"/>
+                              </a:rPr>
                               <m:t>𝑉</m:t>
                             </m:r>
                           </m:e>
@@ -8307,30 +8693,40 @@
                       </m:e>
                       <m:sub>
                         <m:r>
-                          <a:rPr lang="en-US"/>
+                          <a:rPr lang="en-US">
+                            <a:latin typeface="Cambria Math" panose="02040503050406030204" pitchFamily="18" charset="0"/>
+                          </a:rPr>
                           <m:t>1</m:t>
                         </m:r>
                       </m:sub>
                     </m:sSub>
                     <m:r>
-                      <a:rPr lang="en-US"/>
+                      <a:rPr lang="en-US">
+                        <a:latin typeface="Cambria Math" panose="02040503050406030204" pitchFamily="18" charset="0"/>
+                      </a:rPr>
                       <m:t>=</m:t>
                     </m:r>
                     <m:sSub>
                       <m:sSubPr>
                         <m:ctrlPr>
-                          <a:rPr lang="en-US" i="1"/>
+                          <a:rPr lang="en-US" i="1">
+                            <a:latin typeface="Cambria Math" panose="02040503050406030204" pitchFamily="18" charset="0"/>
+                          </a:rPr>
                         </m:ctrlPr>
                       </m:sSubPr>
                       <m:e>
                         <m:r>
-                          <a:rPr lang="en-US" i="1"/>
+                          <a:rPr lang="en-US" i="1">
+                            <a:latin typeface="Cambria Math" panose="02040503050406030204" pitchFamily="18" charset="0"/>
+                          </a:rPr>
                           <m:t>𝑃</m:t>
                         </m:r>
                       </m:e>
                       <m:sub>
                         <m:r>
-                          <a:rPr lang="en-US"/>
+                          <a:rPr lang="en-US">
+                            <a:latin typeface="Cambria Math" panose="02040503050406030204" pitchFamily="18" charset="0"/>
+                          </a:rPr>
                           <m:t>0</m:t>
                         </m:r>
                       </m:sub>
@@ -8349,18 +8745,24 @@
                     <m:sSub>
                       <m:sSubPr>
                         <m:ctrlPr>
-                          <a:rPr lang="en-US" i="1"/>
+                          <a:rPr lang="en-US" i="1">
+                            <a:latin typeface="Cambria Math" panose="02040503050406030204" pitchFamily="18" charset="0"/>
+                          </a:rPr>
                         </m:ctrlPr>
                       </m:sSubPr>
                       <m:e>
                         <m:r>
-                          <a:rPr lang="en-US" i="1"/>
+                          <a:rPr lang="en-US" i="1">
+                            <a:latin typeface="Cambria Math" panose="02040503050406030204" pitchFamily="18" charset="0"/>
+                          </a:rPr>
                           <m:t>𝑙</m:t>
                         </m:r>
                       </m:e>
                       <m:sub>
                         <m:r>
-                          <a:rPr lang="en-US" i="1"/>
+                          <a:rPr lang="en-US" i="1">
+                            <a:latin typeface="Cambria Math" panose="02040503050406030204" pitchFamily="18" charset="0"/>
+                          </a:rPr>
                           <m:t>𝑣</m:t>
                         </m:r>
                       </m:sub>
@@ -8368,47 +8770,63 @@
                     <m:d>
                       <m:dPr>
                         <m:ctrlPr>
-                          <a:rPr lang="en-US" i="1"/>
+                          <a:rPr lang="en-US" i="1">
+                            <a:latin typeface="Cambria Math" panose="02040503050406030204" pitchFamily="18" charset="0"/>
+                          </a:rPr>
                         </m:ctrlPr>
                       </m:dPr>
                       <m:e>
                         <m:r>
-                          <a:rPr lang="en-US"/>
+                          <a:rPr lang="en-US">
+                            <a:latin typeface="Cambria Math" panose="02040503050406030204" pitchFamily="18" charset="0"/>
+                          </a:rPr>
                           <m:t>0.5</m:t>
                         </m:r>
                       </m:e>
                     </m:d>
                     <m:r>
-                      <a:rPr lang="en-US"/>
+                      <a:rPr lang="en-US">
+                        <a:latin typeface="Cambria Math" panose="02040503050406030204" pitchFamily="18" charset="0"/>
+                      </a:rPr>
                       <m:t>=</m:t>
                     </m:r>
                     <m:sSub>
                       <m:sSubPr>
                         <m:ctrlPr>
-                          <a:rPr lang="en-US" i="1"/>
+                          <a:rPr lang="en-US" i="1">
+                            <a:latin typeface="Cambria Math" panose="02040503050406030204" pitchFamily="18" charset="0"/>
+                          </a:rPr>
                         </m:ctrlPr>
                       </m:sSubPr>
                       <m:e>
                         <m:r>
-                          <a:rPr lang="en-US" i="1"/>
+                          <a:rPr lang="en-US" i="1">
+                            <a:latin typeface="Cambria Math" panose="02040503050406030204" pitchFamily="18" charset="0"/>
+                          </a:rPr>
                           <m:t>𝑃</m:t>
                         </m:r>
                       </m:e>
                       <m:sub>
                         <m:r>
-                          <a:rPr lang="en-US"/>
+                          <a:rPr lang="en-US">
+                            <a:latin typeface="Cambria Math" panose="02040503050406030204" pitchFamily="18" charset="0"/>
+                          </a:rPr>
                           <m:t>0</m:t>
                         </m:r>
                       </m:sub>
                     </m:sSub>
                     <m:r>
-                      <a:rPr lang="en-US"/>
+                      <a:rPr lang="en-US">
+                        <a:latin typeface="Cambria Math" panose="02040503050406030204" pitchFamily="18" charset="0"/>
+                      </a:rPr>
                       <m:t>+0.5</m:t>
                     </m:r>
                     <m:sSub>
                       <m:sSubPr>
                         <m:ctrlPr>
-                          <a:rPr lang="en-US" i="1"/>
+                          <a:rPr lang="en-US" i="1">
+                            <a:latin typeface="Cambria Math" panose="02040503050406030204" pitchFamily="18" charset="0"/>
+                          </a:rPr>
                         </m:ctrlPr>
                       </m:sSubPr>
                       <m:e>
@@ -8416,12 +8834,16 @@
                           <m:accPr>
                             <m:chr m:val="⃑"/>
                             <m:ctrlPr>
-                              <a:rPr lang="en-US" i="1"/>
+                              <a:rPr lang="en-US" i="1">
+                                <a:latin typeface="Cambria Math" panose="02040503050406030204" pitchFamily="18" charset="0"/>
+                              </a:rPr>
                             </m:ctrlPr>
                           </m:accPr>
                           <m:e>
                             <m:r>
-                              <a:rPr lang="en-US" i="1"/>
+                              <a:rPr lang="en-US" i="1">
+                                <a:latin typeface="Cambria Math" panose="02040503050406030204" pitchFamily="18" charset="0"/>
+                              </a:rPr>
                               <m:t>𝑉</m:t>
                             </m:r>
                           </m:e>
@@ -8429,64 +8851,86 @@
                       </m:e>
                       <m:sub>
                         <m:r>
-                          <a:rPr lang="en-US"/>
+                          <a:rPr lang="en-US">
+                            <a:latin typeface="Cambria Math" panose="02040503050406030204" pitchFamily="18" charset="0"/>
+                          </a:rPr>
                           <m:t>1</m:t>
                         </m:r>
                       </m:sub>
                     </m:sSub>
                     <m:r>
-                      <a:rPr lang="en-US"/>
+                      <a:rPr lang="en-US">
+                        <a:latin typeface="Cambria Math" panose="02040503050406030204" pitchFamily="18" charset="0"/>
+                      </a:rPr>
                       <m:t>=</m:t>
                     </m:r>
                     <m:r>
                       <m:rPr>
                         <m:sty m:val="p"/>
                       </m:rPr>
-                      <a:rPr lang="en-US"/>
+                      <a:rPr lang="en-US">
+                        <a:latin typeface="Cambria Math" panose="02040503050406030204" pitchFamily="18" charset="0"/>
+                      </a:rPr>
                       <m:t>midpoint</m:t>
                     </m:r>
                     <m:r>
-                      <a:rPr lang="en-US"/>
+                      <a:rPr lang="en-US">
+                        <a:latin typeface="Cambria Math" panose="02040503050406030204" pitchFamily="18" charset="0"/>
+                      </a:rPr>
                       <m:t> </m:t>
                     </m:r>
                     <m:r>
                       <m:rPr>
                         <m:sty m:val="p"/>
                       </m:rPr>
-                      <a:rPr lang="en-US"/>
+                      <a:rPr lang="en-US">
+                        <a:latin typeface="Cambria Math" panose="02040503050406030204" pitchFamily="18" charset="0"/>
+                      </a:rPr>
                       <m:t>of</m:t>
                     </m:r>
                     <m:r>
-                      <a:rPr lang="en-US"/>
+                      <a:rPr lang="en-US">
+                        <a:latin typeface="Cambria Math" panose="02040503050406030204" pitchFamily="18" charset="0"/>
+                      </a:rPr>
                       <m:t> </m:t>
                     </m:r>
                     <m:r>
                       <m:rPr>
                         <m:sty m:val="p"/>
                       </m:rPr>
-                      <a:rPr lang="en-US"/>
+                      <a:rPr lang="en-US">
+                        <a:latin typeface="Cambria Math" panose="02040503050406030204" pitchFamily="18" charset="0"/>
+                      </a:rPr>
                       <m:t>the</m:t>
                     </m:r>
                     <m:r>
-                      <a:rPr lang="en-US"/>
+                      <a:rPr lang="en-US">
+                        <a:latin typeface="Cambria Math" panose="02040503050406030204" pitchFamily="18" charset="0"/>
+                      </a:rPr>
                       <m:t> </m:t>
                     </m:r>
                     <m:r>
                       <m:rPr>
                         <m:sty m:val="p"/>
                       </m:rPr>
-                      <a:rPr lang="en-US"/>
+                      <a:rPr lang="en-US">
+                        <a:latin typeface="Cambria Math" panose="02040503050406030204" pitchFamily="18" charset="0"/>
+                      </a:rPr>
                       <m:t>line</m:t>
                     </m:r>
                     <m:r>
-                      <a:rPr lang="en-US"/>
+                      <a:rPr lang="en-US">
+                        <a:latin typeface="Cambria Math" panose="02040503050406030204" pitchFamily="18" charset="0"/>
+                      </a:rPr>
                       <m:t> </m:t>
                     </m:r>
                     <m:r>
                       <m:rPr>
                         <m:sty m:val="p"/>
                       </m:rPr>
-                      <a:rPr lang="en-US"/>
+                      <a:rPr lang="en-US">
+                        <a:latin typeface="Cambria Math" panose="02040503050406030204" pitchFamily="18" charset="0"/>
+                      </a:rPr>
                       <m:t>segment</m:t>
                     </m:r>
                   </m:oMath>
@@ -8503,18 +8947,24 @@
                     <m:sSub>
                       <m:sSubPr>
                         <m:ctrlPr>
-                          <a:rPr lang="en-US" i="1"/>
+                          <a:rPr lang="en-US" i="1">
+                            <a:latin typeface="Cambria Math" panose="02040503050406030204" pitchFamily="18" charset="0"/>
+                          </a:rPr>
                         </m:ctrlPr>
                       </m:sSubPr>
                       <m:e>
                         <m:r>
-                          <a:rPr lang="en-US" i="1"/>
+                          <a:rPr lang="en-US" i="1">
+                            <a:latin typeface="Cambria Math" panose="02040503050406030204" pitchFamily="18" charset="0"/>
+                          </a:rPr>
                           <m:t>𝑙</m:t>
                         </m:r>
                       </m:e>
                       <m:sub>
                         <m:r>
-                          <a:rPr lang="en-US" i="1"/>
+                          <a:rPr lang="en-US" i="1">
+                            <a:latin typeface="Cambria Math" panose="02040503050406030204" pitchFamily="18" charset="0"/>
+                          </a:rPr>
                           <m:t>𝑣</m:t>
                         </m:r>
                       </m:sub>
@@ -8522,47 +8972,63 @@
                     <m:d>
                       <m:dPr>
                         <m:ctrlPr>
-                          <a:rPr lang="en-US" i="1"/>
+                          <a:rPr lang="en-US" i="1">
+                            <a:latin typeface="Cambria Math" panose="02040503050406030204" pitchFamily="18" charset="0"/>
+                          </a:rPr>
                         </m:ctrlPr>
                       </m:dPr>
                       <m:e>
                         <m:r>
-                          <a:rPr lang="en-US"/>
+                          <a:rPr lang="en-US">
+                            <a:latin typeface="Cambria Math" panose="02040503050406030204" pitchFamily="18" charset="0"/>
+                          </a:rPr>
                           <m:t>1</m:t>
                         </m:r>
                       </m:e>
                     </m:d>
                     <m:r>
-                      <a:rPr lang="en-US"/>
+                      <a:rPr lang="en-US">
+                        <a:latin typeface="Cambria Math" panose="02040503050406030204" pitchFamily="18" charset="0"/>
+                      </a:rPr>
                       <m:t>=</m:t>
                     </m:r>
                     <m:sSub>
                       <m:sSubPr>
                         <m:ctrlPr>
-                          <a:rPr lang="en-US" i="1"/>
+                          <a:rPr lang="en-US" i="1">
+                            <a:latin typeface="Cambria Math" panose="02040503050406030204" pitchFamily="18" charset="0"/>
+                          </a:rPr>
                         </m:ctrlPr>
                       </m:sSubPr>
                       <m:e>
                         <m:r>
-                          <a:rPr lang="en-US" i="1"/>
+                          <a:rPr lang="en-US" i="1">
+                            <a:latin typeface="Cambria Math" panose="02040503050406030204" pitchFamily="18" charset="0"/>
+                          </a:rPr>
                           <m:t>𝑃</m:t>
                         </m:r>
                       </m:e>
                       <m:sub>
                         <m:r>
-                          <a:rPr lang="en-US"/>
+                          <a:rPr lang="en-US">
+                            <a:latin typeface="Cambria Math" panose="02040503050406030204" pitchFamily="18" charset="0"/>
+                          </a:rPr>
                           <m:t>0</m:t>
                         </m:r>
                       </m:sub>
                     </m:sSub>
                     <m:r>
-                      <a:rPr lang="en-US"/>
+                      <a:rPr lang="en-US">
+                        <a:latin typeface="Cambria Math" panose="02040503050406030204" pitchFamily="18" charset="0"/>
+                      </a:rPr>
                       <m:t>+1</m:t>
                     </m:r>
                     <m:sSub>
                       <m:sSubPr>
                         <m:ctrlPr>
-                          <a:rPr lang="en-US" i="1"/>
+                          <a:rPr lang="en-US" i="1">
+                            <a:latin typeface="Cambria Math" panose="02040503050406030204" pitchFamily="18" charset="0"/>
+                          </a:rPr>
                         </m:ctrlPr>
                       </m:sSubPr>
                       <m:e>
@@ -8570,12 +9036,16 @@
                           <m:accPr>
                             <m:chr m:val="⃑"/>
                             <m:ctrlPr>
-                              <a:rPr lang="en-US" i="1"/>
+                              <a:rPr lang="en-US" i="1">
+                                <a:latin typeface="Cambria Math" panose="02040503050406030204" pitchFamily="18" charset="0"/>
+                              </a:rPr>
                             </m:ctrlPr>
                           </m:accPr>
                           <m:e>
                             <m:r>
-                              <a:rPr lang="en-US" i="1"/>
+                              <a:rPr lang="en-US" i="1">
+                                <a:latin typeface="Cambria Math" panose="02040503050406030204" pitchFamily="18" charset="0"/>
+                              </a:rPr>
                               <m:t>𝑉</m:t>
                             </m:r>
                           </m:e>
@@ -8583,83 +9053,111 @@
                       </m:e>
                       <m:sub>
                         <m:r>
-                          <a:rPr lang="en-US"/>
+                          <a:rPr lang="en-US">
+                            <a:latin typeface="Cambria Math" panose="02040503050406030204" pitchFamily="18" charset="0"/>
+                          </a:rPr>
                           <m:t>1</m:t>
                         </m:r>
                       </m:sub>
                     </m:sSub>
                     <m:r>
-                      <a:rPr lang="en-US"/>
+                      <a:rPr lang="en-US">
+                        <a:latin typeface="Cambria Math" panose="02040503050406030204" pitchFamily="18" charset="0"/>
+                      </a:rPr>
                       <m:t>=</m:t>
                     </m:r>
                     <m:sSub>
                       <m:sSubPr>
                         <m:ctrlPr>
-                          <a:rPr lang="en-US" i="1"/>
+                          <a:rPr lang="en-US" i="1">
+                            <a:latin typeface="Cambria Math" panose="02040503050406030204" pitchFamily="18" charset="0"/>
+                          </a:rPr>
                         </m:ctrlPr>
                       </m:sSubPr>
                       <m:e>
                         <m:r>
-                          <a:rPr lang="en-US" i="1"/>
+                          <a:rPr lang="en-US" i="1">
+                            <a:latin typeface="Cambria Math" panose="02040503050406030204" pitchFamily="18" charset="0"/>
+                          </a:rPr>
                           <m:t>𝑃</m:t>
                         </m:r>
                       </m:e>
                       <m:sub>
                         <m:r>
-                          <a:rPr lang="en-US"/>
+                          <a:rPr lang="en-US">
+                            <a:latin typeface="Cambria Math" panose="02040503050406030204" pitchFamily="18" charset="0"/>
+                          </a:rPr>
                           <m:t>0</m:t>
                         </m:r>
                       </m:sub>
                     </m:sSub>
                     <m:r>
-                      <a:rPr lang="en-US"/>
+                      <a:rPr lang="en-US">
+                        <a:latin typeface="Cambria Math" panose="02040503050406030204" pitchFamily="18" charset="0"/>
+                      </a:rPr>
                       <m:t>+</m:t>
                     </m:r>
                     <m:d>
                       <m:dPr>
                         <m:ctrlPr>
-                          <a:rPr lang="en-US" i="1"/>
+                          <a:rPr lang="en-US" i="1">
+                            <a:latin typeface="Cambria Math" panose="02040503050406030204" pitchFamily="18" charset="0"/>
+                          </a:rPr>
                         </m:ctrlPr>
                       </m:dPr>
                       <m:e>
                         <m:sSub>
                           <m:sSubPr>
                             <m:ctrlPr>
-                              <a:rPr lang="en-US" i="1"/>
+                              <a:rPr lang="en-US" i="1">
+                                <a:latin typeface="Cambria Math" panose="02040503050406030204" pitchFamily="18" charset="0"/>
+                              </a:rPr>
                             </m:ctrlPr>
                           </m:sSubPr>
                           <m:e>
                             <m:r>
-                              <a:rPr lang="en-US" i="1"/>
+                              <a:rPr lang="en-US" i="1">
+                                <a:latin typeface="Cambria Math" panose="02040503050406030204" pitchFamily="18" charset="0"/>
+                              </a:rPr>
                               <m:t>𝑃</m:t>
                             </m:r>
                           </m:e>
                           <m:sub>
                             <m:r>
-                              <a:rPr lang="en-US"/>
+                              <a:rPr lang="en-US">
+                                <a:latin typeface="Cambria Math" panose="02040503050406030204" pitchFamily="18" charset="0"/>
+                              </a:rPr>
                               <m:t>1</m:t>
                             </m:r>
                           </m:sub>
                         </m:sSub>
                         <m:r>
-                          <a:rPr lang="en-US" i="1"/>
+                          <a:rPr lang="en-US" i="1">
+                            <a:latin typeface="Cambria Math" panose="02040503050406030204" pitchFamily="18" charset="0"/>
+                          </a:rPr>
                           <m:t>−</m:t>
                         </m:r>
                         <m:sSub>
                           <m:sSubPr>
                             <m:ctrlPr>
-                              <a:rPr lang="en-US" i="1"/>
+                              <a:rPr lang="en-US" i="1">
+                                <a:latin typeface="Cambria Math" panose="02040503050406030204" pitchFamily="18" charset="0"/>
+                              </a:rPr>
                             </m:ctrlPr>
                           </m:sSubPr>
                           <m:e>
                             <m:r>
-                              <a:rPr lang="en-US" i="1"/>
+                              <a:rPr lang="en-US" i="1">
+                                <a:latin typeface="Cambria Math" panose="02040503050406030204" pitchFamily="18" charset="0"/>
+                              </a:rPr>
                               <m:t>𝑃</m:t>
                             </m:r>
                           </m:e>
                           <m:sub>
                             <m:r>
-                              <a:rPr lang="en-US"/>
+                              <a:rPr lang="en-US">
+                                <a:latin typeface="Cambria Math" panose="02040503050406030204" pitchFamily="18" charset="0"/>
+                              </a:rPr>
                               <m:t>0</m:t>
                             </m:r>
                           </m:sub>
@@ -8667,24 +9165,32 @@
                       </m:e>
                     </m:d>
                     <m:r>
-                      <a:rPr lang="en-US"/>
+                      <a:rPr lang="en-US">
+                        <a:latin typeface="Cambria Math" panose="02040503050406030204" pitchFamily="18" charset="0"/>
+                      </a:rPr>
                       <m:t>=</m:t>
                     </m:r>
                     <m:sSub>
                       <m:sSubPr>
                         <m:ctrlPr>
-                          <a:rPr lang="en-US" i="1"/>
+                          <a:rPr lang="en-US" i="1">
+                            <a:latin typeface="Cambria Math" panose="02040503050406030204" pitchFamily="18" charset="0"/>
+                          </a:rPr>
                         </m:ctrlPr>
                       </m:sSubPr>
                       <m:e>
                         <m:r>
-                          <a:rPr lang="en-US" i="1"/>
+                          <a:rPr lang="en-US" i="1">
+                            <a:latin typeface="Cambria Math" panose="02040503050406030204" pitchFamily="18" charset="0"/>
+                          </a:rPr>
                           <m:t>𝑃</m:t>
                         </m:r>
                       </m:e>
                       <m:sub>
                         <m:r>
-                          <a:rPr lang="en-US"/>
+                          <a:rPr lang="en-US">
+                            <a:latin typeface="Cambria Math" panose="02040503050406030204" pitchFamily="18" charset="0"/>
+                          </a:rPr>
                           <m:t>1</m:t>
                         </m:r>
                       </m:sub>
@@ -8706,7 +9212,7 @@
             </p:txBody>
           </p:sp>
         </mc:Choice>
-        <mc:Fallback>
+        <mc:Fallback xmlns="">
           <p:sp>
             <p:nvSpPr>
               <p:cNvPr id="3" name="Content Placeholder 2">
@@ -8968,8 +9474,8 @@
           </a:p>
         </p:txBody>
       </p:sp>
-      <mc:AlternateContent xmlns:mc="http://schemas.openxmlformats.org/markup-compatibility/2006">
-        <mc:Choice xmlns:a14="http://schemas.microsoft.com/office/drawing/2010/main" Requires="a14">
+      <mc:AlternateContent xmlns:mc="http://schemas.openxmlformats.org/markup-compatibility/2006" xmlns:a14="http://schemas.microsoft.com/office/drawing/2010/main">
+        <mc:Choice Requires="a14">
           <p:sp>
             <p:nvSpPr>
               <p:cNvPr id="3" name="Content Placeholder 2">
@@ -9207,7 +9713,7 @@
             </p:txBody>
           </p:sp>
         </mc:Choice>
-        <mc:Fallback>
+        <mc:Fallback xmlns="">
           <p:sp>
             <p:nvSpPr>
               <p:cNvPr id="3" name="Content Placeholder 2">
@@ -9305,8 +9811,8 @@
           </a:p>
         </p:txBody>
       </p:sp>
-      <mc:AlternateContent xmlns:mc="http://schemas.openxmlformats.org/markup-compatibility/2006">
-        <mc:Choice xmlns:a14="http://schemas.microsoft.com/office/drawing/2010/main" Requires="a14">
+      <mc:AlternateContent xmlns:mc="http://schemas.openxmlformats.org/markup-compatibility/2006" xmlns:a14="http://schemas.microsoft.com/office/drawing/2010/main">
+        <mc:Choice Requires="a14">
           <p:sp>
             <p:nvSpPr>
               <p:cNvPr id="3" name="Content Placeholder 2">
@@ -9338,23 +9844,33 @@
                 <a14:m>
                   <m:oMath xmlns:m="http://schemas.openxmlformats.org/officeDocument/2006/math">
                     <m:r>
-                      <a:rPr lang="en-US" i="1"/>
+                      <a:rPr lang="en-US" i="1">
+                        <a:latin typeface="Cambria Math" panose="02040503050406030204" pitchFamily="18" charset="0"/>
+                      </a:rPr>
                       <m:t>𝑚𝑖𝑛</m:t>
                     </m:r>
                     <m:r>
-                      <a:rPr lang="en-US"/>
+                      <a:rPr lang="en-US">
+                        <a:latin typeface="Cambria Math" panose="02040503050406030204" pitchFamily="18" charset="0"/>
+                      </a:rPr>
                       <m:t>≤</m:t>
                     </m:r>
                     <m:r>
-                      <a:rPr lang="en-US" i="1"/>
+                      <a:rPr lang="en-US" i="1">
+                        <a:latin typeface="Cambria Math" panose="02040503050406030204" pitchFamily="18" charset="0"/>
+                      </a:rPr>
                       <m:t>𝑣</m:t>
                     </m:r>
                     <m:r>
-                      <a:rPr lang="en-US"/>
+                      <a:rPr lang="en-US">
+                        <a:latin typeface="Cambria Math" panose="02040503050406030204" pitchFamily="18" charset="0"/>
+                      </a:rPr>
                       <m:t>≤</m:t>
                     </m:r>
                     <m:r>
-                      <a:rPr lang="en-US" i="1"/>
+                      <a:rPr lang="en-US" i="1">
+                        <a:latin typeface="Cambria Math" panose="02040503050406030204" pitchFamily="18" charset="0"/>
+                      </a:rPr>
                       <m:t>𝑚𝑎𝑥</m:t>
                     </m:r>
                   </m:oMath>
@@ -9372,51 +9888,75 @@
                 <a14:m>
                   <m:oMath xmlns:m="http://schemas.openxmlformats.org/officeDocument/2006/math">
                     <m:r>
-                      <a:rPr lang="en-US" i="1"/>
+                      <a:rPr lang="en-US" i="1">
+                        <a:latin typeface="Cambria Math" panose="02040503050406030204" pitchFamily="18" charset="0"/>
+                      </a:rPr>
                       <m:t>𝑚𝑖𝑛</m:t>
                     </m:r>
                     <m:r>
-                      <a:rPr lang="en-US" i="1"/>
+                      <a:rPr lang="en-US" i="1">
+                        <a:latin typeface="Cambria Math" panose="02040503050406030204" pitchFamily="18" charset="0"/>
+                      </a:rPr>
                       <m:t>−</m:t>
                     </m:r>
                     <m:r>
-                      <a:rPr lang="en-US" i="1"/>
+                      <a:rPr lang="en-US" i="1">
+                        <a:latin typeface="Cambria Math" panose="02040503050406030204" pitchFamily="18" charset="0"/>
+                      </a:rPr>
                       <m:t>𝑚𝑖𝑛</m:t>
                     </m:r>
                     <m:r>
-                      <a:rPr lang="en-US"/>
+                      <a:rPr lang="en-US">
+                        <a:latin typeface="Cambria Math" panose="02040503050406030204" pitchFamily="18" charset="0"/>
+                      </a:rPr>
                       <m:t>≤</m:t>
                     </m:r>
                     <m:r>
-                      <a:rPr lang="en-US" i="1"/>
+                      <a:rPr lang="en-US" i="1">
+                        <a:latin typeface="Cambria Math" panose="02040503050406030204" pitchFamily="18" charset="0"/>
+                      </a:rPr>
                       <m:t>𝑣</m:t>
                     </m:r>
                     <m:r>
-                      <a:rPr lang="en-US" i="1"/>
+                      <a:rPr lang="en-US" i="1">
+                        <a:latin typeface="Cambria Math" panose="02040503050406030204" pitchFamily="18" charset="0"/>
+                      </a:rPr>
                       <m:t>−</m:t>
                     </m:r>
                     <m:r>
-                      <a:rPr lang="en-US" i="1"/>
+                      <a:rPr lang="en-US" i="1">
+                        <a:latin typeface="Cambria Math" panose="02040503050406030204" pitchFamily="18" charset="0"/>
+                      </a:rPr>
                       <m:t>𝑚𝑖𝑛</m:t>
                     </m:r>
                     <m:r>
-                      <a:rPr lang="en-US"/>
+                      <a:rPr lang="en-US">
+                        <a:latin typeface="Cambria Math" panose="02040503050406030204" pitchFamily="18" charset="0"/>
+                      </a:rPr>
                       <m:t>≤</m:t>
                     </m:r>
                     <m:r>
-                      <a:rPr lang="en-US" i="1"/>
+                      <a:rPr lang="en-US" i="1">
+                        <a:latin typeface="Cambria Math" panose="02040503050406030204" pitchFamily="18" charset="0"/>
+                      </a:rPr>
                       <m:t>𝑚𝑎𝑥</m:t>
                     </m:r>
                     <m:r>
-                      <a:rPr lang="en-US" i="1"/>
+                      <a:rPr lang="en-US" i="1">
+                        <a:latin typeface="Cambria Math" panose="02040503050406030204" pitchFamily="18" charset="0"/>
+                      </a:rPr>
                       <m:t>−</m:t>
                     </m:r>
                     <m:r>
-                      <a:rPr lang="en-US" i="1"/>
+                      <a:rPr lang="en-US" i="1">
+                        <a:latin typeface="Cambria Math" panose="02040503050406030204" pitchFamily="18" charset="0"/>
+                      </a:rPr>
                       <m:t>𝑚𝑖𝑛</m:t>
                     </m:r>
                     <m:r>
-                      <a:rPr lang="en-US"/>
+                      <a:rPr lang="en-US">
+                        <a:latin typeface="Cambria Math" panose="02040503050406030204" pitchFamily="18" charset="0"/>
+                      </a:rPr>
                       <m:t> </m:t>
                     </m:r>
                   </m:oMath>
@@ -9431,39 +9971,57 @@
                 <a14:m>
                   <m:oMath xmlns:m="http://schemas.openxmlformats.org/officeDocument/2006/math">
                     <m:r>
-                      <a:rPr lang="en-US"/>
+                      <a:rPr lang="en-US">
+                        <a:latin typeface="Cambria Math" panose="02040503050406030204" pitchFamily="18" charset="0"/>
+                      </a:rPr>
                       <m:t>0≤(</m:t>
                     </m:r>
                     <m:r>
-                      <a:rPr lang="en-US" i="1"/>
+                      <a:rPr lang="en-US" i="1">
+                        <a:latin typeface="Cambria Math" panose="02040503050406030204" pitchFamily="18" charset="0"/>
+                      </a:rPr>
                       <m:t>𝑣</m:t>
                     </m:r>
                     <m:r>
-                      <a:rPr lang="en-US" i="1"/>
+                      <a:rPr lang="en-US" i="1">
+                        <a:latin typeface="Cambria Math" panose="02040503050406030204" pitchFamily="18" charset="0"/>
+                      </a:rPr>
                       <m:t>−</m:t>
                     </m:r>
                     <m:r>
-                      <a:rPr lang="en-US" i="1"/>
+                      <a:rPr lang="en-US" i="1">
+                        <a:latin typeface="Cambria Math" panose="02040503050406030204" pitchFamily="18" charset="0"/>
+                      </a:rPr>
                       <m:t>𝑚𝑖𝑛</m:t>
                     </m:r>
                     <m:r>
-                      <a:rPr lang="en-US"/>
+                      <a:rPr lang="en-US">
+                        <a:latin typeface="Cambria Math" panose="02040503050406030204" pitchFamily="18" charset="0"/>
+                      </a:rPr>
                       <m:t>)≤(</m:t>
                     </m:r>
                     <m:r>
-                      <a:rPr lang="en-US" i="1"/>
+                      <a:rPr lang="en-US" i="1">
+                        <a:latin typeface="Cambria Math" panose="02040503050406030204" pitchFamily="18" charset="0"/>
+                      </a:rPr>
                       <m:t>𝑚𝑎𝑥</m:t>
                     </m:r>
                     <m:r>
-                      <a:rPr lang="en-US" i="1"/>
+                      <a:rPr lang="en-US" i="1">
+                        <a:latin typeface="Cambria Math" panose="02040503050406030204" pitchFamily="18" charset="0"/>
+                      </a:rPr>
                       <m:t>−</m:t>
                     </m:r>
                     <m:r>
-                      <a:rPr lang="en-US" i="1"/>
+                      <a:rPr lang="en-US" i="1">
+                        <a:latin typeface="Cambria Math" panose="02040503050406030204" pitchFamily="18" charset="0"/>
+                      </a:rPr>
                       <m:t>𝑚𝑖𝑛</m:t>
                     </m:r>
                     <m:r>
-                      <a:rPr lang="en-US"/>
+                      <a:rPr lang="en-US">
+                        <a:latin typeface="Cambria Math" panose="02040503050406030204" pitchFamily="18" charset="0"/>
+                      </a:rPr>
                       <m:t>) </m:t>
                     </m:r>
                   </m:oMath>
@@ -9480,7 +10038,7 @@
             </p:txBody>
           </p:sp>
         </mc:Choice>
-        <mc:Fallback>
+        <mc:Fallback xmlns="">
           <p:sp>
             <p:nvSpPr>
               <p:cNvPr id="3" name="Content Placeholder 2">
@@ -9608,8 +10166,8 @@
           </a:p>
         </p:txBody>
       </p:sp>
-      <mc:AlternateContent xmlns:mc="http://schemas.openxmlformats.org/markup-compatibility/2006">
-        <mc:Choice xmlns:a14="http://schemas.microsoft.com/office/drawing/2010/main" Requires="a14">
+      <mc:AlternateContent xmlns:mc="http://schemas.openxmlformats.org/markup-compatibility/2006" xmlns:a14="http://schemas.microsoft.com/office/drawing/2010/main">
+        <mc:Choice Requires="a14">
           <p:sp>
             <p:nvSpPr>
               <p:cNvPr id="3" name="Content Placeholder 2">
@@ -9801,7 +10359,9 @@
                         <m:begChr m:val="‖"/>
                         <m:endChr m:val="‖"/>
                         <m:ctrlPr>
-                          <a:rPr lang="en-US" i="1"/>
+                          <a:rPr lang="en-US" i="1">
+                            <a:latin typeface="Cambria Math" panose="02040503050406030204" pitchFamily="18" charset="0"/>
+                          </a:rPr>
                         </m:ctrlPr>
                       </m:dPr>
                       <m:e>
@@ -9879,15 +10439,21 @@
                 <a14:m>
                   <m:oMath xmlns:m="http://schemas.openxmlformats.org/officeDocument/2006/math">
                     <m:r>
-                      <a:rPr lang="en-US" i="1"/>
+                      <a:rPr lang="en-US" i="1">
+                        <a:latin typeface="Cambria Math" panose="02040503050406030204" pitchFamily="18" charset="0"/>
+                      </a:rPr>
                       <m:t>0≤</m:t>
                     </m:r>
                     <m:r>
-                      <a:rPr lang="en-US" i="1"/>
+                      <a:rPr lang="en-US" i="1">
+                        <a:latin typeface="Cambria Math" panose="02040503050406030204" pitchFamily="18" charset="0"/>
+                      </a:rPr>
                       <m:t>𝑑</m:t>
                     </m:r>
                     <m:r>
-                      <a:rPr lang="en-US" i="1"/>
+                      <a:rPr lang="en-US" i="1">
+                        <a:latin typeface="Cambria Math" panose="02040503050406030204" pitchFamily="18" charset="0"/>
+                      </a:rPr>
                       <m:t>≤</m:t>
                     </m:r>
                     <m:d>
@@ -9895,14 +10461,18 @@
                         <m:begChr m:val="‖"/>
                         <m:endChr m:val="‖"/>
                         <m:ctrlPr>
-                          <a:rPr lang="en-US" i="1"/>
+                          <a:rPr lang="en-US" i="1">
+                            <a:latin typeface="Cambria Math" panose="02040503050406030204" pitchFamily="18" charset="0"/>
+                          </a:rPr>
                         </m:ctrlPr>
                       </m:dPr>
                       <m:e>
                         <m:sSub>
                           <m:sSubPr>
                             <m:ctrlPr>
-                              <a:rPr lang="en-US" i="1"/>
+                              <a:rPr lang="en-US" i="1">
+                                <a:latin typeface="Cambria Math" panose="02040503050406030204" pitchFamily="18" charset="0"/>
+                              </a:rPr>
                             </m:ctrlPr>
                           </m:sSubPr>
                           <m:e>
@@ -9910,12 +10480,16 @@
                               <m:accPr>
                                 <m:chr m:val="⃑"/>
                                 <m:ctrlPr>
-                                  <a:rPr lang="en-US" i="1"/>
+                                  <a:rPr lang="en-US" i="1">
+                                    <a:latin typeface="Cambria Math" panose="02040503050406030204" pitchFamily="18" charset="0"/>
+                                  </a:rPr>
                                 </m:ctrlPr>
                               </m:accPr>
                               <m:e>
                                 <m:r>
-                                  <a:rPr lang="en-US" i="1"/>
+                                  <a:rPr lang="en-US" i="1">
+                                    <a:latin typeface="Cambria Math" panose="02040503050406030204" pitchFamily="18" charset="0"/>
+                                  </a:rPr>
                                   <m:t>𝑉</m:t>
                                 </m:r>
                               </m:e>
@@ -9923,7 +10497,9 @@
                           </m:e>
                           <m:sub>
                             <m:r>
-                              <a:rPr lang="en-US" i="1"/>
+                              <a:rPr lang="en-US" i="1">
+                                <a:latin typeface="Cambria Math" panose="02040503050406030204" pitchFamily="18" charset="0"/>
+                              </a:rPr>
                               <m:t>1</m:t>
                             </m:r>
                           </m:sub>
@@ -9950,7 +10526,7 @@
             </p:txBody>
           </p:sp>
         </mc:Choice>
-        <mc:Fallback>
+        <mc:Fallback xmlns="">
           <p:sp>
             <p:nvSpPr>
               <p:cNvPr id="3" name="Content Placeholder 2">
@@ -10080,8 +10656,8 @@
           </a:prstGeom>
         </p:spPr>
       </p:pic>
-      <mc:AlternateContent xmlns:mc="http://schemas.openxmlformats.org/markup-compatibility/2006">
-        <mc:Choice xmlns:a14="http://schemas.microsoft.com/office/drawing/2010/main" Requires="a14">
+      <mc:AlternateContent xmlns:mc="http://schemas.openxmlformats.org/markup-compatibility/2006" xmlns:a14="http://schemas.microsoft.com/office/drawing/2010/main">
+        <mc:Choice Requires="a14">
           <p:sp>
             <p:nvSpPr>
               <p:cNvPr id="2" name="Title 1">
@@ -10144,7 +10720,7 @@
             </p:txBody>
           </p:sp>
         </mc:Choice>
-        <mc:Fallback>
+        <mc:Fallback xmlns="">
           <p:sp>
             <p:nvSpPr>
               <p:cNvPr id="2" name="Title 1">
@@ -10184,8 +10760,8 @@
           </p:sp>
         </mc:Fallback>
       </mc:AlternateContent>
-      <mc:AlternateContent xmlns:mc="http://schemas.openxmlformats.org/markup-compatibility/2006">
-        <mc:Choice xmlns:a14="http://schemas.microsoft.com/office/drawing/2010/main" Requires="a14">
+      <mc:AlternateContent xmlns:mc="http://schemas.openxmlformats.org/markup-compatibility/2006" xmlns:a14="http://schemas.microsoft.com/office/drawing/2010/main">
+        <mc:Choice Requires="a14">
           <p:sp>
             <p:nvSpPr>
               <p:cNvPr id="3" name="Content Placeholder 2">
@@ -10214,7 +10790,9 @@
                     <m:sSub>
                       <m:sSubPr>
                         <m:ctrlPr>
-                          <a:rPr lang="en-US" i="1"/>
+                          <a:rPr lang="en-US" i="1">
+                            <a:latin typeface="Cambria Math" panose="02040503050406030204" pitchFamily="18" charset="0"/>
+                          </a:rPr>
                         </m:ctrlPr>
                       </m:sSubPr>
                       <m:e>
@@ -10222,12 +10800,16 @@
                           <m:accPr>
                             <m:chr m:val="⃑"/>
                             <m:ctrlPr>
-                              <a:rPr lang="en-US" i="1"/>
+                              <a:rPr lang="en-US" i="1">
+                                <a:latin typeface="Cambria Math" panose="02040503050406030204" pitchFamily="18" charset="0"/>
+                              </a:rPr>
                             </m:ctrlPr>
                           </m:accPr>
                           <m:e>
                             <m:r>
-                              <a:rPr lang="en-US" i="1"/>
+                              <a:rPr lang="en-US" i="1">
+                                <a:latin typeface="Cambria Math" panose="02040503050406030204" pitchFamily="18" charset="0"/>
+                              </a:rPr>
                               <m:t>𝑉</m:t>
                             </m:r>
                           </m:e>
@@ -10235,53 +10817,71 @@
                       </m:e>
                       <m:sub>
                         <m:r>
-                          <a:rPr lang="en-US" i="1"/>
+                          <a:rPr lang="en-US" i="1">
+                            <a:latin typeface="Cambria Math" panose="02040503050406030204" pitchFamily="18" charset="0"/>
+                          </a:rPr>
                           <m:t>𝑡</m:t>
                         </m:r>
                       </m:sub>
                     </m:sSub>
                     <m:r>
-                      <a:rPr lang="en-US" i="1"/>
+                      <a:rPr lang="en-US" i="1">
+                        <a:latin typeface="Cambria Math" panose="02040503050406030204" pitchFamily="18" charset="0"/>
+                      </a:rPr>
                       <m:t>=</m:t>
                     </m:r>
                     <m:sSub>
                       <m:sSubPr>
                         <m:ctrlPr>
-                          <a:rPr lang="en-US" i="1"/>
+                          <a:rPr lang="en-US" i="1">
+                            <a:latin typeface="Cambria Math" panose="02040503050406030204" pitchFamily="18" charset="0"/>
+                          </a:rPr>
                         </m:ctrlPr>
                       </m:sSubPr>
                       <m:e>
                         <m:r>
-                          <a:rPr lang="en-US" i="1"/>
+                          <a:rPr lang="en-US" i="1">
+                            <a:latin typeface="Cambria Math" panose="02040503050406030204" pitchFamily="18" charset="0"/>
+                          </a:rPr>
                           <m:t>𝑃</m:t>
                         </m:r>
                       </m:e>
                       <m:sub>
                         <m:r>
-                          <a:rPr lang="en-US" i="1"/>
+                          <a:rPr lang="en-US" i="1">
+                            <a:latin typeface="Cambria Math" panose="02040503050406030204" pitchFamily="18" charset="0"/>
+                          </a:rPr>
                           <m:t>𝑡</m:t>
                         </m:r>
                       </m:sub>
                     </m:sSub>
                     <m:r>
-                      <a:rPr lang="en-US" i="1"/>
+                      <a:rPr lang="en-US" i="1">
+                        <a:latin typeface="Cambria Math" panose="02040503050406030204" pitchFamily="18" charset="0"/>
+                      </a:rPr>
                       <m:t>−</m:t>
                     </m:r>
                     <m:sSub>
                       <m:sSubPr>
                         <m:ctrlPr>
-                          <a:rPr lang="en-US" i="1"/>
+                          <a:rPr lang="en-US" i="1">
+                            <a:latin typeface="Cambria Math" panose="02040503050406030204" pitchFamily="18" charset="0"/>
+                          </a:rPr>
                         </m:ctrlPr>
                       </m:sSubPr>
                       <m:e>
                         <m:r>
-                          <a:rPr lang="en-US" i="1"/>
+                          <a:rPr lang="en-US" i="1">
+                            <a:latin typeface="Cambria Math" panose="02040503050406030204" pitchFamily="18" charset="0"/>
+                          </a:rPr>
                           <m:t>𝑃</m:t>
                         </m:r>
                       </m:e>
                       <m:sub>
                         <m:r>
-                          <a:rPr lang="en-US" i="1"/>
+                          <a:rPr lang="en-US" i="1">
+                            <a:latin typeface="Cambria Math" panose="02040503050406030204" pitchFamily="18" charset="0"/>
+                          </a:rPr>
                           <m:t>0</m:t>
                         </m:r>
                       </m:sub>
@@ -10297,17 +10897,23 @@
                 <a14:m>
                   <m:oMath xmlns:m="http://schemas.openxmlformats.org/officeDocument/2006/math">
                     <m:r>
-                      <a:rPr lang="en-US" i="1"/>
+                      <a:rPr lang="en-US" i="1">
+                        <a:latin typeface="Cambria Math" panose="02040503050406030204" pitchFamily="18" charset="0"/>
+                      </a:rPr>
                       <m:t>𝑑</m:t>
                     </m:r>
                     <m:r>
-                      <a:rPr lang="en-US" i="1"/>
+                      <a:rPr lang="en-US" i="1">
+                        <a:latin typeface="Cambria Math" panose="02040503050406030204" pitchFamily="18" charset="0"/>
+                      </a:rPr>
                       <m:t>= </m:t>
                     </m:r>
                     <m:sSub>
                       <m:sSubPr>
                         <m:ctrlPr>
-                          <a:rPr lang="en-US" i="1"/>
+                          <a:rPr lang="en-US" i="1">
+                            <a:latin typeface="Cambria Math" panose="02040503050406030204" pitchFamily="18" charset="0"/>
+                          </a:rPr>
                         </m:ctrlPr>
                       </m:sSubPr>
                       <m:e>
@@ -10315,12 +10921,16 @@
                           <m:accPr>
                             <m:chr m:val="⃑"/>
                             <m:ctrlPr>
-                              <a:rPr lang="en-US" i="1"/>
+                              <a:rPr lang="en-US" i="1">
+                                <a:latin typeface="Cambria Math" panose="02040503050406030204" pitchFamily="18" charset="0"/>
+                              </a:rPr>
                             </m:ctrlPr>
                           </m:accPr>
                           <m:e>
                             <m:r>
-                              <a:rPr lang="en-US" i="1"/>
+                              <a:rPr lang="en-US" i="1">
+                                <a:latin typeface="Cambria Math" panose="02040503050406030204" pitchFamily="18" charset="0"/>
+                              </a:rPr>
                               <m:t>𝑉</m:t>
                             </m:r>
                           </m:e>
@@ -10328,19 +10938,25 @@
                       </m:e>
                       <m:sub>
                         <m:r>
-                          <a:rPr lang="en-US" i="1"/>
+                          <a:rPr lang="en-US" i="1">
+                            <a:latin typeface="Cambria Math" panose="02040503050406030204" pitchFamily="18" charset="0"/>
+                          </a:rPr>
                           <m:t>𝑡</m:t>
                         </m:r>
                       </m:sub>
                     </m:sSub>
                     <m:r>
-                      <a:rPr lang="en-US" i="1"/>
+                      <a:rPr lang="en-US" i="1">
+                        <a:latin typeface="Cambria Math" panose="02040503050406030204" pitchFamily="18" charset="0"/>
+                      </a:rPr>
                       <m:t>∙</m:t>
                     </m:r>
                     <m:sSub>
                       <m:sSubPr>
                         <m:ctrlPr>
-                          <a:rPr lang="en-US" i="1"/>
+                          <a:rPr lang="en-US" i="1">
+                            <a:latin typeface="Cambria Math" panose="02040503050406030204" pitchFamily="18" charset="0"/>
+                          </a:rPr>
                         </m:ctrlPr>
                       </m:sSubPr>
                       <m:e>
@@ -10348,12 +10964,16 @@
                           <m:accPr>
                             <m:chr m:val="̂"/>
                             <m:ctrlPr>
-                              <a:rPr lang="en-US" i="1"/>
+                              <a:rPr lang="en-US" i="1">
+                                <a:latin typeface="Cambria Math" panose="02040503050406030204" pitchFamily="18" charset="0"/>
+                              </a:rPr>
                             </m:ctrlPr>
                           </m:accPr>
                           <m:e>
                             <m:r>
-                              <a:rPr lang="en-US" i="1"/>
+                              <a:rPr lang="en-US" i="1">
+                                <a:latin typeface="Cambria Math" panose="02040503050406030204" pitchFamily="18" charset="0"/>
+                              </a:rPr>
                               <m:t>𝑉</m:t>
                             </m:r>
                           </m:e>
@@ -10361,13 +10981,17 @@
                       </m:e>
                       <m:sub>
                         <m:r>
-                          <a:rPr lang="en-US"/>
+                          <a:rPr lang="en-US">
+                            <a:latin typeface="Cambria Math" panose="02040503050406030204" pitchFamily="18" charset="0"/>
+                          </a:rPr>
                           <m:t>1</m:t>
                         </m:r>
                       </m:sub>
                     </m:sSub>
                     <m:r>
-                      <a:rPr lang="en-US"/>
+                      <a:rPr lang="en-US">
+                        <a:latin typeface="Cambria Math" panose="02040503050406030204" pitchFamily="18" charset="0"/>
+                      </a:rPr>
                       <m:t> </m:t>
                     </m:r>
                   </m:oMath>
@@ -10388,7 +11012,9 @@
                     <m:sSub>
                       <m:sSubPr>
                         <m:ctrlPr>
-                          <a:rPr lang="en-US" i="1"/>
+                          <a:rPr lang="en-US" i="1">
+                            <a:latin typeface="Cambria Math" panose="02040503050406030204" pitchFamily="18" charset="0"/>
+                          </a:rPr>
                         </m:ctrlPr>
                       </m:sSubPr>
                       <m:e>
@@ -10396,12 +11022,16 @@
                           <m:accPr>
                             <m:chr m:val="⃑"/>
                             <m:ctrlPr>
-                              <a:rPr lang="en-US" i="1"/>
+                              <a:rPr lang="en-US" i="1">
+                                <a:latin typeface="Cambria Math" panose="02040503050406030204" pitchFamily="18" charset="0"/>
+                              </a:rPr>
                             </m:ctrlPr>
                           </m:accPr>
                           <m:e>
                             <m:r>
-                              <a:rPr lang="en-US" i="1"/>
+                              <a:rPr lang="en-US" i="1">
+                                <a:latin typeface="Cambria Math" panose="02040503050406030204" pitchFamily="18" charset="0"/>
+                              </a:rPr>
                               <m:t>𝑉</m:t>
                             </m:r>
                           </m:e>
@@ -10409,7 +11039,9 @@
                       </m:e>
                       <m:sub>
                         <m:r>
-                          <a:rPr lang="en-US" i="1"/>
+                          <a:rPr lang="en-US" i="1">
+                            <a:latin typeface="Cambria Math" panose="02040503050406030204" pitchFamily="18" charset="0"/>
+                          </a:rPr>
                           <m:t>𝑡</m:t>
                         </m:r>
                       </m:sub>
@@ -10425,7 +11057,9 @@
                     <m:sSub>
                       <m:sSubPr>
                         <m:ctrlPr>
-                          <a:rPr lang="en-US" i="1"/>
+                          <a:rPr lang="en-US" i="1">
+                            <a:latin typeface="Cambria Math" panose="02040503050406030204" pitchFamily="18" charset="0"/>
+                          </a:rPr>
                         </m:ctrlPr>
                       </m:sSubPr>
                       <m:e>
@@ -10433,12 +11067,16 @@
                           <m:accPr>
                             <m:chr m:val="̂"/>
                             <m:ctrlPr>
-                              <a:rPr lang="en-US" i="1"/>
+                              <a:rPr lang="en-US" i="1">
+                                <a:latin typeface="Cambria Math" panose="02040503050406030204" pitchFamily="18" charset="0"/>
+                              </a:rPr>
                             </m:ctrlPr>
                           </m:accPr>
                           <m:e>
                             <m:r>
-                              <a:rPr lang="en-US" i="1"/>
+                              <a:rPr lang="en-US" i="1">
+                                <a:latin typeface="Cambria Math" panose="02040503050406030204" pitchFamily="18" charset="0"/>
+                              </a:rPr>
                               <m:t>𝑉</m:t>
                             </m:r>
                           </m:e>
@@ -10446,7 +11084,9 @@
                       </m:e>
                       <m:sub>
                         <m:r>
-                          <a:rPr lang="en-US"/>
+                          <a:rPr lang="en-US">
+                            <a:latin typeface="Cambria Math" panose="02040503050406030204" pitchFamily="18" charset="0"/>
+                          </a:rPr>
                           <m:t>1</m:t>
                         </m:r>
                       </m:sub>
@@ -10465,7 +11105,9 @@
                     <m:sSub>
                       <m:sSubPr>
                         <m:ctrlPr>
-                          <a:rPr lang="en-US" i="1"/>
+                          <a:rPr lang="en-US" i="1">
+                            <a:latin typeface="Cambria Math" panose="02040503050406030204" pitchFamily="18" charset="0"/>
+                          </a:rPr>
                         </m:ctrlPr>
                       </m:sSubPr>
                       <m:e>
@@ -10473,12 +11115,16 @@
                           <m:accPr>
                             <m:chr m:val="⃑"/>
                             <m:ctrlPr>
-                              <a:rPr lang="en-US" i="1"/>
+                              <a:rPr lang="en-US" i="1">
+                                <a:latin typeface="Cambria Math" panose="02040503050406030204" pitchFamily="18" charset="0"/>
+                              </a:rPr>
                             </m:ctrlPr>
                           </m:accPr>
                           <m:e>
                             <m:r>
-                              <a:rPr lang="en-US" i="1"/>
+                              <a:rPr lang="en-US" i="1">
+                                <a:latin typeface="Cambria Math" panose="02040503050406030204" pitchFamily="18" charset="0"/>
+                              </a:rPr>
                               <m:t>𝑉</m:t>
                             </m:r>
                           </m:e>
@@ -10486,7 +11132,9 @@
                       </m:e>
                       <m:sub>
                         <m:r>
-                          <a:rPr lang="en-US" i="1"/>
+                          <a:rPr lang="en-US" i="1">
+                            <a:latin typeface="Cambria Math" panose="02040503050406030204" pitchFamily="18" charset="0"/>
+                          </a:rPr>
                           <m:t>1</m:t>
                         </m:r>
                       </m:sub>
@@ -10505,78 +11153,106 @@
                     <m:sSub>
                       <m:sSubPr>
                         <m:ctrlPr>
-                          <a:rPr lang="en-US" i="1"/>
+                          <a:rPr lang="en-US" i="1">
+                            <a:latin typeface="Cambria Math" panose="02040503050406030204" pitchFamily="18" charset="0"/>
+                          </a:rPr>
                         </m:ctrlPr>
                       </m:sSubPr>
                       <m:e>
                         <m:r>
-                          <a:rPr lang="en-US" i="1"/>
+                          <a:rPr lang="en-US" i="1">
+                            <a:latin typeface="Cambria Math" panose="02040503050406030204" pitchFamily="18" charset="0"/>
+                          </a:rPr>
                           <m:t>𝑃</m:t>
                         </m:r>
                       </m:e>
                       <m:sub>
                         <m:r>
-                          <a:rPr lang="en-US" i="1"/>
+                          <a:rPr lang="en-US" i="1">
+                            <a:latin typeface="Cambria Math" panose="02040503050406030204" pitchFamily="18" charset="0"/>
+                          </a:rPr>
                           <m:t>𝑜𝑛</m:t>
                         </m:r>
                       </m:sub>
                     </m:sSub>
                     <m:r>
-                      <a:rPr lang="en-US"/>
+                      <a:rPr lang="en-US">
+                        <a:latin typeface="Cambria Math" panose="02040503050406030204" pitchFamily="18" charset="0"/>
+                      </a:rPr>
                       <m:t>=</m:t>
                     </m:r>
                     <m:r>
-                      <a:rPr lang="en-US" i="1"/>
+                      <a:rPr lang="en-US" i="1">
+                        <a:latin typeface="Cambria Math" panose="02040503050406030204" pitchFamily="18" charset="0"/>
+                      </a:rPr>
                       <m:t>𝑙</m:t>
                     </m:r>
                     <m:d>
                       <m:dPr>
                         <m:ctrlPr>
-                          <a:rPr lang="en-US" i="1"/>
+                          <a:rPr lang="en-US" i="1">
+                            <a:latin typeface="Cambria Math" panose="02040503050406030204" pitchFamily="18" charset="0"/>
+                          </a:rPr>
                         </m:ctrlPr>
                       </m:dPr>
                       <m:e>
                         <m:r>
-                          <a:rPr lang="en-US" i="1"/>
+                          <a:rPr lang="en-US" i="1">
+                            <a:latin typeface="Cambria Math" panose="02040503050406030204" pitchFamily="18" charset="0"/>
+                          </a:rPr>
                           <m:t>𝑑</m:t>
                         </m:r>
                       </m:e>
                     </m:d>
                     <m:r>
-                      <a:rPr lang="en-US"/>
+                      <a:rPr lang="en-US">
+                        <a:latin typeface="Cambria Math" panose="02040503050406030204" pitchFamily="18" charset="0"/>
+                      </a:rPr>
                       <m:t>=</m:t>
                     </m:r>
                     <m:sSub>
                       <m:sSubPr>
                         <m:ctrlPr>
-                          <a:rPr lang="en-US" i="1"/>
+                          <a:rPr lang="en-US" i="1">
+                            <a:latin typeface="Cambria Math" panose="02040503050406030204" pitchFamily="18" charset="0"/>
+                          </a:rPr>
                         </m:ctrlPr>
                       </m:sSubPr>
                       <m:e>
                         <m:r>
-                          <a:rPr lang="en-US" i="1"/>
+                          <a:rPr lang="en-US" i="1">
+                            <a:latin typeface="Cambria Math" panose="02040503050406030204" pitchFamily="18" charset="0"/>
+                          </a:rPr>
                           <m:t>𝑃</m:t>
                         </m:r>
                       </m:e>
                       <m:sub>
                         <m:r>
-                          <a:rPr lang="en-US"/>
+                          <a:rPr lang="en-US">
+                            <a:latin typeface="Cambria Math" panose="02040503050406030204" pitchFamily="18" charset="0"/>
+                          </a:rPr>
                           <m:t>0</m:t>
                         </m:r>
                       </m:sub>
                     </m:sSub>
                     <m:r>
-                      <a:rPr lang="en-US"/>
+                      <a:rPr lang="en-US">
+                        <a:latin typeface="Cambria Math" panose="02040503050406030204" pitchFamily="18" charset="0"/>
+                      </a:rPr>
                       <m:t>+</m:t>
                     </m:r>
                     <m:r>
-                      <a:rPr lang="en-US" i="1"/>
+                      <a:rPr lang="en-US" i="1">
+                        <a:latin typeface="Cambria Math" panose="02040503050406030204" pitchFamily="18" charset="0"/>
+                      </a:rPr>
                       <m:t>𝑑</m:t>
                     </m:r>
                     <m:sSub>
                       <m:sSubPr>
                         <m:ctrlPr>
-                          <a:rPr lang="en-US" i="1"/>
+                          <a:rPr lang="en-US" i="1">
+                            <a:latin typeface="Cambria Math" panose="02040503050406030204" pitchFamily="18" charset="0"/>
+                          </a:rPr>
                         </m:ctrlPr>
                       </m:sSubPr>
                       <m:e>
@@ -10584,12 +11260,16 @@
                           <m:accPr>
                             <m:chr m:val="̂"/>
                             <m:ctrlPr>
-                              <a:rPr lang="en-US" i="1"/>
+                              <a:rPr lang="en-US" i="1">
+                                <a:latin typeface="Cambria Math" panose="02040503050406030204" pitchFamily="18" charset="0"/>
+                              </a:rPr>
                             </m:ctrlPr>
                           </m:accPr>
                           <m:e>
                             <m:r>
-                              <a:rPr lang="en-US" i="1"/>
+                              <a:rPr lang="en-US" i="1">
+                                <a:latin typeface="Cambria Math" panose="02040503050406030204" pitchFamily="18" charset="0"/>
+                              </a:rPr>
                               <m:t>𝑉</m:t>
                             </m:r>
                           </m:e>
@@ -10597,7 +11277,9 @@
                       </m:e>
                       <m:sub>
                         <m:r>
-                          <a:rPr lang="en-US"/>
+                          <a:rPr lang="en-US">
+                            <a:latin typeface="Cambria Math" panose="02040503050406030204" pitchFamily="18" charset="0"/>
+                          </a:rPr>
                           <m:t>1</m:t>
                         </m:r>
                       </m:sub>
@@ -10765,7 +11447,7 @@
             </p:txBody>
           </p:sp>
         </mc:Choice>
-        <mc:Fallback>
+        <mc:Fallback xmlns="">
           <p:sp>
             <p:nvSpPr>
               <p:cNvPr id="3" name="Content Placeholder 2">
@@ -11136,8 +11818,8 @@
           </a:p>
         </p:txBody>
       </p:sp>
-      <mc:AlternateContent xmlns:mc="http://schemas.openxmlformats.org/markup-compatibility/2006">
-        <mc:Choice xmlns:a14="http://schemas.microsoft.com/office/drawing/2010/main" Requires="a14">
+      <mc:AlternateContent xmlns:mc="http://schemas.openxmlformats.org/markup-compatibility/2006" xmlns:a14="http://schemas.microsoft.com/office/drawing/2010/main">
+        <mc:Choice Requires="a14">
           <p:sp>
             <p:nvSpPr>
               <p:cNvPr id="3" name="Content Placeholder 2">
@@ -11671,7 +12353,7 @@
             </p:txBody>
           </p:sp>
         </mc:Choice>
-        <mc:Fallback>
+        <mc:Fallback xmlns="">
           <p:sp>
             <p:nvSpPr>
               <p:cNvPr id="3" name="Content Placeholder 2">
@@ -11873,8 +12555,8 @@
           </a:p>
         </p:txBody>
       </p:sp>
-      <mc:AlternateContent xmlns:mc="http://schemas.openxmlformats.org/markup-compatibility/2006">
-        <mc:Choice xmlns:a14="http://schemas.microsoft.com/office/drawing/2010/main" Requires="a14">
+      <mc:AlternateContent xmlns:mc="http://schemas.openxmlformats.org/markup-compatibility/2006" xmlns:a14="http://schemas.microsoft.com/office/drawing/2010/main">
+        <mc:Choice Requires="a14">
           <p:sp>
             <p:nvSpPr>
               <p:cNvPr id="3" name="Content Placeholder 2">
@@ -11965,14 +12647,18 @@
                         <m:begChr m:val="‖"/>
                         <m:endChr m:val="‖"/>
                         <m:ctrlPr>
-                          <a:rPr lang="en-US" i="1"/>
+                          <a:rPr lang="en-US" i="1">
+                            <a:latin typeface="Cambria Math" panose="02040503050406030204" pitchFamily="18" charset="0"/>
+                          </a:rPr>
                         </m:ctrlPr>
                       </m:dPr>
                       <m:e>
                         <m:sSub>
                           <m:sSubPr>
                             <m:ctrlPr>
-                              <a:rPr lang="en-US" i="1"/>
+                              <a:rPr lang="en-US" i="1">
+                                <a:latin typeface="Cambria Math" panose="02040503050406030204" pitchFamily="18" charset="0"/>
+                              </a:rPr>
                             </m:ctrlPr>
                           </m:sSubPr>
                           <m:e>
@@ -11980,12 +12666,16 @@
                               <m:accPr>
                                 <m:chr m:val="⃑"/>
                                 <m:ctrlPr>
-                                  <a:rPr lang="en-US" i="1"/>
+                                  <a:rPr lang="en-US" i="1">
+                                    <a:latin typeface="Cambria Math" panose="02040503050406030204" pitchFamily="18" charset="0"/>
+                                  </a:rPr>
                                 </m:ctrlPr>
                               </m:accPr>
                               <m:e>
                                 <m:r>
-                                  <a:rPr lang="en-US" i="1"/>
+                                  <a:rPr lang="en-US" i="1">
+                                    <a:latin typeface="Cambria Math" panose="02040503050406030204" pitchFamily="18" charset="0"/>
+                                  </a:rPr>
                                   <m:t>𝑉</m:t>
                                 </m:r>
                               </m:e>
@@ -11993,7 +12683,9 @@
                           </m:e>
                           <m:sub>
                             <m:r>
-                              <a:rPr lang="en-US" i="1"/>
+                              <a:rPr lang="en-US" i="1">
+                                <a:latin typeface="Cambria Math" panose="02040503050406030204" pitchFamily="18" charset="0"/>
+                              </a:rPr>
                               <m:t>𝑜𝑛</m:t>
                             </m:r>
                           </m:sub>
@@ -12017,7 +12709,7 @@
             </p:txBody>
           </p:sp>
         </mc:Choice>
-        <mc:Fallback>
+        <mc:Fallback xmlns="">
           <p:sp>
             <p:nvSpPr>
               <p:cNvPr id="3" name="Content Placeholder 2">
@@ -13023,56 +13715,43 @@
                         </m:ctrlPr>
                       </m:fPr>
                       <m:num>
-                        <m:d>
-                          <m:dPr>
-                            <m:begChr m:val="‖"/>
-                            <m:endChr m:val="‖"/>
+                        <m:sSub>
+                          <m:sSubPr>
                             <m:ctrlPr>
                               <a:rPr lang="en-US" i="1">
                                 <a:latin typeface="Cambria Math" panose="02040503050406030204" pitchFamily="18" charset="0"/>
                               </a:rPr>
                             </m:ctrlPr>
-                          </m:dPr>
+                          </m:sSubPr>
                           <m:e>
-                            <m:sSub>
-                              <m:sSubPr>
+                            <m:acc>
+                              <m:accPr>
+                                <m:chr m:val="⃑"/>
                                 <m:ctrlPr>
                                   <a:rPr lang="en-US" i="1">
                                     <a:latin typeface="Cambria Math" panose="02040503050406030204" pitchFamily="18" charset="0"/>
                                   </a:rPr>
                                 </m:ctrlPr>
-                              </m:sSubPr>
+                              </m:accPr>
                               <m:e>
-                                <m:acc>
-                                  <m:accPr>
-                                    <m:chr m:val="⃑"/>
-                                    <m:ctrlPr>
-                                      <a:rPr lang="en-US" i="1">
-                                        <a:latin typeface="Cambria Math" panose="02040503050406030204" pitchFamily="18" charset="0"/>
-                                      </a:rPr>
-                                    </m:ctrlPr>
-                                  </m:accPr>
-                                  <m:e>
-                                    <m:r>
-                                      <a:rPr lang="en-US" i="1">
-                                        <a:latin typeface="Cambria Math" panose="02040503050406030204" pitchFamily="18" charset="0"/>
-                                      </a:rPr>
-                                      <m:t>𝑉</m:t>
-                                    </m:r>
-                                  </m:e>
-                                </m:acc>
-                              </m:e>
-                              <m:sub>
                                 <m:r>
-                                  <a:rPr lang="en-US" b="0" i="1" smtClean="0">
+                                  <a:rPr lang="en-US" i="1">
                                     <a:latin typeface="Cambria Math" panose="02040503050406030204" pitchFamily="18" charset="0"/>
                                   </a:rPr>
-                                  <m:t>1</m:t>
+                                  <m:t>𝑉</m:t>
                                 </m:r>
-                              </m:sub>
-                            </m:sSub>
+                              </m:e>
+                            </m:acc>
                           </m:e>
-                        </m:d>
+                          <m:sub>
+                            <m:r>
+                              <a:rPr lang="en-US" i="1">
+                                <a:latin typeface="Cambria Math" panose="02040503050406030204" pitchFamily="18" charset="0"/>
+                              </a:rPr>
+                              <m:t>1</m:t>
+                            </m:r>
+                          </m:sub>
+                        </m:sSub>
                       </m:num>
                       <m:den>
                         <m:r>
@@ -13251,8 +13930,8 @@
           </p:sp>
         </mc:Fallback>
       </mc:AlternateContent>
-      <mc:AlternateContent xmlns:mc="http://schemas.openxmlformats.org/markup-compatibility/2006">
-        <mc:Choice xmlns:a14="http://schemas.microsoft.com/office/drawing/2010/main" Requires="a14">
+      <mc:AlternateContent xmlns:mc="http://schemas.openxmlformats.org/markup-compatibility/2006" xmlns:a14="http://schemas.microsoft.com/office/drawing/2010/main">
+        <mc:Choice Requires="a14">
           <p:sp>
             <p:nvSpPr>
               <p:cNvPr id="4" name="Rectangle 3">
@@ -13917,7 +14596,7 @@
             </p:txBody>
           </p:sp>
         </mc:Choice>
-        <mc:Fallback>
+        <mc:Fallback xmlns="">
           <p:sp>
             <p:nvSpPr>
               <p:cNvPr id="4" name="Rectangle 3">
@@ -14050,8 +14729,8 @@
           </a:p>
         </p:txBody>
       </p:sp>
-      <mc:AlternateContent xmlns:mc="http://schemas.openxmlformats.org/markup-compatibility/2006">
-        <mc:Choice xmlns:a14="http://schemas.microsoft.com/office/drawing/2010/main" Requires="a14">
+      <mc:AlternateContent xmlns:mc="http://schemas.openxmlformats.org/markup-compatibility/2006" xmlns:a14="http://schemas.microsoft.com/office/drawing/2010/main">
+        <mc:Choice Requires="a14">
           <p:sp>
             <p:nvSpPr>
               <p:cNvPr id="3" name="Content Placeholder 2">
@@ -14083,18 +14762,24 @@
                     <m:sSub>
                       <m:sSubPr>
                         <m:ctrlPr>
-                          <a:rPr lang="en-US" i="1"/>
+                          <a:rPr lang="en-US" i="1">
+                            <a:latin typeface="Cambria Math" panose="02040503050406030204" pitchFamily="18" charset="0"/>
+                          </a:rPr>
                         </m:ctrlPr>
                       </m:sSubPr>
                       <m:e>
                         <m:r>
-                          <a:rPr lang="en-US" i="1"/>
+                          <a:rPr lang="en-US" i="1">
+                            <a:latin typeface="Cambria Math" panose="02040503050406030204" pitchFamily="18" charset="0"/>
+                          </a:rPr>
                           <m:t>𝑃</m:t>
                         </m:r>
                       </m:e>
                       <m:sub>
                         <m:r>
-                          <a:rPr lang="en-US" i="1"/>
+                          <a:rPr lang="en-US" i="1">
+                            <a:latin typeface="Cambria Math" panose="02040503050406030204" pitchFamily="18" charset="0"/>
+                          </a:rPr>
                           <m:t>𝑡</m:t>
                         </m:r>
                       </m:sub>
@@ -14110,18 +14795,24 @@
                     <m:sSub>
                       <m:sSubPr>
                         <m:ctrlPr>
-                          <a:rPr lang="en-US" i="1"/>
+                          <a:rPr lang="en-US" i="1">
+                            <a:latin typeface="Cambria Math" panose="02040503050406030204" pitchFamily="18" charset="0"/>
+                          </a:rPr>
                         </m:ctrlPr>
                       </m:sSubPr>
                       <m:e>
                         <m:r>
-                          <a:rPr lang="en-US" i="1"/>
+                          <a:rPr lang="en-US" i="1">
+                            <a:latin typeface="Cambria Math" panose="02040503050406030204" pitchFamily="18" charset="0"/>
+                          </a:rPr>
                           <m:t>𝑃</m:t>
                         </m:r>
                       </m:e>
                       <m:sub>
                         <m:r>
-                          <a:rPr lang="en-US" i="1"/>
+                          <a:rPr lang="en-US" i="1">
+                            <a:latin typeface="Cambria Math" panose="02040503050406030204" pitchFamily="18" charset="0"/>
+                          </a:rPr>
                           <m:t>𝑜𝑛</m:t>
                         </m:r>
                       </m:sub>
@@ -14137,18 +14828,24 @@
                     <m:sSub>
                       <m:sSubPr>
                         <m:ctrlPr>
-                          <a:rPr lang="en-US" i="1"/>
+                          <a:rPr lang="en-US" i="1">
+                            <a:latin typeface="Cambria Math" panose="02040503050406030204" pitchFamily="18" charset="0"/>
+                          </a:rPr>
                         </m:ctrlPr>
                       </m:sSubPr>
                       <m:e>
                         <m:r>
-                          <a:rPr lang="en-US" i="1"/>
+                          <a:rPr lang="en-US" i="1">
+                            <a:latin typeface="Cambria Math" panose="02040503050406030204" pitchFamily="18" charset="0"/>
+                          </a:rPr>
                           <m:t>𝑃</m:t>
                         </m:r>
                       </m:e>
                       <m:sub>
                         <m:r>
-                          <a:rPr lang="en-US" i="1"/>
+                          <a:rPr lang="en-US" i="1">
+                            <a:latin typeface="Cambria Math" panose="02040503050406030204" pitchFamily="18" charset="0"/>
+                          </a:rPr>
                           <m:t>𝑡</m:t>
                         </m:r>
                       </m:sub>
@@ -14164,18 +14861,24 @@
                     <m:sSub>
                       <m:sSubPr>
                         <m:ctrlPr>
-                          <a:rPr lang="en-US" i="1"/>
+                          <a:rPr lang="en-US" i="1">
+                            <a:latin typeface="Cambria Math" panose="02040503050406030204" pitchFamily="18" charset="0"/>
+                          </a:rPr>
                         </m:ctrlPr>
                       </m:sSubPr>
                       <m:e>
                         <m:r>
-                          <a:rPr lang="en-US" i="1"/>
+                          <a:rPr lang="en-US" i="1">
+                            <a:latin typeface="Cambria Math" panose="02040503050406030204" pitchFamily="18" charset="0"/>
+                          </a:rPr>
                           <m:t>𝑃</m:t>
                         </m:r>
                       </m:e>
                       <m:sub>
                         <m:r>
-                          <a:rPr lang="en-US" i="1"/>
+                          <a:rPr lang="en-US" i="1">
+                            <a:latin typeface="Cambria Math" panose="02040503050406030204" pitchFamily="18" charset="0"/>
+                          </a:rPr>
                           <m:t>𝑜𝑛</m:t>
                         </m:r>
                       </m:sub>
@@ -14191,18 +14894,24 @@
                     <m:sSub>
                       <m:sSubPr>
                         <m:ctrlPr>
-                          <a:rPr lang="en-US" i="1"/>
+                          <a:rPr lang="en-US" i="1">
+                            <a:latin typeface="Cambria Math" panose="02040503050406030204" pitchFamily="18" charset="0"/>
+                          </a:rPr>
                         </m:ctrlPr>
                       </m:sSubPr>
                       <m:e>
                         <m:r>
-                          <a:rPr lang="en-US" i="1"/>
+                          <a:rPr lang="en-US" i="1">
+                            <a:latin typeface="Cambria Math" panose="02040503050406030204" pitchFamily="18" charset="0"/>
+                          </a:rPr>
                           <m:t>𝑃</m:t>
                         </m:r>
                       </m:e>
                       <m:sub>
                         <m:r>
-                          <a:rPr lang="en-US" i="1"/>
+                          <a:rPr lang="en-US" i="1">
+                            <a:latin typeface="Cambria Math" panose="02040503050406030204" pitchFamily="18" charset="0"/>
+                          </a:rPr>
                           <m:t>𝑡</m:t>
                         </m:r>
                       </m:sub>
@@ -14222,18 +14931,24 @@
                     <m:sSub>
                       <m:sSubPr>
                         <m:ctrlPr>
-                          <a:rPr lang="en-US" i="1"/>
+                          <a:rPr lang="en-US" i="1">
+                            <a:latin typeface="Cambria Math" panose="02040503050406030204" pitchFamily="18" charset="0"/>
+                          </a:rPr>
                         </m:ctrlPr>
                       </m:sSubPr>
                       <m:e>
                         <m:r>
-                          <a:rPr lang="en-US" i="1"/>
+                          <a:rPr lang="en-US" i="1">
+                            <a:latin typeface="Cambria Math" panose="02040503050406030204" pitchFamily="18" charset="0"/>
+                          </a:rPr>
                           <m:t>𝑃</m:t>
                         </m:r>
                       </m:e>
                       <m:sub>
                         <m:r>
-                          <a:rPr lang="en-US" i="1"/>
+                          <a:rPr lang="en-US" i="1">
+                            <a:latin typeface="Cambria Math" panose="02040503050406030204" pitchFamily="18" charset="0"/>
+                          </a:rPr>
                           <m:t>𝑡</m:t>
                         </m:r>
                       </m:sub>
@@ -14249,18 +14964,24 @@
                     <m:sSub>
                       <m:sSubPr>
                         <m:ctrlPr>
-                          <a:rPr lang="en-US" i="1"/>
+                          <a:rPr lang="en-US" i="1">
+                            <a:latin typeface="Cambria Math" panose="02040503050406030204" pitchFamily="18" charset="0"/>
+                          </a:rPr>
                         </m:ctrlPr>
                       </m:sSubPr>
                       <m:e>
                         <m:r>
-                          <a:rPr lang="en-US" i="1"/>
+                          <a:rPr lang="en-US" i="1">
+                            <a:latin typeface="Cambria Math" panose="02040503050406030204" pitchFamily="18" charset="0"/>
+                          </a:rPr>
                           <m:t>𝑃</m:t>
                         </m:r>
                       </m:e>
                       <m:sub>
                         <m:r>
-                          <a:rPr lang="en-US" i="1"/>
+                          <a:rPr lang="en-US" i="1">
+                            <a:latin typeface="Cambria Math" panose="02040503050406030204" pitchFamily="18" charset="0"/>
+                          </a:rPr>
                           <m:t>𝑜𝑛</m:t>
                         </m:r>
                       </m:sub>
@@ -14283,18 +15004,24 @@
                     <m:sSub>
                       <m:sSubPr>
                         <m:ctrlPr>
-                          <a:rPr lang="en-US" i="1"/>
+                          <a:rPr lang="en-US" i="1">
+                            <a:latin typeface="Cambria Math" panose="02040503050406030204" pitchFamily="18" charset="0"/>
+                          </a:rPr>
                         </m:ctrlPr>
                       </m:sSubPr>
                       <m:e>
                         <m:r>
-                          <a:rPr lang="en-US" i="1"/>
+                          <a:rPr lang="en-US" i="1">
+                            <a:latin typeface="Cambria Math" panose="02040503050406030204" pitchFamily="18" charset="0"/>
+                          </a:rPr>
                           <m:t>𝑃</m:t>
                         </m:r>
                       </m:e>
                       <m:sub>
                         <m:r>
-                          <a:rPr lang="en-US" i="1"/>
+                          <a:rPr lang="en-US" i="1">
+                            <a:latin typeface="Cambria Math" panose="02040503050406030204" pitchFamily="18" charset="0"/>
+                          </a:rPr>
                           <m:t>𝑡</m:t>
                         </m:r>
                       </m:sub>
@@ -14310,18 +15037,24 @@
                     <m:sSub>
                       <m:sSubPr>
                         <m:ctrlPr>
-                          <a:rPr lang="en-US" i="1"/>
+                          <a:rPr lang="en-US" i="1">
+                            <a:latin typeface="Cambria Math" panose="02040503050406030204" pitchFamily="18" charset="0"/>
+                          </a:rPr>
                         </m:ctrlPr>
                       </m:sSubPr>
                       <m:e>
                         <m:r>
-                          <a:rPr lang="en-US" i="1"/>
+                          <a:rPr lang="en-US" i="1">
+                            <a:latin typeface="Cambria Math" panose="02040503050406030204" pitchFamily="18" charset="0"/>
+                          </a:rPr>
                           <m:t>𝑃</m:t>
                         </m:r>
                       </m:e>
                       <m:sub>
                         <m:r>
-                          <a:rPr lang="en-US" i="1"/>
+                          <a:rPr lang="en-US" i="1">
+                            <a:latin typeface="Cambria Math" panose="02040503050406030204" pitchFamily="18" charset="0"/>
+                          </a:rPr>
                           <m:t>𝑜𝑛</m:t>
                         </m:r>
                       </m:sub>
@@ -14337,18 +15070,24 @@
                     <m:sSub>
                       <m:sSubPr>
                         <m:ctrlPr>
-                          <a:rPr lang="en-US" i="1"/>
+                          <a:rPr lang="en-US" i="1">
+                            <a:latin typeface="Cambria Math" panose="02040503050406030204" pitchFamily="18" charset="0"/>
+                          </a:rPr>
                         </m:ctrlPr>
                       </m:sSubPr>
                       <m:e>
                         <m:r>
-                          <a:rPr lang="en-US" i="1"/>
+                          <a:rPr lang="en-US" i="1">
+                            <a:latin typeface="Cambria Math" panose="02040503050406030204" pitchFamily="18" charset="0"/>
+                          </a:rPr>
                           <m:t>𝑃</m:t>
                         </m:r>
                       </m:e>
                       <m:sub>
                         <m:r>
-                          <a:rPr lang="en-US" i="1"/>
+                          <a:rPr lang="en-US" i="1">
+                            <a:latin typeface="Cambria Math" panose="02040503050406030204" pitchFamily="18" charset="0"/>
+                          </a:rPr>
                           <m:t>𝑡</m:t>
                         </m:r>
                       </m:sub>
@@ -14366,7 +15105,7 @@
             </p:txBody>
           </p:sp>
         </mc:Choice>
-        <mc:Fallback>
+        <mc:Fallback xmlns="">
           <p:sp>
             <p:nvSpPr>
               <p:cNvPr id="3" name="Content Placeholder 2">
@@ -14842,8 +15581,8 @@
           </a:p>
         </p:txBody>
       </p:sp>
-      <mc:AlternateContent xmlns:mc="http://schemas.openxmlformats.org/markup-compatibility/2006">
-        <mc:Choice xmlns:a14="http://schemas.microsoft.com/office/drawing/2010/main" Requires="a14">
+      <mc:AlternateContent xmlns:mc="http://schemas.openxmlformats.org/markup-compatibility/2006" xmlns:a14="http://schemas.microsoft.com/office/drawing/2010/main">
+        <mc:Choice Requires="a14">
           <p:sp>
             <p:nvSpPr>
               <p:cNvPr id="3" name="Content Placeholder 2">
@@ -14895,51 +15634,69 @@
                     <m:d>
                       <m:dPr>
                         <m:ctrlPr>
-                          <a:rPr lang="en-US" i="1"/>
+                          <a:rPr lang="en-US" i="1">
+                            <a:latin typeface="Cambria Math" panose="02040503050406030204" pitchFamily="18" charset="0"/>
+                          </a:rPr>
                         </m:ctrlPr>
                       </m:dPr>
                       <m:e>
                         <m:r>
-                          <a:rPr lang="en-US" i="1"/>
+                          <a:rPr lang="en-US" i="1">
+                            <a:latin typeface="Cambria Math" panose="02040503050406030204" pitchFamily="18" charset="0"/>
+                          </a:rPr>
                           <m:t>𝑠</m:t>
                         </m:r>
                       </m:e>
                     </m:d>
                     <m:r>
-                      <a:rPr lang="en-US"/>
+                      <a:rPr lang="en-US">
+                        <a:latin typeface="Cambria Math" panose="02040503050406030204" pitchFamily="18" charset="0"/>
+                      </a:rPr>
                       <m:t>=</m:t>
                     </m:r>
                     <m:sSub>
                       <m:sSubPr>
                         <m:ctrlPr>
-                          <a:rPr lang="en-US" i="1"/>
+                          <a:rPr lang="en-US" i="1">
+                            <a:latin typeface="Cambria Math" panose="02040503050406030204" pitchFamily="18" charset="0"/>
+                          </a:rPr>
                         </m:ctrlPr>
                       </m:sSubPr>
                       <m:e>
                         <m:r>
-                          <a:rPr lang="en-US" i="1"/>
+                          <a:rPr lang="en-US" i="1">
+                            <a:latin typeface="Cambria Math" panose="02040503050406030204" pitchFamily="18" charset="0"/>
+                          </a:rPr>
                           <m:t>𝑃</m:t>
                         </m:r>
                       </m:e>
                       <m:sub>
                         <m:r>
-                          <a:rPr lang="en-US"/>
+                          <a:rPr lang="en-US">
+                            <a:latin typeface="Cambria Math" panose="02040503050406030204" pitchFamily="18" charset="0"/>
+                          </a:rPr>
                           <m:t>0</m:t>
                         </m:r>
                       </m:sub>
                     </m:sSub>
                     <m:r>
-                      <a:rPr lang="en-US"/>
+                      <a:rPr lang="en-US">
+                        <a:latin typeface="Cambria Math" panose="02040503050406030204" pitchFamily="18" charset="0"/>
+                      </a:rPr>
                       <m:t>+</m:t>
                     </m:r>
                     <m:r>
-                      <a:rPr lang="en-US" i="1"/>
+                      <a:rPr lang="en-US" i="1">
+                        <a:latin typeface="Cambria Math" panose="02040503050406030204" pitchFamily="18" charset="0"/>
+                      </a:rPr>
                       <m:t>𝑠</m:t>
                     </m:r>
                     <m:sSub>
                       <m:sSubPr>
                         <m:ctrlPr>
-                          <a:rPr lang="en-US" i="1"/>
+                          <a:rPr lang="en-US" i="1">
+                            <a:latin typeface="Cambria Math" panose="02040503050406030204" pitchFamily="18" charset="0"/>
+                          </a:rPr>
                         </m:ctrlPr>
                       </m:sSubPr>
                       <m:e>
@@ -14947,12 +15704,16 @@
                           <m:accPr>
                             <m:chr m:val="⃑"/>
                             <m:ctrlPr>
-                              <a:rPr lang="en-US" i="1"/>
+                              <a:rPr lang="en-US" i="1">
+                                <a:latin typeface="Cambria Math" panose="02040503050406030204" pitchFamily="18" charset="0"/>
+                              </a:rPr>
                             </m:ctrlPr>
                           </m:accPr>
                           <m:e>
                             <m:r>
-                              <a:rPr lang="en-US" i="1"/>
+                              <a:rPr lang="en-US" i="1">
+                                <a:latin typeface="Cambria Math" panose="02040503050406030204" pitchFamily="18" charset="0"/>
+                              </a:rPr>
                               <m:t>𝑉</m:t>
                             </m:r>
                           </m:e>
@@ -14960,7 +15721,9 @@
                       </m:e>
                       <m:sub>
                         <m:r>
-                          <a:rPr lang="en-US"/>
+                          <a:rPr lang="en-US">
+                            <a:latin typeface="Cambria Math" panose="02040503050406030204" pitchFamily="18" charset="0"/>
+                          </a:rPr>
                           <m:t>1</m:t>
                         </m:r>
                       </m:sub>
@@ -14976,57 +15739,77 @@
                 <a14:m>
                   <m:oMath xmlns:m="http://schemas.openxmlformats.org/officeDocument/2006/math">
                     <m:r>
-                      <a:rPr lang="en-US" i="1"/>
+                      <a:rPr lang="en-US" i="1">
+                        <a:latin typeface="Cambria Math" panose="02040503050406030204" pitchFamily="18" charset="0"/>
+                      </a:rPr>
                       <m:t>𝑙</m:t>
                     </m:r>
                     <m:d>
                       <m:dPr>
                         <m:ctrlPr>
-                          <a:rPr lang="en-US" i="1"/>
+                          <a:rPr lang="en-US" i="1">
+                            <a:latin typeface="Cambria Math" panose="02040503050406030204" pitchFamily="18" charset="0"/>
+                          </a:rPr>
                         </m:ctrlPr>
                       </m:dPr>
                       <m:e>
                         <m:r>
-                          <a:rPr lang="en-US" i="1"/>
+                          <a:rPr lang="en-US" i="1">
+                            <a:latin typeface="Cambria Math" panose="02040503050406030204" pitchFamily="18" charset="0"/>
+                          </a:rPr>
                           <m:t>𝑡</m:t>
                         </m:r>
                       </m:e>
                     </m:d>
                     <m:r>
-                      <a:rPr lang="en-US"/>
+                      <a:rPr lang="en-US">
+                        <a:latin typeface="Cambria Math" panose="02040503050406030204" pitchFamily="18" charset="0"/>
+                      </a:rPr>
                       <m:t>=</m:t>
                     </m:r>
                     <m:sSub>
                       <m:sSubPr>
                         <m:ctrlPr>
-                          <a:rPr lang="en-US" i="1"/>
+                          <a:rPr lang="en-US" i="1">
+                            <a:latin typeface="Cambria Math" panose="02040503050406030204" pitchFamily="18" charset="0"/>
+                          </a:rPr>
                         </m:ctrlPr>
                       </m:sSubPr>
                       <m:e>
                         <m:r>
-                          <a:rPr lang="en-US" i="1"/>
+                          <a:rPr lang="en-US" i="1">
+                            <a:latin typeface="Cambria Math" panose="02040503050406030204" pitchFamily="18" charset="0"/>
+                          </a:rPr>
                           <m:t>𝑃</m:t>
                         </m:r>
                       </m:e>
                       <m:sub>
                         <m:r>
-                          <a:rPr lang="en-US" i="1"/>
+                          <a:rPr lang="en-US" i="1">
+                            <a:latin typeface="Cambria Math" panose="02040503050406030204" pitchFamily="18" charset="0"/>
+                          </a:rPr>
                           <m:t>0</m:t>
                         </m:r>
                       </m:sub>
                     </m:sSub>
                     <m:r>
-                      <a:rPr lang="en-US" i="1"/>
+                      <a:rPr lang="en-US" i="1">
+                        <a:latin typeface="Cambria Math" panose="02040503050406030204" pitchFamily="18" charset="0"/>
+                      </a:rPr>
                       <m:t>+</m:t>
                     </m:r>
                     <m:r>
-                      <a:rPr lang="en-US" i="1"/>
+                      <a:rPr lang="en-US" i="1">
+                        <a:latin typeface="Cambria Math" panose="02040503050406030204" pitchFamily="18" charset="0"/>
+                      </a:rPr>
                       <m:t>𝑡</m:t>
                     </m:r>
                     <m:sSub>
                       <m:sSubPr>
                         <m:ctrlPr>
-                          <a:rPr lang="en-US" i="1"/>
+                          <a:rPr lang="en-US" i="1">
+                            <a:latin typeface="Cambria Math" panose="02040503050406030204" pitchFamily="18" charset="0"/>
+                          </a:rPr>
                         </m:ctrlPr>
                       </m:sSubPr>
                       <m:e>
@@ -15034,12 +15817,16 @@
                           <m:accPr>
                             <m:chr m:val="̂"/>
                             <m:ctrlPr>
-                              <a:rPr lang="en-US" i="1"/>
+                              <a:rPr lang="en-US" i="1">
+                                <a:latin typeface="Cambria Math" panose="02040503050406030204" pitchFamily="18" charset="0"/>
+                              </a:rPr>
                             </m:ctrlPr>
                           </m:accPr>
                           <m:e>
                             <m:r>
-                              <a:rPr lang="en-US" i="1"/>
+                              <a:rPr lang="en-US" i="1">
+                                <a:latin typeface="Cambria Math" panose="02040503050406030204" pitchFamily="18" charset="0"/>
+                              </a:rPr>
                               <m:t>𝑉</m:t>
                             </m:r>
                           </m:e>
@@ -15047,7 +15834,9 @@
                       </m:e>
                       <m:sub>
                         <m:r>
-                          <a:rPr lang="en-US"/>
+                          <a:rPr lang="en-US">
+                            <a:latin typeface="Cambria Math" panose="02040503050406030204" pitchFamily="18" charset="0"/>
+                          </a:rPr>
                           <m:t>1</m:t>
                         </m:r>
                       </m:sub>
@@ -15073,7 +15862,9 @@
                     <m:sSub>
                       <m:sSubPr>
                         <m:ctrlPr>
-                          <a:rPr lang="en-US" i="1"/>
+                          <a:rPr lang="en-US" i="1">
+                            <a:latin typeface="Cambria Math" panose="02040503050406030204" pitchFamily="18" charset="0"/>
+                          </a:rPr>
                         </m:ctrlPr>
                       </m:sSubPr>
                       <m:e>
@@ -15081,12 +15872,16 @@
                           <m:accPr>
                             <m:chr m:val="⃑"/>
                             <m:ctrlPr>
-                              <a:rPr lang="en-US" i="1"/>
+                              <a:rPr lang="en-US" i="1">
+                                <a:latin typeface="Cambria Math" panose="02040503050406030204" pitchFamily="18" charset="0"/>
+                              </a:rPr>
                             </m:ctrlPr>
                           </m:accPr>
                           <m:e>
                             <m:r>
-                              <a:rPr lang="en-US" i="1"/>
+                              <a:rPr lang="en-US" i="1">
+                                <a:latin typeface="Cambria Math" panose="02040503050406030204" pitchFamily="18" charset="0"/>
+                              </a:rPr>
                               <m:t>𝑉</m:t>
                             </m:r>
                           </m:e>
@@ -15094,53 +15889,71 @@
                       </m:e>
                       <m:sub>
                         <m:r>
-                          <a:rPr lang="en-US" i="1"/>
+                          <a:rPr lang="en-US" i="1">
+                            <a:latin typeface="Cambria Math" panose="02040503050406030204" pitchFamily="18" charset="0"/>
+                          </a:rPr>
                           <m:t>1</m:t>
                         </m:r>
                       </m:sub>
                     </m:sSub>
                     <m:r>
-                      <a:rPr lang="en-US" i="1"/>
+                      <a:rPr lang="en-US" i="1">
+                        <a:latin typeface="Cambria Math" panose="02040503050406030204" pitchFamily="18" charset="0"/>
+                      </a:rPr>
                       <m:t>=</m:t>
                     </m:r>
                     <m:sSub>
                       <m:sSubPr>
                         <m:ctrlPr>
-                          <a:rPr lang="en-US" i="1"/>
+                          <a:rPr lang="en-US" i="1">
+                            <a:latin typeface="Cambria Math" panose="02040503050406030204" pitchFamily="18" charset="0"/>
+                          </a:rPr>
                         </m:ctrlPr>
                       </m:sSubPr>
                       <m:e>
                         <m:r>
-                          <a:rPr lang="en-US" i="1"/>
+                          <a:rPr lang="en-US" i="1">
+                            <a:latin typeface="Cambria Math" panose="02040503050406030204" pitchFamily="18" charset="0"/>
+                          </a:rPr>
                           <m:t>𝑃</m:t>
                         </m:r>
                       </m:e>
                       <m:sub>
                         <m:r>
-                          <a:rPr lang="en-US" i="1"/>
+                          <a:rPr lang="en-US" i="1">
+                            <a:latin typeface="Cambria Math" panose="02040503050406030204" pitchFamily="18" charset="0"/>
+                          </a:rPr>
                           <m:t>1</m:t>
                         </m:r>
                       </m:sub>
                     </m:sSub>
                     <m:r>
-                      <a:rPr lang="en-US" i="1"/>
+                      <a:rPr lang="en-US" i="1">
+                        <a:latin typeface="Cambria Math" panose="02040503050406030204" pitchFamily="18" charset="0"/>
+                      </a:rPr>
                       <m:t>−</m:t>
                     </m:r>
                     <m:sSub>
                       <m:sSubPr>
                         <m:ctrlPr>
-                          <a:rPr lang="en-US" i="1"/>
+                          <a:rPr lang="en-US" i="1">
+                            <a:latin typeface="Cambria Math" panose="02040503050406030204" pitchFamily="18" charset="0"/>
+                          </a:rPr>
                         </m:ctrlPr>
                       </m:sSubPr>
                       <m:e>
                         <m:r>
-                          <a:rPr lang="en-US" i="1"/>
+                          <a:rPr lang="en-US" i="1">
+                            <a:latin typeface="Cambria Math" panose="02040503050406030204" pitchFamily="18" charset="0"/>
+                          </a:rPr>
                           <m:t>𝑃</m:t>
                         </m:r>
                       </m:e>
                       <m:sub>
                         <m:r>
-                          <a:rPr lang="en-US" i="1"/>
+                          <a:rPr lang="en-US" i="1">
+                            <a:latin typeface="Cambria Math" panose="02040503050406030204" pitchFamily="18" charset="0"/>
+                          </a:rPr>
                           <m:t>0</m:t>
                         </m:r>
                       </m:sub>
@@ -15161,7 +15974,7 @@
             </p:txBody>
           </p:sp>
         </mc:Choice>
-        <mc:Fallback>
+        <mc:Fallback xmlns="">
           <p:sp>
             <p:nvSpPr>
               <p:cNvPr id="3" name="Content Placeholder 2">
@@ -15289,8 +16102,8 @@
           </a:p>
         </p:txBody>
       </p:sp>
-      <mc:AlternateContent xmlns:mc="http://schemas.openxmlformats.org/markup-compatibility/2006">
-        <mc:Choice xmlns:a14="http://schemas.microsoft.com/office/drawing/2010/main" Requires="a14">
+      <mc:AlternateContent xmlns:mc="http://schemas.openxmlformats.org/markup-compatibility/2006" xmlns:a14="http://schemas.microsoft.com/office/drawing/2010/main">
+        <mc:Choice Requires="a14">
           <p:sp>
             <p:nvSpPr>
               <p:cNvPr id="6" name="Content Placeholder 2">
@@ -15495,7 +16308,9 @@
                     <m:sSub>
                       <m:sSubPr>
                         <m:ctrlPr>
-                          <a:rPr lang="en-US" i="1" smtClean="0"/>
+                          <a:rPr lang="en-US" i="1" smtClean="0">
+                            <a:latin typeface="Cambria Math" panose="02040503050406030204" pitchFamily="18" charset="0"/>
+                          </a:rPr>
                         </m:ctrlPr>
                       </m:sSubPr>
                       <m:e>
@@ -15503,12 +16318,16 @@
                           <m:accPr>
                             <m:chr m:val="⃑"/>
                             <m:ctrlPr>
-                              <a:rPr lang="en-US" i="1"/>
+                              <a:rPr lang="en-US" i="1">
+                                <a:latin typeface="Cambria Math" panose="02040503050406030204" pitchFamily="18" charset="0"/>
+                              </a:rPr>
                             </m:ctrlPr>
                           </m:accPr>
                           <m:e>
                             <m:r>
-                              <a:rPr lang="en-US" i="1"/>
+                              <a:rPr lang="en-US" i="1">
+                                <a:latin typeface="Cambria Math" panose="02040503050406030204" pitchFamily="18" charset="0"/>
+                              </a:rPr>
                               <m:t>𝑉</m:t>
                             </m:r>
                           </m:e>
@@ -15516,83 +16335,111 @@
                       </m:e>
                       <m:sub>
                         <m:r>
-                          <a:rPr lang="en-US"/>
+                          <a:rPr lang="en-US">
+                            <a:latin typeface="Cambria Math" panose="02040503050406030204" pitchFamily="18" charset="0"/>
+                          </a:rPr>
                           <m:t>1</m:t>
                         </m:r>
                       </m:sub>
                     </m:sSub>
                     <m:r>
-                      <a:rPr lang="en-US"/>
+                      <a:rPr lang="en-US">
+                        <a:latin typeface="Cambria Math" panose="02040503050406030204" pitchFamily="18" charset="0"/>
+                      </a:rPr>
                       <m:t>=</m:t>
                     </m:r>
                     <m:d>
                       <m:dPr>
                         <m:ctrlPr>
-                          <a:rPr lang="en-US" i="1"/>
+                          <a:rPr lang="en-US" i="1">
+                            <a:latin typeface="Cambria Math" panose="02040503050406030204" pitchFamily="18" charset="0"/>
+                          </a:rPr>
                         </m:ctrlPr>
                       </m:dPr>
                       <m:e>
                         <m:sSub>
                           <m:sSubPr>
                             <m:ctrlPr>
-                              <a:rPr lang="en-US" i="1"/>
+                              <a:rPr lang="en-US" i="1">
+                                <a:latin typeface="Cambria Math" panose="02040503050406030204" pitchFamily="18" charset="0"/>
+                              </a:rPr>
                             </m:ctrlPr>
                           </m:sSubPr>
                           <m:e>
                             <m:r>
-                              <a:rPr lang="en-US" i="1"/>
+                              <a:rPr lang="en-US" i="1">
+                                <a:latin typeface="Cambria Math" panose="02040503050406030204" pitchFamily="18" charset="0"/>
+                              </a:rPr>
                               <m:t>𝑥</m:t>
                             </m:r>
                           </m:e>
                           <m:sub>
                             <m:r>
-                              <a:rPr lang="en-US" i="1"/>
+                              <a:rPr lang="en-US" i="1">
+                                <a:latin typeface="Cambria Math" panose="02040503050406030204" pitchFamily="18" charset="0"/>
+                              </a:rPr>
                               <m:t>1</m:t>
                             </m:r>
                           </m:sub>
                         </m:sSub>
                         <m:r>
-                          <a:rPr lang="en-US" i="1"/>
+                          <a:rPr lang="en-US" i="1">
+                            <a:latin typeface="Cambria Math" panose="02040503050406030204" pitchFamily="18" charset="0"/>
+                          </a:rPr>
                           <m:t>,</m:t>
                         </m:r>
                         <m:sSub>
                           <m:sSubPr>
                             <m:ctrlPr>
-                              <a:rPr lang="en-US" i="1"/>
+                              <a:rPr lang="en-US" i="1">
+                                <a:latin typeface="Cambria Math" panose="02040503050406030204" pitchFamily="18" charset="0"/>
+                              </a:rPr>
                             </m:ctrlPr>
                           </m:sSubPr>
                           <m:e>
                             <m:r>
-                              <a:rPr lang="en-US" i="1"/>
+                              <a:rPr lang="en-US" i="1">
+                                <a:latin typeface="Cambria Math" panose="02040503050406030204" pitchFamily="18" charset="0"/>
+                              </a:rPr>
                               <m:t>𝑦</m:t>
                             </m:r>
                           </m:e>
                           <m:sub>
                             <m:r>
-                              <a:rPr lang="en-US" i="1"/>
+                              <a:rPr lang="en-US" i="1">
+                                <a:latin typeface="Cambria Math" panose="02040503050406030204" pitchFamily="18" charset="0"/>
+                              </a:rPr>
                               <m:t>1</m:t>
                             </m:r>
                           </m:sub>
                         </m:sSub>
                         <m:r>
-                          <a:rPr lang="en-US" i="1"/>
+                          <a:rPr lang="en-US" i="1">
+                            <a:latin typeface="Cambria Math" panose="02040503050406030204" pitchFamily="18" charset="0"/>
+                          </a:rPr>
                           <m:t>,</m:t>
                         </m:r>
                         <m:sSub>
                           <m:sSubPr>
                             <m:ctrlPr>
-                              <a:rPr lang="en-US" i="1"/>
+                              <a:rPr lang="en-US" i="1">
+                                <a:latin typeface="Cambria Math" panose="02040503050406030204" pitchFamily="18" charset="0"/>
+                              </a:rPr>
                             </m:ctrlPr>
                           </m:sSubPr>
                           <m:e>
                             <m:r>
-                              <a:rPr lang="en-US" i="1"/>
+                              <a:rPr lang="en-US" i="1">
+                                <a:latin typeface="Cambria Math" panose="02040503050406030204" pitchFamily="18" charset="0"/>
+                              </a:rPr>
                               <m:t>𝑧</m:t>
                             </m:r>
                           </m:e>
                           <m:sub>
                             <m:r>
-                              <a:rPr lang="en-US" i="1"/>
+                              <a:rPr lang="en-US" i="1">
+                                <a:latin typeface="Cambria Math" panose="02040503050406030204" pitchFamily="18" charset="0"/>
+                              </a:rPr>
                               <m:t>1</m:t>
                             </m:r>
                           </m:sub>
@@ -15613,7 +16460,9 @@
                     <m:sSub>
                       <m:sSubPr>
                         <m:ctrlPr>
-                          <a:rPr lang="en-US" i="1"/>
+                          <a:rPr lang="en-US" i="1">
+                            <a:latin typeface="Cambria Math" panose="02040503050406030204" pitchFamily="18" charset="0"/>
+                          </a:rPr>
                         </m:ctrlPr>
                       </m:sSubPr>
                       <m:e>
@@ -15621,12 +16470,16 @@
                           <m:accPr>
                             <m:chr m:val="⃑"/>
                             <m:ctrlPr>
-                              <a:rPr lang="en-US" i="1"/>
+                              <a:rPr lang="en-US" i="1">
+                                <a:latin typeface="Cambria Math" panose="02040503050406030204" pitchFamily="18" charset="0"/>
+                              </a:rPr>
                             </m:ctrlPr>
                           </m:accPr>
                           <m:e>
                             <m:r>
-                              <a:rPr lang="en-US" i="1"/>
+                              <a:rPr lang="en-US" i="1">
+                                <a:latin typeface="Cambria Math" panose="02040503050406030204" pitchFamily="18" charset="0"/>
+                              </a:rPr>
                               <m:t>𝑉</m:t>
                             </m:r>
                           </m:e>
@@ -15634,82 +16487,110 @@
                       </m:e>
                       <m:sub>
                         <m:r>
-                          <a:rPr lang="en-US" i="1"/>
+                          <a:rPr lang="en-US" i="1">
+                            <a:latin typeface="Cambria Math" panose="02040503050406030204" pitchFamily="18" charset="0"/>
+                          </a:rPr>
                           <m:t>2</m:t>
                         </m:r>
                       </m:sub>
                     </m:sSub>
                     <m:r>
-                      <a:rPr lang="en-US" i="1"/>
+                      <a:rPr lang="en-US" i="1">
+                        <a:latin typeface="Cambria Math" panose="02040503050406030204" pitchFamily="18" charset="0"/>
+                      </a:rPr>
                       <m:t>=(</m:t>
                     </m:r>
                     <m:sSub>
                       <m:sSubPr>
                         <m:ctrlPr>
-                          <a:rPr lang="en-US" i="1"/>
+                          <a:rPr lang="en-US" i="1">
+                            <a:latin typeface="Cambria Math" panose="02040503050406030204" pitchFamily="18" charset="0"/>
+                          </a:rPr>
                         </m:ctrlPr>
                       </m:sSubPr>
                       <m:e>
                         <m:r>
-                          <a:rPr lang="en-US" i="1"/>
+                          <a:rPr lang="en-US" i="1">
+                            <a:latin typeface="Cambria Math" panose="02040503050406030204" pitchFamily="18" charset="0"/>
+                          </a:rPr>
                           <m:t>𝑥</m:t>
                         </m:r>
                       </m:e>
                       <m:sub>
                         <m:r>
-                          <a:rPr lang="en-US" i="1"/>
+                          <a:rPr lang="en-US" i="1">
+                            <a:latin typeface="Cambria Math" panose="02040503050406030204" pitchFamily="18" charset="0"/>
+                          </a:rPr>
                           <m:t>2</m:t>
                         </m:r>
                       </m:sub>
                     </m:sSub>
                     <m:r>
-                      <a:rPr lang="en-US" i="1"/>
+                      <a:rPr lang="en-US" i="1">
+                        <a:latin typeface="Cambria Math" panose="02040503050406030204" pitchFamily="18" charset="0"/>
+                      </a:rPr>
                       <m:t>,</m:t>
                     </m:r>
                     <m:sSub>
                       <m:sSubPr>
                         <m:ctrlPr>
-                          <a:rPr lang="en-US" i="1"/>
+                          <a:rPr lang="en-US" i="1">
+                            <a:latin typeface="Cambria Math" panose="02040503050406030204" pitchFamily="18" charset="0"/>
+                          </a:rPr>
                         </m:ctrlPr>
                       </m:sSubPr>
                       <m:e>
                         <m:r>
-                          <a:rPr lang="en-US" i="1"/>
+                          <a:rPr lang="en-US" i="1">
+                            <a:latin typeface="Cambria Math" panose="02040503050406030204" pitchFamily="18" charset="0"/>
+                          </a:rPr>
                           <m:t>𝑦</m:t>
                         </m:r>
                       </m:e>
                       <m:sub>
                         <m:r>
-                          <a:rPr lang="en-US" i="1"/>
+                          <a:rPr lang="en-US" i="1">
+                            <a:latin typeface="Cambria Math" panose="02040503050406030204" pitchFamily="18" charset="0"/>
+                          </a:rPr>
                           <m:t>2</m:t>
                         </m:r>
                       </m:sub>
                     </m:sSub>
                     <m:r>
-                      <a:rPr lang="en-US" i="1"/>
+                      <a:rPr lang="en-US" i="1">
+                        <a:latin typeface="Cambria Math" panose="02040503050406030204" pitchFamily="18" charset="0"/>
+                      </a:rPr>
                       <m:t>,</m:t>
                     </m:r>
                     <m:sSub>
                       <m:sSubPr>
                         <m:ctrlPr>
-                          <a:rPr lang="en-US" i="1"/>
+                          <a:rPr lang="en-US" i="1">
+                            <a:latin typeface="Cambria Math" panose="02040503050406030204" pitchFamily="18" charset="0"/>
+                          </a:rPr>
                         </m:ctrlPr>
                       </m:sSubPr>
                       <m:e>
                         <m:r>
-                          <a:rPr lang="en-US" i="1"/>
+                          <a:rPr lang="en-US" i="1">
+                            <a:latin typeface="Cambria Math" panose="02040503050406030204" pitchFamily="18" charset="0"/>
+                          </a:rPr>
                           <m:t>𝑧</m:t>
                         </m:r>
                       </m:e>
                       <m:sub>
                         <m:r>
-                          <a:rPr lang="en-US" i="1"/>
+                          <a:rPr lang="en-US" i="1">
+                            <a:latin typeface="Cambria Math" panose="02040503050406030204" pitchFamily="18" charset="0"/>
+                          </a:rPr>
                           <m:t>2</m:t>
                         </m:r>
                       </m:sub>
                     </m:sSub>
                     <m:r>
-                      <a:rPr lang="en-US" i="1"/>
+                      <a:rPr lang="en-US" i="1">
+                        <a:latin typeface="Cambria Math" panose="02040503050406030204" pitchFamily="18" charset="0"/>
+                      </a:rPr>
                       <m:t>)</m:t>
                     </m:r>
                   </m:oMath>
@@ -15736,7 +16617,9 @@
                     <m:sSub>
                       <m:sSubPr>
                         <m:ctrlPr>
-                          <a:rPr lang="en-US" i="1"/>
+                          <a:rPr lang="en-US" i="1">
+                            <a:latin typeface="Cambria Math" panose="02040503050406030204" pitchFamily="18" charset="0"/>
+                          </a:rPr>
                         </m:ctrlPr>
                       </m:sSubPr>
                       <m:e>
@@ -15744,12 +16627,16 @@
                           <m:accPr>
                             <m:chr m:val="⃑"/>
                             <m:ctrlPr>
-                              <a:rPr lang="en-US" i="1"/>
+                              <a:rPr lang="en-US" i="1">
+                                <a:latin typeface="Cambria Math" panose="02040503050406030204" pitchFamily="18" charset="0"/>
+                              </a:rPr>
                             </m:ctrlPr>
                           </m:accPr>
                           <m:e>
                             <m:r>
-                              <a:rPr lang="en-US" i="1"/>
+                              <a:rPr lang="en-US" i="1">
+                                <a:latin typeface="Cambria Math" panose="02040503050406030204" pitchFamily="18" charset="0"/>
+                              </a:rPr>
                               <m:t>𝑉</m:t>
                             </m:r>
                           </m:e>
@@ -15757,19 +16644,25 @@
                       </m:e>
                       <m:sub>
                         <m:r>
-                          <a:rPr lang="en-US" i="1"/>
+                          <a:rPr lang="en-US" i="1">
+                            <a:latin typeface="Cambria Math" panose="02040503050406030204" pitchFamily="18" charset="0"/>
+                          </a:rPr>
                           <m:t>1</m:t>
                         </m:r>
                       </m:sub>
                     </m:sSub>
                     <m:r>
-                      <a:rPr lang="en-US" i="1"/>
+                      <a:rPr lang="en-US" i="1">
+                        <a:latin typeface="Cambria Math" panose="02040503050406030204" pitchFamily="18" charset="0"/>
+                      </a:rPr>
                       <m:t>∙</m:t>
                     </m:r>
                     <m:sSub>
                       <m:sSubPr>
                         <m:ctrlPr>
-                          <a:rPr lang="en-US" i="1"/>
+                          <a:rPr lang="en-US" i="1">
+                            <a:latin typeface="Cambria Math" panose="02040503050406030204" pitchFamily="18" charset="0"/>
+                          </a:rPr>
                         </m:ctrlPr>
                       </m:sSubPr>
                       <m:e>
@@ -15777,12 +16670,16 @@
                           <m:accPr>
                             <m:chr m:val="⃑"/>
                             <m:ctrlPr>
-                              <a:rPr lang="en-US" i="1"/>
+                              <a:rPr lang="en-US" i="1">
+                                <a:latin typeface="Cambria Math" panose="02040503050406030204" pitchFamily="18" charset="0"/>
+                              </a:rPr>
                             </m:ctrlPr>
                           </m:accPr>
                           <m:e>
                             <m:r>
-                              <a:rPr lang="en-US" i="1"/>
+                              <a:rPr lang="en-US" i="1">
+                                <a:latin typeface="Cambria Math" panose="02040503050406030204" pitchFamily="18" charset="0"/>
+                              </a:rPr>
                               <m:t>𝑉</m:t>
                             </m:r>
                           </m:e>
@@ -15790,72 +16687,96 @@
                       </m:e>
                       <m:sub>
                         <m:r>
-                          <a:rPr lang="en-US" i="1"/>
+                          <a:rPr lang="en-US" i="1">
+                            <a:latin typeface="Cambria Math" panose="02040503050406030204" pitchFamily="18" charset="0"/>
+                          </a:rPr>
                           <m:t>2</m:t>
                         </m:r>
                       </m:sub>
                     </m:sSub>
                     <m:r>
-                      <a:rPr lang="en-US" i="1"/>
+                      <a:rPr lang="en-US" i="1">
+                        <a:latin typeface="Cambria Math" panose="02040503050406030204" pitchFamily="18" charset="0"/>
+                      </a:rPr>
                       <m:t>=</m:t>
                     </m:r>
                     <m:sSub>
                       <m:sSubPr>
                         <m:ctrlPr>
-                          <a:rPr lang="en-US" i="1"/>
+                          <a:rPr lang="en-US" i="1">
+                            <a:latin typeface="Cambria Math" panose="02040503050406030204" pitchFamily="18" charset="0"/>
+                          </a:rPr>
                         </m:ctrlPr>
                       </m:sSubPr>
                       <m:e>
                         <m:sSub>
                           <m:sSubPr>
                             <m:ctrlPr>
-                              <a:rPr lang="en-US" i="1"/>
+                              <a:rPr lang="en-US" i="1">
+                                <a:latin typeface="Cambria Math" panose="02040503050406030204" pitchFamily="18" charset="0"/>
+                              </a:rPr>
                             </m:ctrlPr>
                           </m:sSubPr>
                           <m:e>
                             <m:r>
-                              <a:rPr lang="en-US" i="1"/>
+                              <a:rPr lang="en-US" i="1">
+                                <a:latin typeface="Cambria Math" panose="02040503050406030204" pitchFamily="18" charset="0"/>
+                              </a:rPr>
                               <m:t>𝑥</m:t>
                             </m:r>
                           </m:e>
                           <m:sub>
                             <m:r>
-                              <a:rPr lang="en-US" i="1"/>
+                              <a:rPr lang="en-US" i="1">
+                                <a:latin typeface="Cambria Math" panose="02040503050406030204" pitchFamily="18" charset="0"/>
+                              </a:rPr>
                               <m:t>1</m:t>
                             </m:r>
                           </m:sub>
                         </m:sSub>
                         <m:r>
-                          <a:rPr lang="en-US" i="1"/>
+                          <a:rPr lang="en-US" i="1">
+                            <a:latin typeface="Cambria Math" panose="02040503050406030204" pitchFamily="18" charset="0"/>
+                          </a:rPr>
                           <m:t>𝑥</m:t>
                         </m:r>
                       </m:e>
                       <m:sub>
                         <m:r>
-                          <a:rPr lang="en-US" i="1"/>
+                          <a:rPr lang="en-US" i="1">
+                            <a:latin typeface="Cambria Math" panose="02040503050406030204" pitchFamily="18" charset="0"/>
+                          </a:rPr>
                           <m:t>2</m:t>
                         </m:r>
                       </m:sub>
                     </m:sSub>
                     <m:r>
-                      <a:rPr lang="en-US" i="1"/>
+                      <a:rPr lang="en-US" i="1">
+                        <a:latin typeface="Cambria Math" panose="02040503050406030204" pitchFamily="18" charset="0"/>
+                      </a:rPr>
                       <m:t>+</m:t>
                     </m:r>
                     <m:sSub>
                       <m:sSubPr>
                         <m:ctrlPr>
-                          <a:rPr lang="en-US" i="1"/>
+                          <a:rPr lang="en-US" i="1">
+                            <a:latin typeface="Cambria Math" panose="02040503050406030204" pitchFamily="18" charset="0"/>
+                          </a:rPr>
                         </m:ctrlPr>
                       </m:sSubPr>
                       <m:e>
                         <m:r>
-                          <a:rPr lang="en-US" i="1"/>
+                          <a:rPr lang="en-US" i="1">
+                            <a:latin typeface="Cambria Math" panose="02040503050406030204" pitchFamily="18" charset="0"/>
+                          </a:rPr>
                           <m:t>𝑦</m:t>
                         </m:r>
                       </m:e>
                       <m:sub>
                         <m:r>
-                          <a:rPr lang="en-US" i="1"/>
+                          <a:rPr lang="en-US" i="1">
+                            <a:latin typeface="Cambria Math" panose="02040503050406030204" pitchFamily="18" charset="0"/>
+                          </a:rPr>
                           <m:t>1</m:t>
                         </m:r>
                       </m:sub>
@@ -15863,41 +16784,55 @@
                     <m:sSub>
                       <m:sSubPr>
                         <m:ctrlPr>
-                          <a:rPr lang="en-US" i="1"/>
+                          <a:rPr lang="en-US" i="1">
+                            <a:latin typeface="Cambria Math" panose="02040503050406030204" pitchFamily="18" charset="0"/>
+                          </a:rPr>
                         </m:ctrlPr>
                       </m:sSubPr>
                       <m:e>
                         <m:r>
-                          <a:rPr lang="en-US" i="1"/>
+                          <a:rPr lang="en-US" i="1">
+                            <a:latin typeface="Cambria Math" panose="02040503050406030204" pitchFamily="18" charset="0"/>
+                          </a:rPr>
                           <m:t>𝑦</m:t>
                         </m:r>
                       </m:e>
                       <m:sub>
                         <m:r>
-                          <a:rPr lang="en-US" i="1"/>
+                          <a:rPr lang="en-US" i="1">
+                            <a:latin typeface="Cambria Math" panose="02040503050406030204" pitchFamily="18" charset="0"/>
+                          </a:rPr>
                           <m:t>2</m:t>
                         </m:r>
                       </m:sub>
                     </m:sSub>
                     <m:r>
-                      <a:rPr lang="en-US" i="1"/>
+                      <a:rPr lang="en-US" i="1">
+                        <a:latin typeface="Cambria Math" panose="02040503050406030204" pitchFamily="18" charset="0"/>
+                      </a:rPr>
                       <m:t>+</m:t>
                     </m:r>
                     <m:sSub>
                       <m:sSubPr>
                         <m:ctrlPr>
-                          <a:rPr lang="en-US" i="1"/>
+                          <a:rPr lang="en-US" i="1">
+                            <a:latin typeface="Cambria Math" panose="02040503050406030204" pitchFamily="18" charset="0"/>
+                          </a:rPr>
                         </m:ctrlPr>
                       </m:sSubPr>
                       <m:e>
                         <m:r>
-                          <a:rPr lang="en-US" i="1"/>
+                          <a:rPr lang="en-US" i="1">
+                            <a:latin typeface="Cambria Math" panose="02040503050406030204" pitchFamily="18" charset="0"/>
+                          </a:rPr>
                           <m:t>𝑧</m:t>
                         </m:r>
                       </m:e>
                       <m:sub>
                         <m:r>
-                          <a:rPr lang="en-US" i="1"/>
+                          <a:rPr lang="en-US" i="1">
+                            <a:latin typeface="Cambria Math" panose="02040503050406030204" pitchFamily="18" charset="0"/>
+                          </a:rPr>
                           <m:t>1</m:t>
                         </m:r>
                       </m:sub>
@@ -15905,18 +16840,24 @@
                     <m:sSub>
                       <m:sSubPr>
                         <m:ctrlPr>
-                          <a:rPr lang="en-US" i="1"/>
+                          <a:rPr lang="en-US" i="1">
+                            <a:latin typeface="Cambria Math" panose="02040503050406030204" pitchFamily="18" charset="0"/>
+                          </a:rPr>
                         </m:ctrlPr>
                       </m:sSubPr>
                       <m:e>
                         <m:r>
-                          <a:rPr lang="en-US" i="1"/>
+                          <a:rPr lang="en-US" i="1">
+                            <a:latin typeface="Cambria Math" panose="02040503050406030204" pitchFamily="18" charset="0"/>
+                          </a:rPr>
                           <m:t>𝑧</m:t>
                         </m:r>
                       </m:e>
                       <m:sub>
                         <m:r>
-                          <a:rPr lang="en-US" i="1"/>
+                          <a:rPr lang="en-US" i="1">
+                            <a:latin typeface="Cambria Math" panose="02040503050406030204" pitchFamily="18" charset="0"/>
+                          </a:rPr>
                           <m:t>2</m:t>
                         </m:r>
                       </m:sub>
@@ -15947,7 +16888,9 @@
                 <a14:m>
                   <m:oMath xmlns:m="http://schemas.openxmlformats.org/officeDocument/2006/math">
                     <m:r>
-                      <a:rPr lang="en-US" i="1"/>
+                      <a:rPr lang="en-US" i="1">
+                        <a:latin typeface="Cambria Math" panose="02040503050406030204" pitchFamily="18" charset="0"/>
+                      </a:rPr>
                       <m:t>∙</m:t>
                     </m:r>
                   </m:oMath>
@@ -15966,13 +16909,17 @@
                 <a14:m>
                   <m:oMath xmlns:m="http://schemas.openxmlformats.org/officeDocument/2006/math">
                     <m:r>
-                      <a:rPr lang="en-US" i="1"/>
+                      <a:rPr lang="en-US" i="1">
+                        <a:latin typeface="Cambria Math" panose="02040503050406030204" pitchFamily="18" charset="0"/>
+                      </a:rPr>
                       <m:t>𝑠</m:t>
                     </m:r>
                     <m:sSub>
                       <m:sSubPr>
                         <m:ctrlPr>
-                          <a:rPr lang="en-US" i="1"/>
+                          <a:rPr lang="en-US" i="1">
+                            <a:latin typeface="Cambria Math" panose="02040503050406030204" pitchFamily="18" charset="0"/>
+                          </a:rPr>
                         </m:ctrlPr>
                       </m:sSubPr>
                       <m:e>
@@ -15980,12 +16927,16 @@
                           <m:accPr>
                             <m:chr m:val="⃑"/>
                             <m:ctrlPr>
-                              <a:rPr lang="en-US" i="1"/>
+                              <a:rPr lang="en-US" i="1">
+                                <a:latin typeface="Cambria Math" panose="02040503050406030204" pitchFamily="18" charset="0"/>
+                              </a:rPr>
                             </m:ctrlPr>
                           </m:accPr>
                           <m:e>
                             <m:r>
-                              <a:rPr lang="en-US" i="1"/>
+                              <a:rPr lang="en-US" i="1">
+                                <a:latin typeface="Cambria Math" panose="02040503050406030204" pitchFamily="18" charset="0"/>
+                              </a:rPr>
                               <m:t>𝑉</m:t>
                             </m:r>
                           </m:e>
@@ -15993,7 +16944,9 @@
                       </m:e>
                       <m:sub>
                         <m:r>
-                          <a:rPr lang="en-US" i="1"/>
+                          <a:rPr lang="en-US" i="1">
+                            <a:latin typeface="Cambria Math" panose="02040503050406030204" pitchFamily="18" charset="0"/>
+                          </a:rPr>
                           <m:t>2</m:t>
                         </m:r>
                       </m:sub>
@@ -16016,7 +16969,9 @@
                     <m:sSub>
                       <m:sSubPr>
                         <m:ctrlPr>
-                          <a:rPr lang="en-US" i="1"/>
+                          <a:rPr lang="en-US" i="1">
+                            <a:latin typeface="Cambria Math" panose="02040503050406030204" pitchFamily="18" charset="0"/>
+                          </a:rPr>
                         </m:ctrlPr>
                       </m:sSubPr>
                       <m:e>
@@ -16024,12 +16979,16 @@
                           <m:accPr>
                             <m:chr m:val="⃑"/>
                             <m:ctrlPr>
-                              <a:rPr lang="en-US" i="1"/>
+                              <a:rPr lang="en-US" i="1">
+                                <a:latin typeface="Cambria Math" panose="02040503050406030204" pitchFamily="18" charset="0"/>
+                              </a:rPr>
                             </m:ctrlPr>
                           </m:accPr>
                           <m:e>
                             <m:r>
-                              <a:rPr lang="en-US" i="1"/>
+                              <a:rPr lang="en-US" i="1">
+                                <a:latin typeface="Cambria Math" panose="02040503050406030204" pitchFamily="18" charset="0"/>
+                              </a:rPr>
                               <m:t>𝑉</m:t>
                             </m:r>
                           </m:e>
@@ -16037,7 +16996,9 @@
                       </m:e>
                       <m:sub>
                         <m:r>
-                          <a:rPr lang="en-US" i="1"/>
+                          <a:rPr lang="en-US" i="1">
+                            <a:latin typeface="Cambria Math" panose="02040503050406030204" pitchFamily="18" charset="0"/>
+                          </a:rPr>
                           <m:t>1</m:t>
                         </m:r>
                       </m:sub>
@@ -16045,7 +17006,9 @@
                     <m:sSub>
                       <m:sSubPr>
                         <m:ctrlPr>
-                          <a:rPr lang="en-US" i="1"/>
+                          <a:rPr lang="en-US" i="1">
+                            <a:latin typeface="Cambria Math" panose="02040503050406030204" pitchFamily="18" charset="0"/>
+                          </a:rPr>
                         </m:ctrlPr>
                       </m:sSubPr>
                       <m:e>
@@ -16053,12 +17016,16 @@
                           <m:accPr>
                             <m:chr m:val="⃑"/>
                             <m:ctrlPr>
-                              <a:rPr lang="en-US" i="1"/>
+                              <a:rPr lang="en-US" i="1">
+                                <a:latin typeface="Cambria Math" panose="02040503050406030204" pitchFamily="18" charset="0"/>
+                              </a:rPr>
                             </m:ctrlPr>
                           </m:accPr>
                           <m:e>
                             <m:r>
-                              <a:rPr lang="en-US" i="1"/>
+                              <a:rPr lang="en-US" i="1">
+                                <a:latin typeface="Cambria Math" panose="02040503050406030204" pitchFamily="18" charset="0"/>
+                              </a:rPr>
                               <m:t>𝑉</m:t>
                             </m:r>
                           </m:e>
@@ -16066,7 +17033,9 @@
                       </m:e>
                       <m:sub>
                         <m:r>
-                          <a:rPr lang="en-US" i="1"/>
+                          <a:rPr lang="en-US" i="1">
+                            <a:latin typeface="Cambria Math" panose="02040503050406030204" pitchFamily="18" charset="0"/>
+                          </a:rPr>
                           <m:t>2</m:t>
                         </m:r>
                       </m:sub>
@@ -16134,7 +17103,7 @@
             </p:txBody>
           </p:sp>
         </mc:Choice>
-        <mc:Fallback>
+        <mc:Fallback xmlns="">
           <p:sp>
             <p:nvSpPr>
               <p:cNvPr id="6" name="Content Placeholder 2">
@@ -16384,8 +17353,8 @@
           </a:fontRef>
         </p:style>
       </p:cxnSp>
-      <mc:AlternateContent xmlns:mc="http://schemas.openxmlformats.org/markup-compatibility/2006">
-        <mc:Choice xmlns:a14="http://schemas.microsoft.com/office/drawing/2010/main" Requires="a14">
+      <mc:AlternateContent xmlns:mc="http://schemas.openxmlformats.org/markup-compatibility/2006" xmlns:a14="http://schemas.microsoft.com/office/drawing/2010/main">
+        <mc:Choice Requires="a14">
           <p:sp>
             <p:nvSpPr>
               <p:cNvPr id="12" name="Rectangle: Rounded Corners 11">
@@ -17639,7 +18608,7 @@
             </p:txBody>
           </p:sp>
         </mc:Choice>
-        <mc:Fallback>
+        <mc:Fallback xmlns="">
           <p:sp>
             <p:nvSpPr>
               <p:cNvPr id="12" name="Rectangle: Rounded Corners 11">
@@ -17742,8 +18711,8 @@
           </a:p>
         </p:txBody>
       </p:sp>
-      <mc:AlternateContent xmlns:mc="http://schemas.openxmlformats.org/markup-compatibility/2006">
-        <mc:Choice xmlns:a14="http://schemas.microsoft.com/office/drawing/2010/main" Requires="a14">
+      <mc:AlternateContent xmlns:mc="http://schemas.openxmlformats.org/markup-compatibility/2006" xmlns:a14="http://schemas.microsoft.com/office/drawing/2010/main">
+        <mc:Choice Requires="a14">
           <p:sp>
             <p:nvSpPr>
               <p:cNvPr id="3" name="Content Placeholder 2">
@@ -17777,14 +18746,18 @@
                     <m:d>
                       <m:dPr>
                         <m:ctrlPr>
-                          <a:rPr lang="en-US" i="1"/>
+                          <a:rPr lang="en-US" i="1">
+                            <a:latin typeface="Cambria Math" panose="02040503050406030204" pitchFamily="18" charset="0"/>
+                          </a:rPr>
                         </m:ctrlPr>
                       </m:dPr>
                       <m:e>
                         <m:sSub>
                           <m:sSubPr>
                             <m:ctrlPr>
-                              <a:rPr lang="en-US" i="1"/>
+                              <a:rPr lang="en-US" i="1">
+                                <a:latin typeface="Cambria Math" panose="02040503050406030204" pitchFamily="18" charset="0"/>
+                              </a:rPr>
                             </m:ctrlPr>
                           </m:sSubPr>
                           <m:e>
@@ -17792,12 +18765,16 @@
                               <m:accPr>
                                 <m:chr m:val="⃑"/>
                                 <m:ctrlPr>
-                                  <a:rPr lang="en-US" i="1"/>
+                                  <a:rPr lang="en-US" i="1">
+                                    <a:latin typeface="Cambria Math" panose="02040503050406030204" pitchFamily="18" charset="0"/>
+                                  </a:rPr>
                                 </m:ctrlPr>
                               </m:accPr>
                               <m:e>
                                 <m:r>
-                                  <a:rPr lang="en-US" i="1"/>
+                                  <a:rPr lang="en-US" i="1">
+                                    <a:latin typeface="Cambria Math" panose="02040503050406030204" pitchFamily="18" charset="0"/>
+                                  </a:rPr>
                                   <m:t>𝑉</m:t>
                                 </m:r>
                               </m:e>
@@ -17805,19 +18782,25 @@
                           </m:e>
                           <m:sub>
                             <m:r>
-                              <a:rPr lang="en-US"/>
+                              <a:rPr lang="en-US">
+                                <a:latin typeface="Cambria Math" panose="02040503050406030204" pitchFamily="18" charset="0"/>
+                              </a:rPr>
                               <m:t>1</m:t>
                             </m:r>
                           </m:sub>
                         </m:sSub>
                         <m:r>
-                          <a:rPr lang="en-US" i="1"/>
+                          <a:rPr lang="en-US" i="1">
+                            <a:latin typeface="Cambria Math" panose="02040503050406030204" pitchFamily="18" charset="0"/>
+                          </a:rPr>
                           <m:t>∙</m:t>
                         </m:r>
                         <m:sSub>
                           <m:sSubPr>
                             <m:ctrlPr>
-                              <a:rPr lang="en-US" i="1"/>
+                              <a:rPr lang="en-US" i="1">
+                                <a:latin typeface="Cambria Math" panose="02040503050406030204" pitchFamily="18" charset="0"/>
+                              </a:rPr>
                             </m:ctrlPr>
                           </m:sSubPr>
                           <m:e>
@@ -17825,12 +18808,16 @@
                               <m:accPr>
                                 <m:chr m:val="⃑"/>
                                 <m:ctrlPr>
-                                  <a:rPr lang="en-US" i="1"/>
+                                  <a:rPr lang="en-US" i="1">
+                                    <a:latin typeface="Cambria Math" panose="02040503050406030204" pitchFamily="18" charset="0"/>
+                                  </a:rPr>
                                 </m:ctrlPr>
                               </m:accPr>
                               <m:e>
                                 <m:r>
-                                  <a:rPr lang="en-US" i="1"/>
+                                  <a:rPr lang="en-US" i="1">
+                                    <a:latin typeface="Cambria Math" panose="02040503050406030204" pitchFamily="18" charset="0"/>
+                                  </a:rPr>
                                   <m:t>𝑉</m:t>
                                 </m:r>
                               </m:e>
@@ -17838,7 +18825,9 @@
                           </m:e>
                           <m:sub>
                             <m:r>
-                              <a:rPr lang="en-US"/>
+                              <a:rPr lang="en-US">
+                                <a:latin typeface="Cambria Math" panose="02040503050406030204" pitchFamily="18" charset="0"/>
+                              </a:rPr>
                               <m:t>2</m:t>
                             </m:r>
                           </m:sub>
@@ -17848,14 +18837,18 @@
                     <m:d>
                       <m:dPr>
                         <m:ctrlPr>
-                          <a:rPr lang="en-US" i="1"/>
+                          <a:rPr lang="en-US" i="1">
+                            <a:latin typeface="Cambria Math" panose="02040503050406030204" pitchFamily="18" charset="0"/>
+                          </a:rPr>
                         </m:ctrlPr>
                       </m:dPr>
                       <m:e>
                         <m:sSub>
                           <m:sSubPr>
                             <m:ctrlPr>
-                              <a:rPr lang="en-US" i="1"/>
+                              <a:rPr lang="en-US" i="1">
+                                <a:latin typeface="Cambria Math" panose="02040503050406030204" pitchFamily="18" charset="0"/>
+                              </a:rPr>
                             </m:ctrlPr>
                           </m:sSubPr>
                           <m:e>
@@ -17863,12 +18856,16 @@
                               <m:accPr>
                                 <m:chr m:val="⃑"/>
                                 <m:ctrlPr>
-                                  <a:rPr lang="en-US" i="1"/>
+                                  <a:rPr lang="en-US" i="1">
+                                    <a:latin typeface="Cambria Math" panose="02040503050406030204" pitchFamily="18" charset="0"/>
+                                  </a:rPr>
                                 </m:ctrlPr>
                               </m:accPr>
                               <m:e>
                                 <m:r>
-                                  <a:rPr lang="en-US" i="1"/>
+                                  <a:rPr lang="en-US" i="1">
+                                    <a:latin typeface="Cambria Math" panose="02040503050406030204" pitchFamily="18" charset="0"/>
+                                  </a:rPr>
                                   <m:t>𝑉</m:t>
                                 </m:r>
                               </m:e>
@@ -17876,19 +18873,25 @@
                           </m:e>
                           <m:sub>
                             <m:r>
-                              <a:rPr lang="en-US" i="1"/>
+                              <a:rPr lang="en-US" i="1">
+                                <a:latin typeface="Cambria Math" panose="02040503050406030204" pitchFamily="18" charset="0"/>
+                              </a:rPr>
                               <m:t>𝐴</m:t>
                             </m:r>
                           </m:sub>
                         </m:sSub>
                         <m:r>
-                          <a:rPr lang="en-US"/>
+                          <a:rPr lang="en-US">
+                            <a:latin typeface="Cambria Math" panose="02040503050406030204" pitchFamily="18" charset="0"/>
+                          </a:rPr>
                           <m:t>+</m:t>
                         </m:r>
                         <m:sSub>
                           <m:sSubPr>
                             <m:ctrlPr>
-                              <a:rPr lang="en-US" i="1"/>
+                              <a:rPr lang="en-US" i="1">
+                                <a:latin typeface="Cambria Math" panose="02040503050406030204" pitchFamily="18" charset="0"/>
+                              </a:rPr>
                             </m:ctrlPr>
                           </m:sSubPr>
                           <m:e>
@@ -17896,12 +18899,16 @@
                               <m:accPr>
                                 <m:chr m:val="⃑"/>
                                 <m:ctrlPr>
-                                  <a:rPr lang="en-US" i="1"/>
+                                  <a:rPr lang="en-US" i="1">
+                                    <a:latin typeface="Cambria Math" panose="02040503050406030204" pitchFamily="18" charset="0"/>
+                                  </a:rPr>
                                 </m:ctrlPr>
                               </m:accPr>
                               <m:e>
                                 <m:r>
-                                  <a:rPr lang="en-US" i="1"/>
+                                  <a:rPr lang="en-US" i="1">
+                                    <a:latin typeface="Cambria Math" panose="02040503050406030204" pitchFamily="18" charset="0"/>
+                                  </a:rPr>
                                   <m:t>𝑉</m:t>
                                 </m:r>
                               </m:e>
@@ -17909,7 +18916,9 @@
                           </m:e>
                           <m:sub>
                             <m:r>
-                              <a:rPr lang="en-US" i="1"/>
+                              <a:rPr lang="en-US" i="1">
+                                <a:latin typeface="Cambria Math" panose="02040503050406030204" pitchFamily="18" charset="0"/>
+                              </a:rPr>
                               <m:t>𝐵</m:t>
                             </m:r>
                           </m:sub>
@@ -17917,24 +18926,32 @@
                       </m:e>
                     </m:d>
                     <m:r>
-                      <a:rPr lang="en-US"/>
+                      <a:rPr lang="en-US">
+                        <a:latin typeface="Cambria Math" panose="02040503050406030204" pitchFamily="18" charset="0"/>
+                      </a:rPr>
                       <m:t>=</m:t>
                     </m:r>
                     <m:r>
-                      <a:rPr lang="en-US" i="1"/>
+                      <a:rPr lang="en-US" i="1">
+                        <a:latin typeface="Cambria Math" panose="02040503050406030204" pitchFamily="18" charset="0"/>
+                      </a:rPr>
                       <m:t>𝑓</m:t>
                     </m:r>
                     <m:d>
                       <m:dPr>
                         <m:ctrlPr>
-                          <a:rPr lang="en-US" i="1"/>
+                          <a:rPr lang="en-US" i="1">
+                            <a:latin typeface="Cambria Math" panose="02040503050406030204" pitchFamily="18" charset="0"/>
+                          </a:rPr>
                         </m:ctrlPr>
                       </m:dPr>
                       <m:e>
                         <m:sSub>
                           <m:sSubPr>
                             <m:ctrlPr>
-                              <a:rPr lang="en-US" i="1"/>
+                              <a:rPr lang="en-US" i="1">
+                                <a:latin typeface="Cambria Math" panose="02040503050406030204" pitchFamily="18" charset="0"/>
+                              </a:rPr>
                             </m:ctrlPr>
                           </m:sSubPr>
                           <m:e>
@@ -17942,12 +18959,16 @@
                               <m:accPr>
                                 <m:chr m:val="⃑"/>
                                 <m:ctrlPr>
-                                  <a:rPr lang="en-US" i="1"/>
+                                  <a:rPr lang="en-US" i="1">
+                                    <a:latin typeface="Cambria Math" panose="02040503050406030204" pitchFamily="18" charset="0"/>
+                                  </a:rPr>
                                 </m:ctrlPr>
                               </m:accPr>
                               <m:e>
                                 <m:r>
-                                  <a:rPr lang="en-US" i="1"/>
+                                  <a:rPr lang="en-US" i="1">
+                                    <a:latin typeface="Cambria Math" panose="02040503050406030204" pitchFamily="18" charset="0"/>
+                                  </a:rPr>
                                   <m:t>𝑉</m:t>
                                 </m:r>
                               </m:e>
@@ -17955,19 +18976,25 @@
                           </m:e>
                           <m:sub>
                             <m:r>
-                              <a:rPr lang="en-US" i="1"/>
+                              <a:rPr lang="en-US" i="1">
+                                <a:latin typeface="Cambria Math" panose="02040503050406030204" pitchFamily="18" charset="0"/>
+                              </a:rPr>
                               <m:t>𝐴</m:t>
                             </m:r>
                           </m:sub>
                         </m:sSub>
                         <m:r>
-                          <a:rPr lang="en-US"/>
+                          <a:rPr lang="en-US">
+                            <a:latin typeface="Cambria Math" panose="02040503050406030204" pitchFamily="18" charset="0"/>
+                          </a:rPr>
                           <m:t>+</m:t>
                         </m:r>
                         <m:sSub>
                           <m:sSubPr>
                             <m:ctrlPr>
-                              <a:rPr lang="en-US" i="1"/>
+                              <a:rPr lang="en-US" i="1">
+                                <a:latin typeface="Cambria Math" panose="02040503050406030204" pitchFamily="18" charset="0"/>
+                              </a:rPr>
                             </m:ctrlPr>
                           </m:sSubPr>
                           <m:e>
@@ -17975,12 +19002,16 @@
                               <m:accPr>
                                 <m:chr m:val="⃑"/>
                                 <m:ctrlPr>
-                                  <a:rPr lang="en-US" i="1"/>
+                                  <a:rPr lang="en-US" i="1">
+                                    <a:latin typeface="Cambria Math" panose="02040503050406030204" pitchFamily="18" charset="0"/>
+                                  </a:rPr>
                                 </m:ctrlPr>
                               </m:accPr>
                               <m:e>
                                 <m:r>
-                                  <a:rPr lang="en-US" i="1"/>
+                                  <a:rPr lang="en-US" i="1">
+                                    <a:latin typeface="Cambria Math" panose="02040503050406030204" pitchFamily="18" charset="0"/>
+                                  </a:rPr>
                                   <m:t>𝑉</m:t>
                                 </m:r>
                               </m:e>
@@ -17988,7 +19019,9 @@
                           </m:e>
                           <m:sub>
                             <m:r>
-                              <a:rPr lang="en-US" i="1"/>
+                              <a:rPr lang="en-US" i="1">
+                                <a:latin typeface="Cambria Math" panose="02040503050406030204" pitchFamily="18" charset="0"/>
+                              </a:rPr>
                               <m:t>𝐵</m:t>
                             </m:r>
                           </m:sub>
@@ -17996,17 +19029,23 @@
                       </m:e>
                     </m:d>
                     <m:r>
-                      <a:rPr lang="en-US" i="1"/>
+                      <a:rPr lang="en-US" i="1">
+                        <a:latin typeface="Cambria Math" panose="02040503050406030204" pitchFamily="18" charset="0"/>
+                      </a:rPr>
                       <m:t>=</m:t>
                     </m:r>
                     <m:r>
-                      <a:rPr lang="en-US" i="1"/>
+                      <a:rPr lang="en-US" i="1">
+                        <a:latin typeface="Cambria Math" panose="02040503050406030204" pitchFamily="18" charset="0"/>
+                      </a:rPr>
                       <m:t>𝑓</m:t>
                     </m:r>
                     <m:sSub>
                       <m:sSubPr>
                         <m:ctrlPr>
-                          <a:rPr lang="en-US" i="1"/>
+                          <a:rPr lang="en-US" i="1">
+                            <a:latin typeface="Cambria Math" panose="02040503050406030204" pitchFamily="18" charset="0"/>
+                          </a:rPr>
                         </m:ctrlPr>
                       </m:sSubPr>
                       <m:e>
@@ -18014,12 +19053,16 @@
                           <m:accPr>
                             <m:chr m:val="⃑"/>
                             <m:ctrlPr>
-                              <a:rPr lang="en-US" i="1"/>
+                              <a:rPr lang="en-US" i="1">
+                                <a:latin typeface="Cambria Math" panose="02040503050406030204" pitchFamily="18" charset="0"/>
+                              </a:rPr>
                             </m:ctrlPr>
                           </m:accPr>
                           <m:e>
                             <m:r>
-                              <a:rPr lang="en-US" i="1"/>
+                              <a:rPr lang="en-US" i="1">
+                                <a:latin typeface="Cambria Math" panose="02040503050406030204" pitchFamily="18" charset="0"/>
+                              </a:rPr>
                               <m:t>𝑉</m:t>
                             </m:r>
                           </m:e>
@@ -18027,23 +19070,31 @@
                       </m:e>
                       <m:sub>
                         <m:r>
-                          <a:rPr lang="en-US" i="1"/>
+                          <a:rPr lang="en-US" i="1">
+                            <a:latin typeface="Cambria Math" panose="02040503050406030204" pitchFamily="18" charset="0"/>
+                          </a:rPr>
                           <m:t>𝐴</m:t>
                         </m:r>
                       </m:sub>
                     </m:sSub>
                     <m:r>
-                      <a:rPr lang="en-US"/>
+                      <a:rPr lang="en-US">
+                        <a:latin typeface="Cambria Math" panose="02040503050406030204" pitchFamily="18" charset="0"/>
+                      </a:rPr>
                       <m:t>+</m:t>
                     </m:r>
                     <m:r>
-                      <a:rPr lang="en-US" i="1"/>
+                      <a:rPr lang="en-US" i="1">
+                        <a:latin typeface="Cambria Math" panose="02040503050406030204" pitchFamily="18" charset="0"/>
+                      </a:rPr>
                       <m:t>𝑓</m:t>
                     </m:r>
                     <m:sSub>
                       <m:sSubPr>
                         <m:ctrlPr>
-                          <a:rPr lang="en-US" i="1"/>
+                          <a:rPr lang="en-US" i="1">
+                            <a:latin typeface="Cambria Math" panose="02040503050406030204" pitchFamily="18" charset="0"/>
+                          </a:rPr>
                         </m:ctrlPr>
                       </m:sSubPr>
                       <m:e>
@@ -18051,12 +19102,16 @@
                           <m:accPr>
                             <m:chr m:val="⃑"/>
                             <m:ctrlPr>
-                              <a:rPr lang="en-US" i="1"/>
+                              <a:rPr lang="en-US" i="1">
+                                <a:latin typeface="Cambria Math" panose="02040503050406030204" pitchFamily="18" charset="0"/>
+                              </a:rPr>
                             </m:ctrlPr>
                           </m:accPr>
                           <m:e>
                             <m:r>
-                              <a:rPr lang="en-US" i="1"/>
+                              <a:rPr lang="en-US" i="1">
+                                <a:latin typeface="Cambria Math" panose="02040503050406030204" pitchFamily="18" charset="0"/>
+                              </a:rPr>
                               <m:t>𝑉</m:t>
                             </m:r>
                           </m:e>
@@ -18064,7 +19119,9 @@
                       </m:e>
                       <m:sub>
                         <m:r>
-                          <a:rPr lang="en-US" i="1"/>
+                          <a:rPr lang="en-US" i="1">
+                            <a:latin typeface="Cambria Math" panose="02040503050406030204" pitchFamily="18" charset="0"/>
+                          </a:rPr>
                           <m:t>𝐵</m:t>
                         </m:r>
                       </m:sub>
@@ -18083,14 +19140,18 @@
                     <m:d>
                       <m:dPr>
                         <m:ctrlPr>
-                          <a:rPr lang="en-US" i="1"/>
+                          <a:rPr lang="en-US" i="1">
+                            <a:latin typeface="Cambria Math" panose="02040503050406030204" pitchFamily="18" charset="0"/>
+                          </a:rPr>
                         </m:ctrlPr>
                       </m:dPr>
                       <m:e>
                         <m:sSub>
                           <m:sSubPr>
                             <m:ctrlPr>
-                              <a:rPr lang="en-US" i="1"/>
+                              <a:rPr lang="en-US" i="1">
+                                <a:latin typeface="Cambria Math" panose="02040503050406030204" pitchFamily="18" charset="0"/>
+                              </a:rPr>
                             </m:ctrlPr>
                           </m:sSubPr>
                           <m:e>
@@ -18098,12 +19159,16 @@
                               <m:accPr>
                                 <m:chr m:val="⃑"/>
                                 <m:ctrlPr>
-                                  <a:rPr lang="en-US" i="1"/>
+                                  <a:rPr lang="en-US" i="1">
+                                    <a:latin typeface="Cambria Math" panose="02040503050406030204" pitchFamily="18" charset="0"/>
+                                  </a:rPr>
                                 </m:ctrlPr>
                               </m:accPr>
                               <m:e>
                                 <m:r>
-                                  <a:rPr lang="en-US" i="1"/>
+                                  <a:rPr lang="en-US" i="1">
+                                    <a:latin typeface="Cambria Math" panose="02040503050406030204" pitchFamily="18" charset="0"/>
+                                  </a:rPr>
                                   <m:t>𝑉</m:t>
                                 </m:r>
                               </m:e>
@@ -18111,19 +19176,25 @@
                           </m:e>
                           <m:sub>
                             <m:r>
-                              <a:rPr lang="en-US"/>
+                              <a:rPr lang="en-US">
+                                <a:latin typeface="Cambria Math" panose="02040503050406030204" pitchFamily="18" charset="0"/>
+                              </a:rPr>
                               <m:t>1</m:t>
                             </m:r>
                           </m:sub>
                         </m:sSub>
                         <m:r>
-                          <a:rPr lang="en-US" i="1"/>
+                          <a:rPr lang="en-US" i="1">
+                            <a:latin typeface="Cambria Math" panose="02040503050406030204" pitchFamily="18" charset="0"/>
+                          </a:rPr>
                           <m:t>∙</m:t>
                         </m:r>
                         <m:sSub>
                           <m:sSubPr>
                             <m:ctrlPr>
-                              <a:rPr lang="en-US" i="1"/>
+                              <a:rPr lang="en-US" i="1">
+                                <a:latin typeface="Cambria Math" panose="02040503050406030204" pitchFamily="18" charset="0"/>
+                              </a:rPr>
                             </m:ctrlPr>
                           </m:sSubPr>
                           <m:e>
@@ -18131,12 +19202,16 @@
                               <m:accPr>
                                 <m:chr m:val="⃑"/>
                                 <m:ctrlPr>
-                                  <a:rPr lang="en-US" i="1"/>
+                                  <a:rPr lang="en-US" i="1">
+                                    <a:latin typeface="Cambria Math" panose="02040503050406030204" pitchFamily="18" charset="0"/>
+                                  </a:rPr>
                                 </m:ctrlPr>
                               </m:accPr>
                               <m:e>
                                 <m:r>
-                                  <a:rPr lang="en-US" i="1"/>
+                                  <a:rPr lang="en-US" i="1">
+                                    <a:latin typeface="Cambria Math" panose="02040503050406030204" pitchFamily="18" charset="0"/>
+                                  </a:rPr>
                                   <m:t>𝑉</m:t>
                                 </m:r>
                               </m:e>
@@ -18144,7 +19219,9 @@
                           </m:e>
                           <m:sub>
                             <m:r>
-                              <a:rPr lang="en-US"/>
+                              <a:rPr lang="en-US">
+                                <a:latin typeface="Cambria Math" panose="02040503050406030204" pitchFamily="18" charset="0"/>
+                              </a:rPr>
                               <m:t>2</m:t>
                             </m:r>
                           </m:sub>
@@ -18154,14 +19231,18 @@
                     <m:d>
                       <m:dPr>
                         <m:ctrlPr>
-                          <a:rPr lang="en-US" i="1"/>
+                          <a:rPr lang="en-US" i="1">
+                            <a:latin typeface="Cambria Math" panose="02040503050406030204" pitchFamily="18" charset="0"/>
+                          </a:rPr>
                         </m:ctrlPr>
                       </m:dPr>
                       <m:e>
                         <m:sSub>
                           <m:sSubPr>
                             <m:ctrlPr>
-                              <a:rPr lang="en-US" i="1"/>
+                              <a:rPr lang="en-US" i="1">
+                                <a:latin typeface="Cambria Math" panose="02040503050406030204" pitchFamily="18" charset="0"/>
+                              </a:rPr>
                             </m:ctrlPr>
                           </m:sSubPr>
                           <m:e>
@@ -18169,12 +19250,16 @@
                               <m:accPr>
                                 <m:chr m:val="⃑"/>
                                 <m:ctrlPr>
-                                  <a:rPr lang="en-US" i="1"/>
+                                  <a:rPr lang="en-US" i="1">
+                                    <a:latin typeface="Cambria Math" panose="02040503050406030204" pitchFamily="18" charset="0"/>
+                                  </a:rPr>
                                 </m:ctrlPr>
                               </m:accPr>
                               <m:e>
                                 <m:r>
-                                  <a:rPr lang="en-US" i="1"/>
+                                  <a:rPr lang="en-US" i="1">
+                                    <a:latin typeface="Cambria Math" panose="02040503050406030204" pitchFamily="18" charset="0"/>
+                                  </a:rPr>
                                   <m:t>𝑉</m:t>
                                 </m:r>
                               </m:e>
@@ -18182,19 +19267,25 @@
                           </m:e>
                           <m:sub>
                             <m:r>
-                              <a:rPr lang="en-US" i="1"/>
+                              <a:rPr lang="en-US" i="1">
+                                <a:latin typeface="Cambria Math" panose="02040503050406030204" pitchFamily="18" charset="0"/>
+                              </a:rPr>
                               <m:t>𝐴</m:t>
                             </m:r>
                           </m:sub>
                         </m:sSub>
                         <m:r>
-                          <a:rPr lang="en-US" i="1"/>
+                          <a:rPr lang="en-US" i="1">
+                            <a:latin typeface="Cambria Math" panose="02040503050406030204" pitchFamily="18" charset="0"/>
+                          </a:rPr>
                           <m:t>−</m:t>
                         </m:r>
                         <m:sSub>
                           <m:sSubPr>
                             <m:ctrlPr>
-                              <a:rPr lang="en-US" i="1"/>
+                              <a:rPr lang="en-US" i="1">
+                                <a:latin typeface="Cambria Math" panose="02040503050406030204" pitchFamily="18" charset="0"/>
+                              </a:rPr>
                             </m:ctrlPr>
                           </m:sSubPr>
                           <m:e>
@@ -18202,12 +19293,16 @@
                               <m:accPr>
                                 <m:chr m:val="⃑"/>
                                 <m:ctrlPr>
-                                  <a:rPr lang="en-US" i="1"/>
+                                  <a:rPr lang="en-US" i="1">
+                                    <a:latin typeface="Cambria Math" panose="02040503050406030204" pitchFamily="18" charset="0"/>
+                                  </a:rPr>
                                 </m:ctrlPr>
                               </m:accPr>
                               <m:e>
                                 <m:r>
-                                  <a:rPr lang="en-US" i="1"/>
+                                  <a:rPr lang="en-US" i="1">
+                                    <a:latin typeface="Cambria Math" panose="02040503050406030204" pitchFamily="18" charset="0"/>
+                                  </a:rPr>
                                   <m:t>𝑉</m:t>
                                 </m:r>
                               </m:e>
@@ -18215,7 +19310,9 @@
                           </m:e>
                           <m:sub>
                             <m:r>
-                              <a:rPr lang="en-US" i="1"/>
+                              <a:rPr lang="en-US" i="1">
+                                <a:latin typeface="Cambria Math" panose="02040503050406030204" pitchFamily="18" charset="0"/>
+                              </a:rPr>
                               <m:t>𝐵</m:t>
                             </m:r>
                           </m:sub>
@@ -18223,20 +19320,26 @@
                       </m:e>
                     </m:d>
                     <m:r>
-                      <a:rPr lang="en-US"/>
+                      <a:rPr lang="en-US">
+                        <a:latin typeface="Cambria Math" panose="02040503050406030204" pitchFamily="18" charset="0"/>
+                      </a:rPr>
                       <m:t>=</m:t>
                     </m:r>
                     <m:d>
                       <m:dPr>
                         <m:ctrlPr>
-                          <a:rPr lang="en-US" i="1"/>
+                          <a:rPr lang="en-US" i="1">
+                            <a:latin typeface="Cambria Math" panose="02040503050406030204" pitchFamily="18" charset="0"/>
+                          </a:rPr>
                         </m:ctrlPr>
                       </m:dPr>
                       <m:e>
                         <m:sSub>
                           <m:sSubPr>
                             <m:ctrlPr>
-                              <a:rPr lang="en-US" i="1"/>
+                              <a:rPr lang="en-US" i="1">
+                                <a:latin typeface="Cambria Math" panose="02040503050406030204" pitchFamily="18" charset="0"/>
+                              </a:rPr>
                             </m:ctrlPr>
                           </m:sSubPr>
                           <m:e>
@@ -18244,12 +19347,16 @@
                               <m:accPr>
                                 <m:chr m:val="⃑"/>
                                 <m:ctrlPr>
-                                  <a:rPr lang="en-US" i="1"/>
+                                  <a:rPr lang="en-US" i="1">
+                                    <a:latin typeface="Cambria Math" panose="02040503050406030204" pitchFamily="18" charset="0"/>
+                                  </a:rPr>
                                 </m:ctrlPr>
                               </m:accPr>
                               <m:e>
                                 <m:r>
-                                  <a:rPr lang="en-US" i="1"/>
+                                  <a:rPr lang="en-US" i="1">
+                                    <a:latin typeface="Cambria Math" panose="02040503050406030204" pitchFamily="18" charset="0"/>
+                                  </a:rPr>
                                   <m:t>𝑉</m:t>
                                 </m:r>
                               </m:e>
@@ -18257,19 +19364,25 @@
                           </m:e>
                           <m:sub>
                             <m:r>
-                              <a:rPr lang="en-US"/>
+                              <a:rPr lang="en-US">
+                                <a:latin typeface="Cambria Math" panose="02040503050406030204" pitchFamily="18" charset="0"/>
+                              </a:rPr>
                               <m:t>1</m:t>
                             </m:r>
                           </m:sub>
                         </m:sSub>
                         <m:r>
-                          <a:rPr lang="en-US" i="1"/>
+                          <a:rPr lang="en-US" i="1">
+                            <a:latin typeface="Cambria Math" panose="02040503050406030204" pitchFamily="18" charset="0"/>
+                          </a:rPr>
                           <m:t>∙</m:t>
                         </m:r>
                         <m:sSub>
                           <m:sSubPr>
                             <m:ctrlPr>
-                              <a:rPr lang="en-US" i="1"/>
+                              <a:rPr lang="en-US" i="1">
+                                <a:latin typeface="Cambria Math" panose="02040503050406030204" pitchFamily="18" charset="0"/>
+                              </a:rPr>
                             </m:ctrlPr>
                           </m:sSubPr>
                           <m:e>
@@ -18277,12 +19390,16 @@
                               <m:accPr>
                                 <m:chr m:val="⃑"/>
                                 <m:ctrlPr>
-                                  <a:rPr lang="en-US" i="1"/>
+                                  <a:rPr lang="en-US" i="1">
+                                    <a:latin typeface="Cambria Math" panose="02040503050406030204" pitchFamily="18" charset="0"/>
+                                  </a:rPr>
                                 </m:ctrlPr>
                               </m:accPr>
                               <m:e>
                                 <m:r>
-                                  <a:rPr lang="en-US" i="1"/>
+                                  <a:rPr lang="en-US" i="1">
+                                    <a:latin typeface="Cambria Math" panose="02040503050406030204" pitchFamily="18" charset="0"/>
+                                  </a:rPr>
                                   <m:t>𝑉</m:t>
                                 </m:r>
                               </m:e>
@@ -18290,7 +19407,9 @@
                           </m:e>
                           <m:sub>
                             <m:r>
-                              <a:rPr lang="en-US"/>
+                              <a:rPr lang="en-US">
+                                <a:latin typeface="Cambria Math" panose="02040503050406030204" pitchFamily="18" charset="0"/>
+                              </a:rPr>
                               <m:t>2</m:t>
                             </m:r>
                           </m:sub>
@@ -18300,7 +19419,9 @@
                     <m:sSub>
                       <m:sSubPr>
                         <m:ctrlPr>
-                          <a:rPr lang="en-US" i="1"/>
+                          <a:rPr lang="en-US" i="1">
+                            <a:latin typeface="Cambria Math" panose="02040503050406030204" pitchFamily="18" charset="0"/>
+                          </a:rPr>
                         </m:ctrlPr>
                       </m:sSubPr>
                       <m:e>
@@ -18308,12 +19429,16 @@
                           <m:accPr>
                             <m:chr m:val="⃑"/>
                             <m:ctrlPr>
-                              <a:rPr lang="en-US" i="1"/>
+                              <a:rPr lang="en-US" i="1">
+                                <a:latin typeface="Cambria Math" panose="02040503050406030204" pitchFamily="18" charset="0"/>
+                              </a:rPr>
                             </m:ctrlPr>
                           </m:accPr>
                           <m:e>
                             <m:r>
-                              <a:rPr lang="en-US" i="1"/>
+                              <a:rPr lang="en-US" i="1">
+                                <a:latin typeface="Cambria Math" panose="02040503050406030204" pitchFamily="18" charset="0"/>
+                              </a:rPr>
                               <m:t>𝑉</m:t>
                             </m:r>
                           </m:e>
@@ -18321,26 +19446,34 @@
                       </m:e>
                       <m:sub>
                         <m:r>
-                          <a:rPr lang="en-US" i="1"/>
+                          <a:rPr lang="en-US" i="1">
+                            <a:latin typeface="Cambria Math" panose="02040503050406030204" pitchFamily="18" charset="0"/>
+                          </a:rPr>
                           <m:t>𝐴</m:t>
                         </m:r>
                       </m:sub>
                     </m:sSub>
                     <m:r>
-                      <a:rPr lang="en-US" i="1"/>
+                      <a:rPr lang="en-US" i="1">
+                        <a:latin typeface="Cambria Math" panose="02040503050406030204" pitchFamily="18" charset="0"/>
+                      </a:rPr>
                       <m:t>−</m:t>
                     </m:r>
                     <m:d>
                       <m:dPr>
                         <m:ctrlPr>
-                          <a:rPr lang="en-US" i="1"/>
+                          <a:rPr lang="en-US" i="1">
+                            <a:latin typeface="Cambria Math" panose="02040503050406030204" pitchFamily="18" charset="0"/>
+                          </a:rPr>
                         </m:ctrlPr>
                       </m:dPr>
                       <m:e>
                         <m:sSub>
                           <m:sSubPr>
                             <m:ctrlPr>
-                              <a:rPr lang="en-US" i="1"/>
+                              <a:rPr lang="en-US" i="1">
+                                <a:latin typeface="Cambria Math" panose="02040503050406030204" pitchFamily="18" charset="0"/>
+                              </a:rPr>
                             </m:ctrlPr>
                           </m:sSubPr>
                           <m:e>
@@ -18348,12 +19481,16 @@
                               <m:accPr>
                                 <m:chr m:val="⃑"/>
                                 <m:ctrlPr>
-                                  <a:rPr lang="en-US" i="1"/>
+                                  <a:rPr lang="en-US" i="1">
+                                    <a:latin typeface="Cambria Math" panose="02040503050406030204" pitchFamily="18" charset="0"/>
+                                  </a:rPr>
                                 </m:ctrlPr>
                               </m:accPr>
                               <m:e>
                                 <m:r>
-                                  <a:rPr lang="en-US" i="1"/>
+                                  <a:rPr lang="en-US" i="1">
+                                    <a:latin typeface="Cambria Math" panose="02040503050406030204" pitchFamily="18" charset="0"/>
+                                  </a:rPr>
                                   <m:t>𝑉</m:t>
                                 </m:r>
                               </m:e>
@@ -18361,19 +19498,25 @@
                           </m:e>
                           <m:sub>
                             <m:r>
-                              <a:rPr lang="en-US"/>
+                              <a:rPr lang="en-US">
+                                <a:latin typeface="Cambria Math" panose="02040503050406030204" pitchFamily="18" charset="0"/>
+                              </a:rPr>
                               <m:t>1</m:t>
                             </m:r>
                           </m:sub>
                         </m:sSub>
                         <m:r>
-                          <a:rPr lang="en-US" i="1"/>
+                          <a:rPr lang="en-US" i="1">
+                            <a:latin typeface="Cambria Math" panose="02040503050406030204" pitchFamily="18" charset="0"/>
+                          </a:rPr>
                           <m:t>∙</m:t>
                         </m:r>
                         <m:sSub>
                           <m:sSubPr>
                             <m:ctrlPr>
-                              <a:rPr lang="en-US" i="1"/>
+                              <a:rPr lang="en-US" i="1">
+                                <a:latin typeface="Cambria Math" panose="02040503050406030204" pitchFamily="18" charset="0"/>
+                              </a:rPr>
                             </m:ctrlPr>
                           </m:sSubPr>
                           <m:e>
@@ -18381,12 +19524,16 @@
                               <m:accPr>
                                 <m:chr m:val="⃑"/>
                                 <m:ctrlPr>
-                                  <a:rPr lang="en-US" i="1"/>
+                                  <a:rPr lang="en-US" i="1">
+                                    <a:latin typeface="Cambria Math" panose="02040503050406030204" pitchFamily="18" charset="0"/>
+                                  </a:rPr>
                                 </m:ctrlPr>
                               </m:accPr>
                               <m:e>
                                 <m:r>
-                                  <a:rPr lang="en-US" i="1"/>
+                                  <a:rPr lang="en-US" i="1">
+                                    <a:latin typeface="Cambria Math" panose="02040503050406030204" pitchFamily="18" charset="0"/>
+                                  </a:rPr>
                                   <m:t>𝑉</m:t>
                                 </m:r>
                               </m:e>
@@ -18394,7 +19541,9 @@
                           </m:e>
                           <m:sub>
                             <m:r>
-                              <a:rPr lang="en-US"/>
+                              <a:rPr lang="en-US">
+                                <a:latin typeface="Cambria Math" panose="02040503050406030204" pitchFamily="18" charset="0"/>
+                              </a:rPr>
                               <m:t>2</m:t>
                             </m:r>
                           </m:sub>
@@ -18404,7 +19553,9 @@
                     <m:sSub>
                       <m:sSubPr>
                         <m:ctrlPr>
-                          <a:rPr lang="en-US" i="1"/>
+                          <a:rPr lang="en-US" i="1">
+                            <a:latin typeface="Cambria Math" panose="02040503050406030204" pitchFamily="18" charset="0"/>
+                          </a:rPr>
                         </m:ctrlPr>
                       </m:sSubPr>
                       <m:e>
@@ -18412,12 +19563,16 @@
                           <m:accPr>
                             <m:chr m:val="⃑"/>
                             <m:ctrlPr>
-                              <a:rPr lang="en-US" i="1"/>
+                              <a:rPr lang="en-US" i="1">
+                                <a:latin typeface="Cambria Math" panose="02040503050406030204" pitchFamily="18" charset="0"/>
+                              </a:rPr>
                             </m:ctrlPr>
                           </m:accPr>
                           <m:e>
                             <m:r>
-                              <a:rPr lang="en-US" i="1"/>
+                              <a:rPr lang="en-US" i="1">
+                                <a:latin typeface="Cambria Math" panose="02040503050406030204" pitchFamily="18" charset="0"/>
+                              </a:rPr>
                               <m:t>𝑉</m:t>
                             </m:r>
                           </m:e>
@@ -18425,7 +19580,9 @@
                       </m:e>
                       <m:sub>
                         <m:r>
-                          <a:rPr lang="en-US" i="1"/>
+                          <a:rPr lang="en-US" i="1">
+                            <a:latin typeface="Cambria Math" panose="02040503050406030204" pitchFamily="18" charset="0"/>
+                          </a:rPr>
                           <m:t>𝐵</m:t>
                         </m:r>
                       </m:sub>
@@ -18444,14 +19601,18 @@
                     <m:d>
                       <m:dPr>
                         <m:ctrlPr>
-                          <a:rPr lang="en-US" i="1"/>
+                          <a:rPr lang="en-US" i="1">
+                            <a:latin typeface="Cambria Math" panose="02040503050406030204" pitchFamily="18" charset="0"/>
+                          </a:rPr>
                         </m:ctrlPr>
                       </m:dPr>
                       <m:e>
                         <m:sSub>
                           <m:sSubPr>
                             <m:ctrlPr>
-                              <a:rPr lang="en-US" i="1"/>
+                              <a:rPr lang="en-US" i="1">
+                                <a:latin typeface="Cambria Math" panose="02040503050406030204" pitchFamily="18" charset="0"/>
+                              </a:rPr>
                             </m:ctrlPr>
                           </m:sSubPr>
                           <m:e>
@@ -18459,12 +19620,16 @@
                               <m:accPr>
                                 <m:chr m:val="⃑"/>
                                 <m:ctrlPr>
-                                  <a:rPr lang="en-US" i="1"/>
+                                  <a:rPr lang="en-US" i="1">
+                                    <a:latin typeface="Cambria Math" panose="02040503050406030204" pitchFamily="18" charset="0"/>
+                                  </a:rPr>
                                 </m:ctrlPr>
                               </m:accPr>
                               <m:e>
                                 <m:r>
-                                  <a:rPr lang="en-US" i="1"/>
+                                  <a:rPr lang="en-US" i="1">
+                                    <a:latin typeface="Cambria Math" panose="02040503050406030204" pitchFamily="18" charset="0"/>
+                                  </a:rPr>
                                   <m:t>𝑉</m:t>
                                 </m:r>
                               </m:e>
@@ -18472,19 +19637,25 @@
                           </m:e>
                           <m:sub>
                             <m:r>
-                              <a:rPr lang="en-US"/>
+                              <a:rPr lang="en-US">
+                                <a:latin typeface="Cambria Math" panose="02040503050406030204" pitchFamily="18" charset="0"/>
+                              </a:rPr>
                               <m:t>1</m:t>
                             </m:r>
                           </m:sub>
                         </m:sSub>
                         <m:r>
-                          <a:rPr lang="en-US" i="1"/>
+                          <a:rPr lang="en-US" i="1">
+                            <a:latin typeface="Cambria Math" panose="02040503050406030204" pitchFamily="18" charset="0"/>
+                          </a:rPr>
                           <m:t>∙</m:t>
                         </m:r>
                         <m:sSub>
                           <m:sSubPr>
                             <m:ctrlPr>
-                              <a:rPr lang="en-US" i="1"/>
+                              <a:rPr lang="en-US" i="1">
+                                <a:latin typeface="Cambria Math" panose="02040503050406030204" pitchFamily="18" charset="0"/>
+                              </a:rPr>
                             </m:ctrlPr>
                           </m:sSubPr>
                           <m:e>
@@ -18492,12 +19663,16 @@
                               <m:accPr>
                                 <m:chr m:val="⃑"/>
                                 <m:ctrlPr>
-                                  <a:rPr lang="en-US" i="1"/>
+                                  <a:rPr lang="en-US" i="1">
+                                    <a:latin typeface="Cambria Math" panose="02040503050406030204" pitchFamily="18" charset="0"/>
+                                  </a:rPr>
                                 </m:ctrlPr>
                               </m:accPr>
                               <m:e>
                                 <m:r>
-                                  <a:rPr lang="en-US" i="1"/>
+                                  <a:rPr lang="en-US" i="1">
+                                    <a:latin typeface="Cambria Math" panose="02040503050406030204" pitchFamily="18" charset="0"/>
+                                  </a:rPr>
                                   <m:t>𝑉</m:t>
                                 </m:r>
                               </m:e>
@@ -18505,7 +19680,9 @@
                           </m:e>
                           <m:sub>
                             <m:r>
-                              <a:rPr lang="en-US"/>
+                              <a:rPr lang="en-US">
+                                <a:latin typeface="Cambria Math" panose="02040503050406030204" pitchFamily="18" charset="0"/>
+                              </a:rPr>
                               <m:t>2</m:t>
                             </m:r>
                           </m:sub>
@@ -18515,14 +19692,18 @@
                     <m:d>
                       <m:dPr>
                         <m:ctrlPr>
-                          <a:rPr lang="en-US" i="1"/>
+                          <a:rPr lang="en-US" i="1">
+                            <a:latin typeface="Cambria Math" panose="02040503050406030204" pitchFamily="18" charset="0"/>
+                          </a:rPr>
                         </m:ctrlPr>
                       </m:dPr>
                       <m:e>
                         <m:sSub>
                           <m:sSubPr>
                             <m:ctrlPr>
-                              <a:rPr lang="en-US" i="1"/>
+                              <a:rPr lang="en-US" i="1">
+                                <a:latin typeface="Cambria Math" panose="02040503050406030204" pitchFamily="18" charset="0"/>
+                              </a:rPr>
                             </m:ctrlPr>
                           </m:sSubPr>
                           <m:e>
@@ -18530,12 +19711,16 @@
                               <m:accPr>
                                 <m:chr m:val="⃑"/>
                                 <m:ctrlPr>
-                                  <a:rPr lang="en-US" i="1"/>
+                                  <a:rPr lang="en-US" i="1">
+                                    <a:latin typeface="Cambria Math" panose="02040503050406030204" pitchFamily="18" charset="0"/>
+                                  </a:rPr>
                                 </m:ctrlPr>
                               </m:accPr>
                               <m:e>
                                 <m:r>
-                                  <a:rPr lang="en-US" i="1"/>
+                                  <a:rPr lang="en-US" i="1">
+                                    <a:latin typeface="Cambria Math" panose="02040503050406030204" pitchFamily="18" charset="0"/>
+                                  </a:rPr>
                                   <m:t>𝑉</m:t>
                                 </m:r>
                               </m:e>
@@ -18543,19 +19728,25 @@
                           </m:e>
                           <m:sub>
                             <m:r>
-                              <a:rPr lang="en-US" i="1"/>
+                              <a:rPr lang="en-US" i="1">
+                                <a:latin typeface="Cambria Math" panose="02040503050406030204" pitchFamily="18" charset="0"/>
+                              </a:rPr>
                               <m:t>𝐴</m:t>
                             </m:r>
                           </m:sub>
                         </m:sSub>
                         <m:r>
-                          <a:rPr lang="en-US" i="1"/>
+                          <a:rPr lang="en-US" i="1">
+                            <a:latin typeface="Cambria Math" panose="02040503050406030204" pitchFamily="18" charset="0"/>
+                          </a:rPr>
                           <m:t>−</m:t>
                         </m:r>
                         <m:sSub>
                           <m:sSubPr>
                             <m:ctrlPr>
-                              <a:rPr lang="en-US" i="1"/>
+                              <a:rPr lang="en-US" i="1">
+                                <a:latin typeface="Cambria Math" panose="02040503050406030204" pitchFamily="18" charset="0"/>
+                              </a:rPr>
                             </m:ctrlPr>
                           </m:sSubPr>
                           <m:e>
@@ -18563,12 +19754,16 @@
                               <m:accPr>
                                 <m:chr m:val="⃑"/>
                                 <m:ctrlPr>
-                                  <a:rPr lang="en-US" i="1"/>
+                                  <a:rPr lang="en-US" i="1">
+                                    <a:latin typeface="Cambria Math" panose="02040503050406030204" pitchFamily="18" charset="0"/>
+                                  </a:rPr>
                                 </m:ctrlPr>
                               </m:accPr>
                               <m:e>
                                 <m:r>
-                                  <a:rPr lang="en-US" i="1"/>
+                                  <a:rPr lang="en-US" i="1">
+                                    <a:latin typeface="Cambria Math" panose="02040503050406030204" pitchFamily="18" charset="0"/>
+                                  </a:rPr>
                                   <m:t>𝑉</m:t>
                                 </m:r>
                               </m:e>
@@ -18576,7 +19771,9 @@
                           </m:e>
                           <m:sub>
                             <m:r>
-                              <a:rPr lang="en-US" i="1"/>
+                              <a:rPr lang="en-US" i="1">
+                                <a:latin typeface="Cambria Math" panose="02040503050406030204" pitchFamily="18" charset="0"/>
+                              </a:rPr>
                               <m:t>𝐵</m:t>
                             </m:r>
                           </m:sub>
@@ -18584,24 +19781,32 @@
                       </m:e>
                     </m:d>
                     <m:r>
-                      <a:rPr lang="en-US"/>
+                      <a:rPr lang="en-US">
+                        <a:latin typeface="Cambria Math" panose="02040503050406030204" pitchFamily="18" charset="0"/>
+                      </a:rPr>
                       <m:t>=</m:t>
                     </m:r>
                     <m:r>
-                      <a:rPr lang="en-US" i="1"/>
+                      <a:rPr lang="en-US" i="1">
+                        <a:latin typeface="Cambria Math" panose="02040503050406030204" pitchFamily="18" charset="0"/>
+                      </a:rPr>
                       <m:t>𝑓</m:t>
                     </m:r>
                     <m:d>
                       <m:dPr>
                         <m:ctrlPr>
-                          <a:rPr lang="en-US" i="1"/>
+                          <a:rPr lang="en-US" i="1">
+                            <a:latin typeface="Cambria Math" panose="02040503050406030204" pitchFamily="18" charset="0"/>
+                          </a:rPr>
                         </m:ctrlPr>
                       </m:dPr>
                       <m:e>
                         <m:sSub>
                           <m:sSubPr>
                             <m:ctrlPr>
-                              <a:rPr lang="en-US" i="1"/>
+                              <a:rPr lang="en-US" i="1">
+                                <a:latin typeface="Cambria Math" panose="02040503050406030204" pitchFamily="18" charset="0"/>
+                              </a:rPr>
                             </m:ctrlPr>
                           </m:sSubPr>
                           <m:e>
@@ -18609,12 +19814,16 @@
                               <m:accPr>
                                 <m:chr m:val="⃑"/>
                                 <m:ctrlPr>
-                                  <a:rPr lang="en-US" i="1"/>
+                                  <a:rPr lang="en-US" i="1">
+                                    <a:latin typeface="Cambria Math" panose="02040503050406030204" pitchFamily="18" charset="0"/>
+                                  </a:rPr>
                                 </m:ctrlPr>
                               </m:accPr>
                               <m:e>
                                 <m:r>
-                                  <a:rPr lang="en-US" i="1"/>
+                                  <a:rPr lang="en-US" i="1">
+                                    <a:latin typeface="Cambria Math" panose="02040503050406030204" pitchFamily="18" charset="0"/>
+                                  </a:rPr>
                                   <m:t>𝑉</m:t>
                                 </m:r>
                               </m:e>
@@ -18622,19 +19831,25 @@
                           </m:e>
                           <m:sub>
                             <m:r>
-                              <a:rPr lang="en-US" i="1"/>
+                              <a:rPr lang="en-US" i="1">
+                                <a:latin typeface="Cambria Math" panose="02040503050406030204" pitchFamily="18" charset="0"/>
+                              </a:rPr>
                               <m:t>𝐴</m:t>
                             </m:r>
                           </m:sub>
                         </m:sSub>
                         <m:r>
-                          <a:rPr lang="en-US" i="1"/>
+                          <a:rPr lang="en-US" i="1">
+                            <a:latin typeface="Cambria Math" panose="02040503050406030204" pitchFamily="18" charset="0"/>
+                          </a:rPr>
                           <m:t>−</m:t>
                         </m:r>
                         <m:sSub>
                           <m:sSubPr>
                             <m:ctrlPr>
-                              <a:rPr lang="en-US" i="1"/>
+                              <a:rPr lang="en-US" i="1">
+                                <a:latin typeface="Cambria Math" panose="02040503050406030204" pitchFamily="18" charset="0"/>
+                              </a:rPr>
                             </m:ctrlPr>
                           </m:sSubPr>
                           <m:e>
@@ -18642,12 +19857,16 @@
                               <m:accPr>
                                 <m:chr m:val="⃑"/>
                                 <m:ctrlPr>
-                                  <a:rPr lang="en-US" i="1"/>
+                                  <a:rPr lang="en-US" i="1">
+                                    <a:latin typeface="Cambria Math" panose="02040503050406030204" pitchFamily="18" charset="0"/>
+                                  </a:rPr>
                                 </m:ctrlPr>
                               </m:accPr>
                               <m:e>
                                 <m:r>
-                                  <a:rPr lang="en-US" i="1"/>
+                                  <a:rPr lang="en-US" i="1">
+                                    <a:latin typeface="Cambria Math" panose="02040503050406030204" pitchFamily="18" charset="0"/>
+                                  </a:rPr>
                                   <m:t>𝑉</m:t>
                                 </m:r>
                               </m:e>
@@ -18655,7 +19874,9 @@
                           </m:e>
                           <m:sub>
                             <m:r>
-                              <a:rPr lang="en-US" i="1"/>
+                              <a:rPr lang="en-US" i="1">
+                                <a:latin typeface="Cambria Math" panose="02040503050406030204" pitchFamily="18" charset="0"/>
+                              </a:rPr>
                               <m:t>𝐵</m:t>
                             </m:r>
                           </m:sub>
@@ -18663,17 +19884,23 @@
                       </m:e>
                     </m:d>
                     <m:r>
-                      <a:rPr lang="en-US"/>
+                      <a:rPr lang="en-US">
+                        <a:latin typeface="Cambria Math" panose="02040503050406030204" pitchFamily="18" charset="0"/>
+                      </a:rPr>
                       <m:t>=</m:t>
                     </m:r>
                     <m:r>
-                      <a:rPr lang="en-US" i="1"/>
+                      <a:rPr lang="en-US" i="1">
+                        <a:latin typeface="Cambria Math" panose="02040503050406030204" pitchFamily="18" charset="0"/>
+                      </a:rPr>
                       <m:t>𝑓</m:t>
                     </m:r>
                     <m:sSub>
                       <m:sSubPr>
                         <m:ctrlPr>
-                          <a:rPr lang="en-US" i="1"/>
+                          <a:rPr lang="en-US" i="1">
+                            <a:latin typeface="Cambria Math" panose="02040503050406030204" pitchFamily="18" charset="0"/>
+                          </a:rPr>
                         </m:ctrlPr>
                       </m:sSubPr>
                       <m:e>
@@ -18681,12 +19908,16 @@
                           <m:accPr>
                             <m:chr m:val="⃑"/>
                             <m:ctrlPr>
-                              <a:rPr lang="en-US" i="1"/>
+                              <a:rPr lang="en-US" i="1">
+                                <a:latin typeface="Cambria Math" panose="02040503050406030204" pitchFamily="18" charset="0"/>
+                              </a:rPr>
                             </m:ctrlPr>
                           </m:accPr>
                           <m:e>
                             <m:r>
-                              <a:rPr lang="en-US" i="1"/>
+                              <a:rPr lang="en-US" i="1">
+                                <a:latin typeface="Cambria Math" panose="02040503050406030204" pitchFamily="18" charset="0"/>
+                              </a:rPr>
                               <m:t>𝑉</m:t>
                             </m:r>
                           </m:e>
@@ -18694,23 +19925,31 @@
                       </m:e>
                       <m:sub>
                         <m:r>
-                          <a:rPr lang="en-US" i="1"/>
+                          <a:rPr lang="en-US" i="1">
+                            <a:latin typeface="Cambria Math" panose="02040503050406030204" pitchFamily="18" charset="0"/>
+                          </a:rPr>
                           <m:t>𝐴</m:t>
                         </m:r>
                       </m:sub>
                     </m:sSub>
                     <m:r>
-                      <a:rPr lang="en-US" i="1"/>
+                      <a:rPr lang="en-US" i="1">
+                        <a:latin typeface="Cambria Math" panose="02040503050406030204" pitchFamily="18" charset="0"/>
+                      </a:rPr>
                       <m:t>−</m:t>
                     </m:r>
                     <m:r>
-                      <a:rPr lang="en-US" i="1"/>
+                      <a:rPr lang="en-US" i="1">
+                        <a:latin typeface="Cambria Math" panose="02040503050406030204" pitchFamily="18" charset="0"/>
+                      </a:rPr>
                       <m:t>𝑓</m:t>
                     </m:r>
                     <m:sSub>
                       <m:sSubPr>
                         <m:ctrlPr>
-                          <a:rPr lang="en-US" i="1"/>
+                          <a:rPr lang="en-US" i="1">
+                            <a:latin typeface="Cambria Math" panose="02040503050406030204" pitchFamily="18" charset="0"/>
+                          </a:rPr>
                         </m:ctrlPr>
                       </m:sSubPr>
                       <m:e>
@@ -18718,12 +19957,16 @@
                           <m:accPr>
                             <m:chr m:val="⃑"/>
                             <m:ctrlPr>
-                              <a:rPr lang="en-US" i="1"/>
+                              <a:rPr lang="en-US" i="1">
+                                <a:latin typeface="Cambria Math" panose="02040503050406030204" pitchFamily="18" charset="0"/>
+                              </a:rPr>
                             </m:ctrlPr>
                           </m:accPr>
                           <m:e>
                             <m:r>
-                              <a:rPr lang="en-US" i="1"/>
+                              <a:rPr lang="en-US" i="1">
+                                <a:latin typeface="Cambria Math" panose="02040503050406030204" pitchFamily="18" charset="0"/>
+                              </a:rPr>
                               <m:t>𝑉</m:t>
                             </m:r>
                           </m:e>
@@ -18731,7 +19974,9 @@
                       </m:e>
                       <m:sub>
                         <m:r>
-                          <a:rPr lang="en-US" i="1"/>
+                          <a:rPr lang="en-US" i="1">
+                            <a:latin typeface="Cambria Math" panose="02040503050406030204" pitchFamily="18" charset="0"/>
+                          </a:rPr>
                           <m:t>𝐵</m:t>
                         </m:r>
                       </m:sub>
@@ -18755,7 +20000,9 @@
                         <m:begChr m:val="‖"/>
                         <m:endChr m:val="‖"/>
                         <m:ctrlPr>
-                          <a:rPr lang="en-US" i="1"/>
+                          <a:rPr lang="en-US" i="1">
+                            <a:latin typeface="Cambria Math" panose="02040503050406030204" pitchFamily="18" charset="0"/>
+                          </a:rPr>
                         </m:ctrlPr>
                       </m:dPr>
                       <m:e>
@@ -18763,12 +20010,16 @@
                           <m:accPr>
                             <m:chr m:val="⃑"/>
                             <m:ctrlPr>
-                              <a:rPr lang="en-US" i="1"/>
+                              <a:rPr lang="en-US" i="1">
+                                <a:latin typeface="Cambria Math" panose="02040503050406030204" pitchFamily="18" charset="0"/>
+                              </a:rPr>
                             </m:ctrlPr>
                           </m:accPr>
                           <m:e>
                             <m:r>
-                              <a:rPr lang="en-US" i="1"/>
+                              <a:rPr lang="en-US" i="1">
+                                <a:latin typeface="Cambria Math" panose="02040503050406030204" pitchFamily="18" charset="0"/>
+                              </a:rPr>
                               <m:t>𝑉</m:t>
                             </m:r>
                           </m:e>
@@ -18776,14 +20027,18 @@
                       </m:e>
                     </m:d>
                     <m:r>
-                      <a:rPr lang="en-US"/>
+                      <a:rPr lang="en-US">
+                        <a:latin typeface="Cambria Math" panose="02040503050406030204" pitchFamily="18" charset="0"/>
+                      </a:rPr>
                       <m:t>=</m:t>
                     </m:r>
                     <m:rad>
                       <m:radPr>
                         <m:degHide m:val="on"/>
                         <m:ctrlPr>
-                          <a:rPr lang="en-US" i="1"/>
+                          <a:rPr lang="en-US" i="1">
+                            <a:latin typeface="Cambria Math" panose="02040503050406030204" pitchFamily="18" charset="0"/>
+                          </a:rPr>
                         </m:ctrlPr>
                       </m:radPr>
                       <m:deg/>
@@ -18791,64 +20046,86 @@
                         <m:sSup>
                           <m:sSupPr>
                             <m:ctrlPr>
-                              <a:rPr lang="en-US" i="1"/>
+                              <a:rPr lang="en-US" i="1">
+                                <a:latin typeface="Cambria Math" panose="02040503050406030204" pitchFamily="18" charset="0"/>
+                              </a:rPr>
                             </m:ctrlPr>
                           </m:sSupPr>
                           <m:e>
                             <m:r>
-                              <a:rPr lang="en-US" i="1"/>
+                              <a:rPr lang="en-US" i="1">
+                                <a:latin typeface="Cambria Math" panose="02040503050406030204" pitchFamily="18" charset="0"/>
+                              </a:rPr>
                               <m:t>𝑥</m:t>
                             </m:r>
                           </m:e>
                           <m:sup>
                             <m:r>
-                              <a:rPr lang="en-US" i="1"/>
+                              <a:rPr lang="en-US" i="1">
+                                <a:latin typeface="Cambria Math" panose="02040503050406030204" pitchFamily="18" charset="0"/>
+                              </a:rPr>
                               <m:t>2</m:t>
                             </m:r>
                           </m:sup>
                         </m:sSup>
                         <m:r>
-                          <a:rPr lang="en-US" i="1"/>
+                          <a:rPr lang="en-US" i="1">
+                            <a:latin typeface="Cambria Math" panose="02040503050406030204" pitchFamily="18" charset="0"/>
+                          </a:rPr>
                           <m:t>+</m:t>
                         </m:r>
                         <m:sSup>
                           <m:sSupPr>
                             <m:ctrlPr>
-                              <a:rPr lang="en-US" i="1"/>
+                              <a:rPr lang="en-US" i="1">
+                                <a:latin typeface="Cambria Math" panose="02040503050406030204" pitchFamily="18" charset="0"/>
+                              </a:rPr>
                             </m:ctrlPr>
                           </m:sSupPr>
                           <m:e>
                             <m:r>
-                              <a:rPr lang="en-US" i="1"/>
+                              <a:rPr lang="en-US" i="1">
+                                <a:latin typeface="Cambria Math" panose="02040503050406030204" pitchFamily="18" charset="0"/>
+                              </a:rPr>
                               <m:t>𝑦</m:t>
                             </m:r>
                           </m:e>
                           <m:sup>
                             <m:r>
-                              <a:rPr lang="en-US" i="1"/>
+                              <a:rPr lang="en-US" i="1">
+                                <a:latin typeface="Cambria Math" panose="02040503050406030204" pitchFamily="18" charset="0"/>
+                              </a:rPr>
                               <m:t>2</m:t>
                             </m:r>
                           </m:sup>
                         </m:sSup>
                         <m:r>
-                          <a:rPr lang="en-US" i="1"/>
+                          <a:rPr lang="en-US" i="1">
+                            <a:latin typeface="Cambria Math" panose="02040503050406030204" pitchFamily="18" charset="0"/>
+                          </a:rPr>
                           <m:t>+</m:t>
                         </m:r>
                         <m:sSup>
                           <m:sSupPr>
                             <m:ctrlPr>
-                              <a:rPr lang="en-US" i="1"/>
+                              <a:rPr lang="en-US" i="1">
+                                <a:latin typeface="Cambria Math" panose="02040503050406030204" pitchFamily="18" charset="0"/>
+                              </a:rPr>
                             </m:ctrlPr>
                           </m:sSupPr>
                           <m:e>
                             <m:r>
-                              <a:rPr lang="en-US" i="1"/>
+                              <a:rPr lang="en-US" i="1">
+                                <a:latin typeface="Cambria Math" panose="02040503050406030204" pitchFamily="18" charset="0"/>
+                              </a:rPr>
                               <m:t>𝑧</m:t>
                             </m:r>
                           </m:e>
                           <m:sup>
                             <m:r>
-                              <a:rPr lang="en-US" i="1"/>
+                              <a:rPr lang="en-US" i="1">
+                                <a:latin typeface="Cambria Math" panose="02040503050406030204" pitchFamily="18" charset="0"/>
+                              </a:rPr>
                               <m:t>2</m:t>
                             </m:r>
                           </m:sup>
@@ -18869,7 +20146,9 @@
                     <m:sSub>
                       <m:sSubPr>
                         <m:ctrlPr>
-                          <a:rPr lang="en-US" i="1"/>
+                          <a:rPr lang="en-US" i="1">
+                            <a:latin typeface="Cambria Math" panose="02040503050406030204" pitchFamily="18" charset="0"/>
+                          </a:rPr>
                         </m:ctrlPr>
                       </m:sSubPr>
                       <m:e>
@@ -18877,12 +20156,16 @@
                           <m:accPr>
                             <m:chr m:val="⃑"/>
                             <m:ctrlPr>
-                              <a:rPr lang="en-US" i="1"/>
+                              <a:rPr lang="en-US" i="1">
+                                <a:latin typeface="Cambria Math" panose="02040503050406030204" pitchFamily="18" charset="0"/>
+                              </a:rPr>
                             </m:ctrlPr>
                           </m:accPr>
                           <m:e>
                             <m:r>
-                              <a:rPr lang="en-US" i="1"/>
+                              <a:rPr lang="en-US" i="1">
+                                <a:latin typeface="Cambria Math" panose="02040503050406030204" pitchFamily="18" charset="0"/>
+                              </a:rPr>
                               <m:t>𝑉</m:t>
                             </m:r>
                           </m:e>
@@ -18890,19 +20173,25 @@
                       </m:e>
                       <m:sub>
                         <m:r>
-                          <a:rPr lang="en-US"/>
+                          <a:rPr lang="en-US">
+                            <a:latin typeface="Cambria Math" panose="02040503050406030204" pitchFamily="18" charset="0"/>
+                          </a:rPr>
                           <m:t>1</m:t>
                         </m:r>
                       </m:sub>
                     </m:sSub>
                     <m:r>
-                      <a:rPr lang="en-US" i="1"/>
+                      <a:rPr lang="en-US" i="1">
+                        <a:latin typeface="Cambria Math" panose="02040503050406030204" pitchFamily="18" charset="0"/>
+                      </a:rPr>
                       <m:t>∙</m:t>
                     </m:r>
                     <m:sSub>
                       <m:sSubPr>
                         <m:ctrlPr>
-                          <a:rPr lang="en-US" i="1"/>
+                          <a:rPr lang="en-US" i="1">
+                            <a:latin typeface="Cambria Math" panose="02040503050406030204" pitchFamily="18" charset="0"/>
+                          </a:rPr>
                         </m:ctrlPr>
                       </m:sSubPr>
                       <m:e>
@@ -18910,12 +20199,16 @@
                           <m:accPr>
                             <m:chr m:val="⃑"/>
                             <m:ctrlPr>
-                              <a:rPr lang="en-US" i="1"/>
+                              <a:rPr lang="en-US" i="1">
+                                <a:latin typeface="Cambria Math" panose="02040503050406030204" pitchFamily="18" charset="0"/>
+                              </a:rPr>
                             </m:ctrlPr>
                           </m:accPr>
                           <m:e>
                             <m:r>
-                              <a:rPr lang="en-US" i="1"/>
+                              <a:rPr lang="en-US" i="1">
+                                <a:latin typeface="Cambria Math" panose="02040503050406030204" pitchFamily="18" charset="0"/>
+                              </a:rPr>
                               <m:t>𝑉</m:t>
                             </m:r>
                           </m:e>
@@ -18923,72 +20216,96 @@
                       </m:e>
                       <m:sub>
                         <m:r>
-                          <a:rPr lang="en-US" i="1"/>
+                          <a:rPr lang="en-US" i="1">
+                            <a:latin typeface="Cambria Math" panose="02040503050406030204" pitchFamily="18" charset="0"/>
+                          </a:rPr>
                           <m:t>1</m:t>
                         </m:r>
                       </m:sub>
                     </m:sSub>
                     <m:r>
-                      <a:rPr lang="en-US"/>
+                      <a:rPr lang="en-US">
+                        <a:latin typeface="Cambria Math" panose="02040503050406030204" pitchFamily="18" charset="0"/>
+                      </a:rPr>
                       <m:t>=</m:t>
                     </m:r>
                     <m:sSub>
                       <m:sSubPr>
                         <m:ctrlPr>
-                          <a:rPr lang="en-US" i="1"/>
+                          <a:rPr lang="en-US" i="1">
+                            <a:latin typeface="Cambria Math" panose="02040503050406030204" pitchFamily="18" charset="0"/>
+                          </a:rPr>
                         </m:ctrlPr>
                       </m:sSubPr>
                       <m:e>
                         <m:sSub>
                           <m:sSubPr>
                             <m:ctrlPr>
-                              <a:rPr lang="en-US" i="1"/>
+                              <a:rPr lang="en-US" i="1">
+                                <a:latin typeface="Cambria Math" panose="02040503050406030204" pitchFamily="18" charset="0"/>
+                              </a:rPr>
                             </m:ctrlPr>
                           </m:sSubPr>
                           <m:e>
                             <m:r>
-                              <a:rPr lang="en-US" i="1"/>
+                              <a:rPr lang="en-US" i="1">
+                                <a:latin typeface="Cambria Math" panose="02040503050406030204" pitchFamily="18" charset="0"/>
+                              </a:rPr>
                               <m:t>𝑥</m:t>
                             </m:r>
                           </m:e>
                           <m:sub>
                             <m:r>
-                              <a:rPr lang="en-US" i="1"/>
+                              <a:rPr lang="en-US" i="1">
+                                <a:latin typeface="Cambria Math" panose="02040503050406030204" pitchFamily="18" charset="0"/>
+                              </a:rPr>
                               <m:t>1</m:t>
                             </m:r>
                           </m:sub>
                         </m:sSub>
                         <m:r>
-                          <a:rPr lang="en-US" i="1"/>
+                          <a:rPr lang="en-US" i="1">
+                            <a:latin typeface="Cambria Math" panose="02040503050406030204" pitchFamily="18" charset="0"/>
+                          </a:rPr>
                           <m:t>𝑥</m:t>
                         </m:r>
                       </m:e>
                       <m:sub>
                         <m:r>
-                          <a:rPr lang="en-US" i="1"/>
+                          <a:rPr lang="en-US" i="1">
+                            <a:latin typeface="Cambria Math" panose="02040503050406030204" pitchFamily="18" charset="0"/>
+                          </a:rPr>
                           <m:t>1</m:t>
                         </m:r>
                       </m:sub>
                     </m:sSub>
                     <m:r>
-                      <a:rPr lang="en-US" i="1"/>
+                      <a:rPr lang="en-US" i="1">
+                        <a:latin typeface="Cambria Math" panose="02040503050406030204" pitchFamily="18" charset="0"/>
+                      </a:rPr>
                       <m:t>+</m:t>
                     </m:r>
                     <m:sSub>
                       <m:sSubPr>
                         <m:ctrlPr>
-                          <a:rPr lang="en-US" i="1"/>
+                          <a:rPr lang="en-US" i="1">
+                            <a:latin typeface="Cambria Math" panose="02040503050406030204" pitchFamily="18" charset="0"/>
+                          </a:rPr>
                         </m:ctrlPr>
                       </m:sSubPr>
                       <m:e>
                         <m:r>
-                          <a:rPr lang="en-US" i="1"/>
+                          <a:rPr lang="en-US" i="1">
+                            <a:latin typeface="Cambria Math" panose="02040503050406030204" pitchFamily="18" charset="0"/>
+                          </a:rPr>
                           <m:t>𝑦</m:t>
                         </m:r>
                       </m:e>
                       <m:sub>
                         <m:r>
-                          <a:rPr lang="en-US" i="1"/>
+                          <a:rPr lang="en-US" i="1">
+                            <a:latin typeface="Cambria Math" panose="02040503050406030204" pitchFamily="18" charset="0"/>
+                          </a:rPr>
                           <m:t>1</m:t>
                         </m:r>
                       </m:sub>
@@ -18996,41 +20313,55 @@
                     <m:sSub>
                       <m:sSubPr>
                         <m:ctrlPr>
-                          <a:rPr lang="en-US" i="1"/>
+                          <a:rPr lang="en-US" i="1">
+                            <a:latin typeface="Cambria Math" panose="02040503050406030204" pitchFamily="18" charset="0"/>
+                          </a:rPr>
                         </m:ctrlPr>
                       </m:sSubPr>
                       <m:e>
                         <m:r>
-                          <a:rPr lang="en-US" i="1"/>
+                          <a:rPr lang="en-US" i="1">
+                            <a:latin typeface="Cambria Math" panose="02040503050406030204" pitchFamily="18" charset="0"/>
+                          </a:rPr>
                           <m:t>𝑦</m:t>
                         </m:r>
                       </m:e>
                       <m:sub>
                         <m:r>
-                          <a:rPr lang="en-US" i="1"/>
+                          <a:rPr lang="en-US" i="1">
+                            <a:latin typeface="Cambria Math" panose="02040503050406030204" pitchFamily="18" charset="0"/>
+                          </a:rPr>
                           <m:t>1</m:t>
                         </m:r>
                       </m:sub>
                     </m:sSub>
                     <m:r>
-                      <a:rPr lang="en-US" i="1"/>
+                      <a:rPr lang="en-US" i="1">
+                        <a:latin typeface="Cambria Math" panose="02040503050406030204" pitchFamily="18" charset="0"/>
+                      </a:rPr>
                       <m:t>+</m:t>
                     </m:r>
                     <m:sSub>
                       <m:sSubPr>
                         <m:ctrlPr>
-                          <a:rPr lang="en-US" i="1"/>
+                          <a:rPr lang="en-US" i="1">
+                            <a:latin typeface="Cambria Math" panose="02040503050406030204" pitchFamily="18" charset="0"/>
+                          </a:rPr>
                         </m:ctrlPr>
                       </m:sSubPr>
                       <m:e>
                         <m:r>
-                          <a:rPr lang="en-US" i="1"/>
+                          <a:rPr lang="en-US" i="1">
+                            <a:latin typeface="Cambria Math" panose="02040503050406030204" pitchFamily="18" charset="0"/>
+                          </a:rPr>
                           <m:t>𝑧</m:t>
                         </m:r>
                       </m:e>
                       <m:sub>
                         <m:r>
-                          <a:rPr lang="en-US" i="1"/>
+                          <a:rPr lang="en-US" i="1">
+                            <a:latin typeface="Cambria Math" panose="02040503050406030204" pitchFamily="18" charset="0"/>
+                          </a:rPr>
                           <m:t>1</m:t>
                         </m:r>
                       </m:sub>
@@ -19038,48 +20369,64 @@
                     <m:sSub>
                       <m:sSubPr>
                         <m:ctrlPr>
-                          <a:rPr lang="en-US" i="1"/>
+                          <a:rPr lang="en-US" i="1">
+                            <a:latin typeface="Cambria Math" panose="02040503050406030204" pitchFamily="18" charset="0"/>
+                          </a:rPr>
                         </m:ctrlPr>
                       </m:sSubPr>
                       <m:e>
                         <m:r>
-                          <a:rPr lang="en-US" i="1"/>
+                          <a:rPr lang="en-US" i="1">
+                            <a:latin typeface="Cambria Math" panose="02040503050406030204" pitchFamily="18" charset="0"/>
+                          </a:rPr>
                           <m:t>𝑧</m:t>
                         </m:r>
                       </m:e>
                       <m:sub>
                         <m:r>
-                          <a:rPr lang="en-US" i="1"/>
+                          <a:rPr lang="en-US" i="1">
+                            <a:latin typeface="Cambria Math" panose="02040503050406030204" pitchFamily="18" charset="0"/>
+                          </a:rPr>
                           <m:t>1</m:t>
                         </m:r>
                       </m:sub>
                     </m:sSub>
                     <m:r>
-                      <a:rPr lang="en-US" i="1"/>
+                      <a:rPr lang="en-US" i="1">
+                        <a:latin typeface="Cambria Math" panose="02040503050406030204" pitchFamily="18" charset="0"/>
+                      </a:rPr>
                       <m:t>=</m:t>
                     </m:r>
                     <m:sSup>
                       <m:sSupPr>
                         <m:ctrlPr>
-                          <a:rPr lang="en-US" i="1"/>
+                          <a:rPr lang="en-US" i="1">
+                            <a:latin typeface="Cambria Math" panose="02040503050406030204" pitchFamily="18" charset="0"/>
+                          </a:rPr>
                         </m:ctrlPr>
                       </m:sSupPr>
                       <m:e>
                         <m:sSub>
                           <m:sSubPr>
                             <m:ctrlPr>
-                              <a:rPr lang="en-US" i="1"/>
+                              <a:rPr lang="en-US" i="1">
+                                <a:latin typeface="Cambria Math" panose="02040503050406030204" pitchFamily="18" charset="0"/>
+                              </a:rPr>
                             </m:ctrlPr>
                           </m:sSubPr>
                           <m:e>
                             <m:r>
-                              <a:rPr lang="en-US" i="1"/>
+                              <a:rPr lang="en-US" i="1">
+                                <a:latin typeface="Cambria Math" panose="02040503050406030204" pitchFamily="18" charset="0"/>
+                              </a:rPr>
                               <m:t>𝑥</m:t>
                             </m:r>
                           </m:e>
                           <m:sub>
                             <m:r>
-                              <a:rPr lang="en-US" i="1"/>
+                              <a:rPr lang="en-US" i="1">
+                                <a:latin typeface="Cambria Math" panose="02040503050406030204" pitchFamily="18" charset="0"/>
+                              </a:rPr>
                               <m:t>1</m:t>
                             </m:r>
                           </m:sub>
@@ -19087,37 +20434,49 @@
                       </m:e>
                       <m:sup>
                         <m:r>
-                          <a:rPr lang="en-US" i="1"/>
+                          <a:rPr lang="en-US" i="1">
+                            <a:latin typeface="Cambria Math" panose="02040503050406030204" pitchFamily="18" charset="0"/>
+                          </a:rPr>
                           <m:t>2</m:t>
                         </m:r>
                       </m:sup>
                     </m:sSup>
                     <m:r>
-                      <a:rPr lang="en-US" i="1"/>
+                      <a:rPr lang="en-US" i="1">
+                        <a:latin typeface="Cambria Math" panose="02040503050406030204" pitchFamily="18" charset="0"/>
+                      </a:rPr>
                       <m:t>+</m:t>
                     </m:r>
                     <m:sSup>
                       <m:sSupPr>
                         <m:ctrlPr>
-                          <a:rPr lang="en-US" i="1"/>
+                          <a:rPr lang="en-US" i="1">
+                            <a:latin typeface="Cambria Math" panose="02040503050406030204" pitchFamily="18" charset="0"/>
+                          </a:rPr>
                         </m:ctrlPr>
                       </m:sSupPr>
                       <m:e>
                         <m:sSub>
                           <m:sSubPr>
                             <m:ctrlPr>
-                              <a:rPr lang="en-US" i="1"/>
+                              <a:rPr lang="en-US" i="1">
+                                <a:latin typeface="Cambria Math" panose="02040503050406030204" pitchFamily="18" charset="0"/>
+                              </a:rPr>
                             </m:ctrlPr>
                           </m:sSubPr>
                           <m:e>
                             <m:r>
-                              <a:rPr lang="en-US" i="1"/>
+                              <a:rPr lang="en-US" i="1">
+                                <a:latin typeface="Cambria Math" panose="02040503050406030204" pitchFamily="18" charset="0"/>
+                              </a:rPr>
                               <m:t>𝑦</m:t>
                             </m:r>
                           </m:e>
                           <m:sub>
                             <m:r>
-                              <a:rPr lang="en-US" i="1"/>
+                              <a:rPr lang="en-US" i="1">
+                                <a:latin typeface="Cambria Math" panose="02040503050406030204" pitchFamily="18" charset="0"/>
+                              </a:rPr>
                               <m:t>1</m:t>
                             </m:r>
                           </m:sub>
@@ -19125,37 +20484,49 @@
                       </m:e>
                       <m:sup>
                         <m:r>
-                          <a:rPr lang="en-US" i="1"/>
+                          <a:rPr lang="en-US" i="1">
+                            <a:latin typeface="Cambria Math" panose="02040503050406030204" pitchFamily="18" charset="0"/>
+                          </a:rPr>
                           <m:t>2</m:t>
                         </m:r>
                       </m:sup>
                     </m:sSup>
                     <m:r>
-                      <a:rPr lang="en-US" i="1"/>
+                      <a:rPr lang="en-US" i="1">
+                        <a:latin typeface="Cambria Math" panose="02040503050406030204" pitchFamily="18" charset="0"/>
+                      </a:rPr>
                       <m:t>+</m:t>
                     </m:r>
                     <m:sSup>
                       <m:sSupPr>
                         <m:ctrlPr>
-                          <a:rPr lang="en-US" i="1"/>
+                          <a:rPr lang="en-US" i="1">
+                            <a:latin typeface="Cambria Math" panose="02040503050406030204" pitchFamily="18" charset="0"/>
+                          </a:rPr>
                         </m:ctrlPr>
                       </m:sSupPr>
                       <m:e>
                         <m:sSub>
                           <m:sSubPr>
                             <m:ctrlPr>
-                              <a:rPr lang="en-US" i="1"/>
+                              <a:rPr lang="en-US" i="1">
+                                <a:latin typeface="Cambria Math" panose="02040503050406030204" pitchFamily="18" charset="0"/>
+                              </a:rPr>
                             </m:ctrlPr>
                           </m:sSubPr>
                           <m:e>
                             <m:r>
-                              <a:rPr lang="en-US" i="1"/>
+                              <a:rPr lang="en-US" i="1">
+                                <a:latin typeface="Cambria Math" panose="02040503050406030204" pitchFamily="18" charset="0"/>
+                              </a:rPr>
                               <m:t>𝑧</m:t>
                             </m:r>
                           </m:e>
                           <m:sub>
                             <m:r>
-                              <a:rPr lang="en-US" i="1"/>
+                              <a:rPr lang="en-US" i="1">
+                                <a:latin typeface="Cambria Math" panose="02040503050406030204" pitchFamily="18" charset="0"/>
+                              </a:rPr>
                               <m:t>1</m:t>
                             </m:r>
                           </m:sub>
@@ -19163,19 +20534,25 @@
                       </m:e>
                       <m:sup>
                         <m:r>
-                          <a:rPr lang="en-US" i="1"/>
+                          <a:rPr lang="en-US" i="1">
+                            <a:latin typeface="Cambria Math" panose="02040503050406030204" pitchFamily="18" charset="0"/>
+                          </a:rPr>
                           <m:t>2</m:t>
                         </m:r>
                       </m:sup>
                     </m:sSup>
                     <m:r>
-                      <a:rPr lang="en-US" i="1"/>
+                      <a:rPr lang="en-US" i="1">
+                        <a:latin typeface="Cambria Math" panose="02040503050406030204" pitchFamily="18" charset="0"/>
+                      </a:rPr>
                       <m:t>=</m:t>
                     </m:r>
                     <m:sSup>
                       <m:sSupPr>
                         <m:ctrlPr>
-                          <a:rPr lang="en-US" i="1"/>
+                          <a:rPr lang="en-US" i="1">
+                            <a:latin typeface="Cambria Math" panose="02040503050406030204" pitchFamily="18" charset="0"/>
+                          </a:rPr>
                         </m:ctrlPr>
                       </m:sSupPr>
                       <m:e>
@@ -19184,14 +20561,18 @@
                             <m:begChr m:val="‖"/>
                             <m:endChr m:val="‖"/>
                             <m:ctrlPr>
-                              <a:rPr lang="en-US" i="1"/>
+                              <a:rPr lang="en-US" i="1">
+                                <a:latin typeface="Cambria Math" panose="02040503050406030204" pitchFamily="18" charset="0"/>
+                              </a:rPr>
                             </m:ctrlPr>
                           </m:dPr>
                           <m:e>
                             <m:sSub>
                               <m:sSubPr>
                                 <m:ctrlPr>
-                                  <a:rPr lang="en-US" i="1"/>
+                                  <a:rPr lang="en-US" i="1">
+                                    <a:latin typeface="Cambria Math" panose="02040503050406030204" pitchFamily="18" charset="0"/>
+                                  </a:rPr>
                                 </m:ctrlPr>
                               </m:sSubPr>
                               <m:e>
@@ -19199,12 +20580,16 @@
                                   <m:accPr>
                                     <m:chr m:val="⃑"/>
                                     <m:ctrlPr>
-                                      <a:rPr lang="en-US" i="1"/>
+                                      <a:rPr lang="en-US" i="1">
+                                        <a:latin typeface="Cambria Math" panose="02040503050406030204" pitchFamily="18" charset="0"/>
+                                      </a:rPr>
                                     </m:ctrlPr>
                                   </m:accPr>
                                   <m:e>
                                     <m:r>
-                                      <a:rPr lang="en-US" i="1"/>
+                                      <a:rPr lang="en-US" i="1">
+                                        <a:latin typeface="Cambria Math" panose="02040503050406030204" pitchFamily="18" charset="0"/>
+                                      </a:rPr>
                                       <m:t>𝑉</m:t>
                                     </m:r>
                                   </m:e>
@@ -19212,7 +20597,9 @@
                               </m:e>
                               <m:sub>
                                 <m:r>
-                                  <a:rPr lang="en-US" i="1"/>
+                                  <a:rPr lang="en-US" i="1">
+                                    <a:latin typeface="Cambria Math" panose="02040503050406030204" pitchFamily="18" charset="0"/>
+                                  </a:rPr>
                                   <m:t>1</m:t>
                                 </m:r>
                               </m:sub>
@@ -19222,7 +20609,9 @@
                       </m:e>
                       <m:sup>
                         <m:r>
-                          <a:rPr lang="en-US" i="1"/>
+                          <a:rPr lang="en-US" i="1">
+                            <a:latin typeface="Cambria Math" panose="02040503050406030204" pitchFamily="18" charset="0"/>
+                          </a:rPr>
                           <m:t>2</m:t>
                         </m:r>
                       </m:sup>
@@ -19254,7 +20643,9 @@
                     <m:sSub>
                       <m:sSubPr>
                         <m:ctrlPr>
-                          <a:rPr lang="en-US" i="1"/>
+                          <a:rPr lang="en-US" i="1">
+                            <a:latin typeface="Cambria Math" panose="02040503050406030204" pitchFamily="18" charset="0"/>
+                          </a:rPr>
                         </m:ctrlPr>
                       </m:sSubPr>
                       <m:e>
@@ -19262,12 +20653,16 @@
                           <m:accPr>
                             <m:chr m:val="⃑"/>
                             <m:ctrlPr>
-                              <a:rPr lang="en-US" i="1"/>
+                              <a:rPr lang="en-US" i="1">
+                                <a:latin typeface="Cambria Math" panose="02040503050406030204" pitchFamily="18" charset="0"/>
+                              </a:rPr>
                             </m:ctrlPr>
                           </m:accPr>
                           <m:e>
                             <m:r>
-                              <a:rPr lang="en-US" i="1"/>
+                              <a:rPr lang="en-US" i="1">
+                                <a:latin typeface="Cambria Math" panose="02040503050406030204" pitchFamily="18" charset="0"/>
+                              </a:rPr>
                               <m:t>𝑉</m:t>
                             </m:r>
                           </m:e>
@@ -19275,35 +20670,49 @@
                       </m:e>
                       <m:sub>
                         <m:r>
-                          <a:rPr lang="en-US"/>
+                          <a:rPr lang="en-US">
+                            <a:latin typeface="Cambria Math" panose="02040503050406030204" pitchFamily="18" charset="0"/>
+                          </a:rPr>
                           <m:t>1</m:t>
                         </m:r>
                       </m:sub>
                     </m:sSub>
                     <m:r>
-                      <a:rPr lang="en-US" i="1"/>
+                      <a:rPr lang="en-US" i="1">
+                        <a:latin typeface="Cambria Math" panose="02040503050406030204" pitchFamily="18" charset="0"/>
+                      </a:rPr>
                       <m:t>∙</m:t>
                     </m:r>
                     <m:r>
-                      <a:rPr lang="en-US" i="1"/>
+                      <a:rPr lang="en-US" i="1">
+                        <a:latin typeface="Cambria Math" panose="02040503050406030204" pitchFamily="18" charset="0"/>
+                      </a:rPr>
                       <m:t>𝑍𝑒𝑟𝑜𝑉𝑒𝑐𝑡𝑜𝑟</m:t>
                     </m:r>
                     <m:r>
-                      <a:rPr lang="en-US"/>
+                      <a:rPr lang="en-US">
+                        <a:latin typeface="Cambria Math" panose="02040503050406030204" pitchFamily="18" charset="0"/>
+                      </a:rPr>
                       <m:t>=</m:t>
                     </m:r>
                     <m:r>
-                      <a:rPr lang="en-US" i="1"/>
+                      <a:rPr lang="en-US" i="1">
+                        <a:latin typeface="Cambria Math" panose="02040503050406030204" pitchFamily="18" charset="0"/>
+                      </a:rPr>
                       <m:t>𝑍𝑒𝑟𝑜𝑉𝑒𝑐𝑡𝑜𝑟</m:t>
                     </m:r>
                     <m:r>
-                      <a:rPr lang="en-US" i="1"/>
+                      <a:rPr lang="en-US" i="1">
+                        <a:latin typeface="Cambria Math" panose="02040503050406030204" pitchFamily="18" charset="0"/>
+                      </a:rPr>
                       <m:t>∙</m:t>
                     </m:r>
                     <m:sSub>
                       <m:sSubPr>
                         <m:ctrlPr>
-                          <a:rPr lang="en-US" i="1"/>
+                          <a:rPr lang="en-US" i="1">
+                            <a:latin typeface="Cambria Math" panose="02040503050406030204" pitchFamily="18" charset="0"/>
+                          </a:rPr>
                         </m:ctrlPr>
                       </m:sSubPr>
                       <m:e>
@@ -19311,12 +20720,16 @@
                           <m:accPr>
                             <m:chr m:val="⃑"/>
                             <m:ctrlPr>
-                              <a:rPr lang="en-US" i="1"/>
+                              <a:rPr lang="en-US" i="1">
+                                <a:latin typeface="Cambria Math" panose="02040503050406030204" pitchFamily="18" charset="0"/>
+                              </a:rPr>
                             </m:ctrlPr>
                           </m:accPr>
                           <m:e>
                             <m:r>
-                              <a:rPr lang="en-US" i="1"/>
+                              <a:rPr lang="en-US" i="1">
+                                <a:latin typeface="Cambria Math" panose="02040503050406030204" pitchFamily="18" charset="0"/>
+                              </a:rPr>
                               <m:t>𝑉</m:t>
                             </m:r>
                           </m:e>
@@ -19324,17 +20737,23 @@
                       </m:e>
                       <m:sub>
                         <m:r>
-                          <a:rPr lang="en-US"/>
+                          <a:rPr lang="en-US">
+                            <a:latin typeface="Cambria Math" panose="02040503050406030204" pitchFamily="18" charset="0"/>
+                          </a:rPr>
                           <m:t>1</m:t>
                         </m:r>
                       </m:sub>
                     </m:sSub>
                     <m:r>
-                      <a:rPr lang="en-US" i="1"/>
+                      <a:rPr lang="en-US" i="1">
+                        <a:latin typeface="Cambria Math" panose="02040503050406030204" pitchFamily="18" charset="0"/>
+                      </a:rPr>
                       <m:t>=</m:t>
                     </m:r>
                     <m:r>
-                      <a:rPr lang="en-US" i="1"/>
+                      <a:rPr lang="en-US" i="1">
+                        <a:latin typeface="Cambria Math" panose="02040503050406030204" pitchFamily="18" charset="0"/>
+                      </a:rPr>
                       <m:t>𝑍𝑒𝑟𝑜𝑉𝑒𝑐𝑡𝑜𝑟</m:t>
                     </m:r>
                   </m:oMath>
@@ -19351,7 +20770,7 @@
             </p:txBody>
           </p:sp>
         </mc:Choice>
-        <mc:Fallback>
+        <mc:Fallback xmlns="">
           <p:sp>
             <p:nvSpPr>
               <p:cNvPr id="3" name="Content Placeholder 2">
@@ -19449,8 +20868,8 @@
           </a:p>
         </p:txBody>
       </p:sp>
-      <mc:AlternateContent xmlns:mc="http://schemas.openxmlformats.org/markup-compatibility/2006">
-        <mc:Choice xmlns:a14="http://schemas.microsoft.com/office/drawing/2010/main" Requires="a14">
+      <mc:AlternateContent xmlns:mc="http://schemas.openxmlformats.org/markup-compatibility/2006" xmlns:a14="http://schemas.microsoft.com/office/drawing/2010/main">
+        <mc:Choice Requires="a14">
           <p:sp>
             <p:nvSpPr>
               <p:cNvPr id="5" name="Content Placeholder 4">
@@ -19484,7 +20903,9 @@
                     <m:sSub>
                       <m:sSubPr>
                         <m:ctrlPr>
-                          <a:rPr lang="en-US" i="1"/>
+                          <a:rPr lang="en-US" i="1">
+                            <a:latin typeface="Cambria Math" panose="02040503050406030204" pitchFamily="18" charset="0"/>
+                          </a:rPr>
                         </m:ctrlPr>
                       </m:sSubPr>
                       <m:e>
@@ -19492,12 +20913,16 @@
                           <m:accPr>
                             <m:chr m:val="⃑"/>
                             <m:ctrlPr>
-                              <a:rPr lang="en-US" i="1"/>
+                              <a:rPr lang="en-US" i="1">
+                                <a:latin typeface="Cambria Math" panose="02040503050406030204" pitchFamily="18" charset="0"/>
+                              </a:rPr>
                             </m:ctrlPr>
                           </m:accPr>
                           <m:e>
                             <m:r>
-                              <a:rPr lang="en-US" i="1"/>
+                              <a:rPr lang="en-US" i="1">
+                                <a:latin typeface="Cambria Math" panose="02040503050406030204" pitchFamily="18" charset="0"/>
+                              </a:rPr>
                               <m:t>𝑉</m:t>
                             </m:r>
                           </m:e>
@@ -19505,19 +20930,25 @@
                       </m:e>
                       <m:sub>
                         <m:r>
-                          <a:rPr lang="en-US" i="1"/>
+                          <a:rPr lang="en-US" i="1">
+                            <a:latin typeface="Cambria Math" panose="02040503050406030204" pitchFamily="18" charset="0"/>
+                          </a:rPr>
                           <m:t>1</m:t>
                         </m:r>
                       </m:sub>
                     </m:sSub>
                     <m:r>
-                      <a:rPr lang="en-US" i="1"/>
+                      <a:rPr lang="en-US" i="1">
+                        <a:latin typeface="Cambria Math" panose="02040503050406030204" pitchFamily="18" charset="0"/>
+                      </a:rPr>
                       <m:t>∙</m:t>
                     </m:r>
                     <m:sSub>
                       <m:sSubPr>
                         <m:ctrlPr>
-                          <a:rPr lang="en-US" i="1"/>
+                          <a:rPr lang="en-US" i="1">
+                            <a:latin typeface="Cambria Math" panose="02040503050406030204" pitchFamily="18" charset="0"/>
+                          </a:rPr>
                         </m:ctrlPr>
                       </m:sSubPr>
                       <m:e>
@@ -19525,12 +20956,16 @@
                           <m:accPr>
                             <m:chr m:val="⃑"/>
                             <m:ctrlPr>
-                              <a:rPr lang="en-US" i="1"/>
+                              <a:rPr lang="en-US" i="1">
+                                <a:latin typeface="Cambria Math" panose="02040503050406030204" pitchFamily="18" charset="0"/>
+                              </a:rPr>
                             </m:ctrlPr>
                           </m:accPr>
                           <m:e>
                             <m:r>
-                              <a:rPr lang="en-US" i="1"/>
+                              <a:rPr lang="en-US" i="1">
+                                <a:latin typeface="Cambria Math" panose="02040503050406030204" pitchFamily="18" charset="0"/>
+                              </a:rPr>
                               <m:t>𝑉</m:t>
                             </m:r>
                           </m:e>
@@ -19538,72 +20973,96 @@
                       </m:e>
                       <m:sub>
                         <m:r>
-                          <a:rPr lang="en-US" i="1"/>
+                          <a:rPr lang="en-US" i="1">
+                            <a:latin typeface="Cambria Math" panose="02040503050406030204" pitchFamily="18" charset="0"/>
+                          </a:rPr>
                           <m:t>2</m:t>
                         </m:r>
                       </m:sub>
                     </m:sSub>
                     <m:r>
-                      <a:rPr lang="en-US" i="1"/>
+                      <a:rPr lang="en-US" i="1">
+                        <a:latin typeface="Cambria Math" panose="02040503050406030204" pitchFamily="18" charset="0"/>
+                      </a:rPr>
                       <m:t>=</m:t>
                     </m:r>
                     <m:sSub>
                       <m:sSubPr>
                         <m:ctrlPr>
-                          <a:rPr lang="en-US" i="1"/>
+                          <a:rPr lang="en-US" i="1">
+                            <a:latin typeface="Cambria Math" panose="02040503050406030204" pitchFamily="18" charset="0"/>
+                          </a:rPr>
                         </m:ctrlPr>
                       </m:sSubPr>
                       <m:e>
                         <m:sSub>
                           <m:sSubPr>
                             <m:ctrlPr>
-                              <a:rPr lang="en-US" i="1"/>
+                              <a:rPr lang="en-US" i="1">
+                                <a:latin typeface="Cambria Math" panose="02040503050406030204" pitchFamily="18" charset="0"/>
+                              </a:rPr>
                             </m:ctrlPr>
                           </m:sSubPr>
                           <m:e>
                             <m:r>
-                              <a:rPr lang="en-US" i="1"/>
+                              <a:rPr lang="en-US" i="1">
+                                <a:latin typeface="Cambria Math" panose="02040503050406030204" pitchFamily="18" charset="0"/>
+                              </a:rPr>
                               <m:t>𝑥</m:t>
                             </m:r>
                           </m:e>
                           <m:sub>
                             <m:r>
-                              <a:rPr lang="en-US" i="1"/>
+                              <a:rPr lang="en-US" i="1">
+                                <a:latin typeface="Cambria Math" panose="02040503050406030204" pitchFamily="18" charset="0"/>
+                              </a:rPr>
                               <m:t>1</m:t>
                             </m:r>
                           </m:sub>
                         </m:sSub>
                         <m:r>
-                          <a:rPr lang="en-US" i="1"/>
+                          <a:rPr lang="en-US" i="1">
+                            <a:latin typeface="Cambria Math" panose="02040503050406030204" pitchFamily="18" charset="0"/>
+                          </a:rPr>
                           <m:t>𝑥</m:t>
                         </m:r>
                       </m:e>
                       <m:sub>
                         <m:r>
-                          <a:rPr lang="en-US" i="1"/>
+                          <a:rPr lang="en-US" i="1">
+                            <a:latin typeface="Cambria Math" panose="02040503050406030204" pitchFamily="18" charset="0"/>
+                          </a:rPr>
                           <m:t>2</m:t>
                         </m:r>
                       </m:sub>
                     </m:sSub>
                     <m:r>
-                      <a:rPr lang="en-US" i="1"/>
+                      <a:rPr lang="en-US" i="1">
+                        <a:latin typeface="Cambria Math" panose="02040503050406030204" pitchFamily="18" charset="0"/>
+                      </a:rPr>
                       <m:t>+</m:t>
                     </m:r>
                     <m:sSub>
                       <m:sSubPr>
                         <m:ctrlPr>
-                          <a:rPr lang="en-US" i="1"/>
+                          <a:rPr lang="en-US" i="1">
+                            <a:latin typeface="Cambria Math" panose="02040503050406030204" pitchFamily="18" charset="0"/>
+                          </a:rPr>
                         </m:ctrlPr>
                       </m:sSubPr>
                       <m:e>
                         <m:r>
-                          <a:rPr lang="en-US" i="1"/>
+                          <a:rPr lang="en-US" i="1">
+                            <a:latin typeface="Cambria Math" panose="02040503050406030204" pitchFamily="18" charset="0"/>
+                          </a:rPr>
                           <m:t>𝑦</m:t>
                         </m:r>
                       </m:e>
                       <m:sub>
                         <m:r>
-                          <a:rPr lang="en-US" i="1"/>
+                          <a:rPr lang="en-US" i="1">
+                            <a:latin typeface="Cambria Math" panose="02040503050406030204" pitchFamily="18" charset="0"/>
+                          </a:rPr>
                           <m:t>1</m:t>
                         </m:r>
                       </m:sub>
@@ -19611,41 +21070,55 @@
                     <m:sSub>
                       <m:sSubPr>
                         <m:ctrlPr>
-                          <a:rPr lang="en-US" i="1"/>
+                          <a:rPr lang="en-US" i="1">
+                            <a:latin typeface="Cambria Math" panose="02040503050406030204" pitchFamily="18" charset="0"/>
+                          </a:rPr>
                         </m:ctrlPr>
                       </m:sSubPr>
                       <m:e>
                         <m:r>
-                          <a:rPr lang="en-US" i="1"/>
+                          <a:rPr lang="en-US" i="1">
+                            <a:latin typeface="Cambria Math" panose="02040503050406030204" pitchFamily="18" charset="0"/>
+                          </a:rPr>
                           <m:t>𝑦</m:t>
                         </m:r>
                       </m:e>
                       <m:sub>
                         <m:r>
-                          <a:rPr lang="en-US" i="1"/>
+                          <a:rPr lang="en-US" i="1">
+                            <a:latin typeface="Cambria Math" panose="02040503050406030204" pitchFamily="18" charset="0"/>
+                          </a:rPr>
                           <m:t>2</m:t>
                         </m:r>
                       </m:sub>
                     </m:sSub>
                     <m:r>
-                      <a:rPr lang="en-US" i="1"/>
+                      <a:rPr lang="en-US" i="1">
+                        <a:latin typeface="Cambria Math" panose="02040503050406030204" pitchFamily="18" charset="0"/>
+                      </a:rPr>
                       <m:t>+</m:t>
                     </m:r>
                     <m:sSub>
                       <m:sSubPr>
                         <m:ctrlPr>
-                          <a:rPr lang="en-US" i="1"/>
+                          <a:rPr lang="en-US" i="1">
+                            <a:latin typeface="Cambria Math" panose="02040503050406030204" pitchFamily="18" charset="0"/>
+                          </a:rPr>
                         </m:ctrlPr>
                       </m:sSubPr>
                       <m:e>
                         <m:r>
-                          <a:rPr lang="en-US" i="1"/>
+                          <a:rPr lang="en-US" i="1">
+                            <a:latin typeface="Cambria Math" panose="02040503050406030204" pitchFamily="18" charset="0"/>
+                          </a:rPr>
                           <m:t>𝑧</m:t>
                         </m:r>
                       </m:e>
                       <m:sub>
                         <m:r>
-                          <a:rPr lang="en-US" i="1"/>
+                          <a:rPr lang="en-US" i="1">
+                            <a:latin typeface="Cambria Math" panose="02040503050406030204" pitchFamily="18" charset="0"/>
+                          </a:rPr>
                           <m:t>1</m:t>
                         </m:r>
                       </m:sub>
@@ -19653,24 +21126,32 @@
                     <m:sSub>
                       <m:sSubPr>
                         <m:ctrlPr>
-                          <a:rPr lang="en-US" i="1"/>
+                          <a:rPr lang="en-US" i="1">
+                            <a:latin typeface="Cambria Math" panose="02040503050406030204" pitchFamily="18" charset="0"/>
+                          </a:rPr>
                         </m:ctrlPr>
                       </m:sSubPr>
                       <m:e>
                         <m:r>
-                          <a:rPr lang="en-US" i="1"/>
+                          <a:rPr lang="en-US" i="1">
+                            <a:latin typeface="Cambria Math" panose="02040503050406030204" pitchFamily="18" charset="0"/>
+                          </a:rPr>
                           <m:t>𝑧</m:t>
                         </m:r>
                       </m:e>
                       <m:sub>
                         <m:r>
-                          <a:rPr lang="en-US" i="1"/>
+                          <a:rPr lang="en-US" i="1">
+                            <a:latin typeface="Cambria Math" panose="02040503050406030204" pitchFamily="18" charset="0"/>
+                          </a:rPr>
                           <m:t>2</m:t>
                         </m:r>
                       </m:sub>
                     </m:sSub>
                     <m:r>
-                      <a:rPr lang="en-US" i="1"/>
+                      <a:rPr lang="en-US" i="1">
+                        <a:latin typeface="Cambria Math" panose="02040503050406030204" pitchFamily="18" charset="0"/>
+                      </a:rPr>
                       <m:t>=</m:t>
                     </m:r>
                     <m:d>
@@ -19678,14 +21159,18 @@
                         <m:begChr m:val="‖"/>
                         <m:endChr m:val="‖"/>
                         <m:ctrlPr>
-                          <a:rPr lang="en-US" i="1"/>
+                          <a:rPr lang="en-US" i="1">
+                            <a:latin typeface="Cambria Math" panose="02040503050406030204" pitchFamily="18" charset="0"/>
+                          </a:rPr>
                         </m:ctrlPr>
                       </m:dPr>
                       <m:e>
                         <m:sSub>
                           <m:sSubPr>
                             <m:ctrlPr>
-                              <a:rPr lang="en-US" i="1"/>
+                              <a:rPr lang="en-US" i="1">
+                                <a:latin typeface="Cambria Math" panose="02040503050406030204" pitchFamily="18" charset="0"/>
+                              </a:rPr>
                             </m:ctrlPr>
                           </m:sSubPr>
                           <m:e>
@@ -19693,12 +21178,16 @@
                               <m:accPr>
                                 <m:chr m:val="⃑"/>
                                 <m:ctrlPr>
-                                  <a:rPr lang="en-US" i="1"/>
+                                  <a:rPr lang="en-US" i="1">
+                                    <a:latin typeface="Cambria Math" panose="02040503050406030204" pitchFamily="18" charset="0"/>
+                                  </a:rPr>
                                 </m:ctrlPr>
                               </m:accPr>
                               <m:e>
                                 <m:r>
-                                  <a:rPr lang="en-US" i="1"/>
+                                  <a:rPr lang="en-US" i="1">
+                                    <a:latin typeface="Cambria Math" panose="02040503050406030204" pitchFamily="18" charset="0"/>
+                                  </a:rPr>
                                   <m:t>𝑉</m:t>
                                 </m:r>
                               </m:e>
@@ -19706,7 +21195,9 @@
                           </m:e>
                           <m:sub>
                             <m:r>
-                              <a:rPr lang="en-US" i="1"/>
+                              <a:rPr lang="en-US" i="1">
+                                <a:latin typeface="Cambria Math" panose="02040503050406030204" pitchFamily="18" charset="0"/>
+                              </a:rPr>
                               <m:t>1</m:t>
                             </m:r>
                           </m:sub>
@@ -19718,14 +21209,18 @@
                         <m:begChr m:val="‖"/>
                         <m:endChr m:val="‖"/>
                         <m:ctrlPr>
-                          <a:rPr lang="en-US" i="1"/>
+                          <a:rPr lang="en-US" i="1">
+                            <a:latin typeface="Cambria Math" panose="02040503050406030204" pitchFamily="18" charset="0"/>
+                          </a:rPr>
                         </m:ctrlPr>
                       </m:dPr>
                       <m:e>
                         <m:sSub>
                           <m:sSubPr>
                             <m:ctrlPr>
-                              <a:rPr lang="en-US" i="1"/>
+                              <a:rPr lang="en-US" i="1">
+                                <a:latin typeface="Cambria Math" panose="02040503050406030204" pitchFamily="18" charset="0"/>
+                              </a:rPr>
                             </m:ctrlPr>
                           </m:sSubPr>
                           <m:e>
@@ -19733,12 +21228,16 @@
                               <m:accPr>
                                 <m:chr m:val="⃑"/>
                                 <m:ctrlPr>
-                                  <a:rPr lang="en-US" i="1"/>
+                                  <a:rPr lang="en-US" i="1">
+                                    <a:latin typeface="Cambria Math" panose="02040503050406030204" pitchFamily="18" charset="0"/>
+                                  </a:rPr>
                                 </m:ctrlPr>
                               </m:accPr>
                               <m:e>
                                 <m:r>
-                                  <a:rPr lang="en-US" i="1"/>
+                                  <a:rPr lang="en-US" i="1">
+                                    <a:latin typeface="Cambria Math" panose="02040503050406030204" pitchFamily="18" charset="0"/>
+                                  </a:rPr>
                                   <m:t>𝑉</m:t>
                                 </m:r>
                               </m:e>
@@ -19746,7 +21245,9 @@
                           </m:e>
                           <m:sub>
                             <m:r>
-                              <a:rPr lang="en-US" i="1"/>
+                              <a:rPr lang="en-US" i="1">
+                                <a:latin typeface="Cambria Math" panose="02040503050406030204" pitchFamily="18" charset="0"/>
+                              </a:rPr>
                               <m:t>2</m:t>
                             </m:r>
                           </m:sub>
@@ -19756,7 +21257,9 @@
                     <m:func>
                       <m:funcPr>
                         <m:ctrlPr>
-                          <a:rPr lang="en-US" i="1"/>
+                          <a:rPr lang="en-US" i="1">
+                            <a:latin typeface="Cambria Math" panose="02040503050406030204" pitchFamily="18" charset="0"/>
+                          </a:rPr>
                         </m:ctrlPr>
                       </m:funcPr>
                       <m:fName>
@@ -19764,13 +21267,17 @@
                           <m:rPr>
                             <m:sty m:val="p"/>
                           </m:rPr>
-                          <a:rPr lang="en-US"/>
+                          <a:rPr lang="en-US">
+                            <a:latin typeface="Cambria Math" panose="02040503050406030204" pitchFamily="18" charset="0"/>
+                          </a:rPr>
                           <m:t>cos</m:t>
                         </m:r>
                       </m:fName>
                       <m:e>
                         <m:r>
-                          <a:rPr lang="en-US" i="1"/>
+                          <a:rPr lang="en-US" i="1">
+                            <a:latin typeface="Cambria Math" panose="02040503050406030204" pitchFamily="18" charset="0"/>
+                          </a:rPr>
                           <m:t>𝜃</m:t>
                         </m:r>
                       </m:e>
@@ -19789,7 +21296,9 @@
                     <m:sSub>
                       <m:sSubPr>
                         <m:ctrlPr>
-                          <a:rPr lang="en-US" i="1"/>
+                          <a:rPr lang="en-US" i="1">
+                            <a:latin typeface="Cambria Math" panose="02040503050406030204" pitchFamily="18" charset="0"/>
+                          </a:rPr>
                         </m:ctrlPr>
                       </m:sSubPr>
                       <m:e>
@@ -19797,12 +21306,16 @@
                           <m:accPr>
                             <m:chr m:val="̂"/>
                             <m:ctrlPr>
-                              <a:rPr lang="en-US" i="1"/>
+                              <a:rPr lang="en-US" i="1">
+                                <a:latin typeface="Cambria Math" panose="02040503050406030204" pitchFamily="18" charset="0"/>
+                              </a:rPr>
                             </m:ctrlPr>
                           </m:accPr>
                           <m:e>
                             <m:r>
-                              <a:rPr lang="en-US" i="1"/>
+                              <a:rPr lang="en-US" i="1">
+                                <a:latin typeface="Cambria Math" panose="02040503050406030204" pitchFamily="18" charset="0"/>
+                              </a:rPr>
                               <m:t>𝑉</m:t>
                             </m:r>
                           </m:e>
@@ -19810,19 +21323,25 @@
                       </m:e>
                       <m:sub>
                         <m:r>
-                          <a:rPr lang="en-US"/>
+                          <a:rPr lang="en-US">
+                            <a:latin typeface="Cambria Math" panose="02040503050406030204" pitchFamily="18" charset="0"/>
+                          </a:rPr>
                           <m:t>1</m:t>
                         </m:r>
                       </m:sub>
                     </m:sSub>
                     <m:r>
-                      <a:rPr lang="en-US" i="1"/>
+                      <a:rPr lang="en-US" i="1">
+                        <a:latin typeface="Cambria Math" panose="02040503050406030204" pitchFamily="18" charset="0"/>
+                      </a:rPr>
                       <m:t>∙</m:t>
                     </m:r>
                     <m:sSub>
                       <m:sSubPr>
                         <m:ctrlPr>
-                          <a:rPr lang="en-US" i="1"/>
+                          <a:rPr lang="en-US" i="1">
+                            <a:latin typeface="Cambria Math" panose="02040503050406030204" pitchFamily="18" charset="0"/>
+                          </a:rPr>
                         </m:ctrlPr>
                       </m:sSubPr>
                       <m:e>
@@ -19830,12 +21349,16 @@
                           <m:accPr>
                             <m:chr m:val="̂"/>
                             <m:ctrlPr>
-                              <a:rPr lang="en-US" i="1"/>
+                              <a:rPr lang="en-US" i="1">
+                                <a:latin typeface="Cambria Math" panose="02040503050406030204" pitchFamily="18" charset="0"/>
+                              </a:rPr>
                             </m:ctrlPr>
                           </m:accPr>
                           <m:e>
                             <m:r>
-                              <a:rPr lang="en-US" i="1"/>
+                              <a:rPr lang="en-US" i="1">
+                                <a:latin typeface="Cambria Math" panose="02040503050406030204" pitchFamily="18" charset="0"/>
+                              </a:rPr>
                               <m:t>𝑉</m:t>
                             </m:r>
                           </m:e>
@@ -19843,13 +21366,17 @@
                       </m:e>
                       <m:sub>
                         <m:r>
-                          <a:rPr lang="en-US"/>
+                          <a:rPr lang="en-US">
+                            <a:latin typeface="Cambria Math" panose="02040503050406030204" pitchFamily="18" charset="0"/>
+                          </a:rPr>
                           <m:t>2</m:t>
                         </m:r>
                       </m:sub>
                     </m:sSub>
                     <m:r>
-                      <a:rPr lang="en-US" i="1"/>
+                      <a:rPr lang="en-US" i="1">
+                        <a:latin typeface="Cambria Math" panose="02040503050406030204" pitchFamily="18" charset="0"/>
+                      </a:rPr>
                       <m:t>=</m:t>
                     </m:r>
                     <m:d>
@@ -19857,14 +21384,18 @@
                         <m:begChr m:val="‖"/>
                         <m:endChr m:val="‖"/>
                         <m:ctrlPr>
-                          <a:rPr lang="en-US" i="1"/>
+                          <a:rPr lang="en-US" i="1">
+                            <a:latin typeface="Cambria Math" panose="02040503050406030204" pitchFamily="18" charset="0"/>
+                          </a:rPr>
                         </m:ctrlPr>
                       </m:dPr>
                       <m:e>
                         <m:sSub>
                           <m:sSubPr>
                             <m:ctrlPr>
-                              <a:rPr lang="en-US" i="1"/>
+                              <a:rPr lang="en-US" i="1">
+                                <a:latin typeface="Cambria Math" panose="02040503050406030204" pitchFamily="18" charset="0"/>
+                              </a:rPr>
                             </m:ctrlPr>
                           </m:sSubPr>
                           <m:e>
@@ -19872,12 +21403,16 @@
                               <m:accPr>
                                 <m:chr m:val="̂"/>
                                 <m:ctrlPr>
-                                  <a:rPr lang="en-US" i="1"/>
+                                  <a:rPr lang="en-US" i="1">
+                                    <a:latin typeface="Cambria Math" panose="02040503050406030204" pitchFamily="18" charset="0"/>
+                                  </a:rPr>
                                 </m:ctrlPr>
                               </m:accPr>
                               <m:e>
                                 <m:r>
-                                  <a:rPr lang="en-US" i="1"/>
+                                  <a:rPr lang="en-US" i="1">
+                                    <a:latin typeface="Cambria Math" panose="02040503050406030204" pitchFamily="18" charset="0"/>
+                                  </a:rPr>
                                   <m:t>𝑉</m:t>
                                 </m:r>
                               </m:e>
@@ -19885,7 +21420,9 @@
                           </m:e>
                           <m:sub>
                             <m:r>
-                              <a:rPr lang="en-US"/>
+                              <a:rPr lang="en-US">
+                                <a:latin typeface="Cambria Math" panose="02040503050406030204" pitchFamily="18" charset="0"/>
+                              </a:rPr>
                               <m:t>1</m:t>
                             </m:r>
                           </m:sub>
@@ -19897,14 +21434,18 @@
                         <m:begChr m:val="‖"/>
                         <m:endChr m:val="‖"/>
                         <m:ctrlPr>
-                          <a:rPr lang="en-US" i="1"/>
+                          <a:rPr lang="en-US" i="1">
+                            <a:latin typeface="Cambria Math" panose="02040503050406030204" pitchFamily="18" charset="0"/>
+                          </a:rPr>
                         </m:ctrlPr>
                       </m:dPr>
                       <m:e>
                         <m:sSub>
                           <m:sSubPr>
                             <m:ctrlPr>
-                              <a:rPr lang="en-US" i="1"/>
+                              <a:rPr lang="en-US" i="1">
+                                <a:latin typeface="Cambria Math" panose="02040503050406030204" pitchFamily="18" charset="0"/>
+                              </a:rPr>
                             </m:ctrlPr>
                           </m:sSubPr>
                           <m:e>
@@ -19912,12 +21453,16 @@
                               <m:accPr>
                                 <m:chr m:val="̂"/>
                                 <m:ctrlPr>
-                                  <a:rPr lang="en-US" i="1"/>
+                                  <a:rPr lang="en-US" i="1">
+                                    <a:latin typeface="Cambria Math" panose="02040503050406030204" pitchFamily="18" charset="0"/>
+                                  </a:rPr>
                                 </m:ctrlPr>
                               </m:accPr>
                               <m:e>
                                 <m:r>
-                                  <a:rPr lang="en-US" i="1"/>
+                                  <a:rPr lang="en-US" i="1">
+                                    <a:latin typeface="Cambria Math" panose="02040503050406030204" pitchFamily="18" charset="0"/>
+                                  </a:rPr>
                                   <m:t>𝑉</m:t>
                                 </m:r>
                               </m:e>
@@ -19925,7 +21470,9 @@
                           </m:e>
                           <m:sub>
                             <m:r>
-                              <a:rPr lang="en-US"/>
+                              <a:rPr lang="en-US">
+                                <a:latin typeface="Cambria Math" panose="02040503050406030204" pitchFamily="18" charset="0"/>
+                              </a:rPr>
                               <m:t>2</m:t>
                             </m:r>
                           </m:sub>
@@ -19935,7 +21482,9 @@
                     <m:func>
                       <m:funcPr>
                         <m:ctrlPr>
-                          <a:rPr lang="en-US" i="1"/>
+                          <a:rPr lang="en-US" i="1">
+                            <a:latin typeface="Cambria Math" panose="02040503050406030204" pitchFamily="18" charset="0"/>
+                          </a:rPr>
                         </m:ctrlPr>
                       </m:funcPr>
                       <m:fName>
@@ -19943,25 +21492,33 @@
                           <m:rPr>
                             <m:sty m:val="p"/>
                           </m:rPr>
-                          <a:rPr lang="en-US"/>
+                          <a:rPr lang="en-US">
+                            <a:latin typeface="Cambria Math" panose="02040503050406030204" pitchFamily="18" charset="0"/>
+                          </a:rPr>
                           <m:t>cos</m:t>
                         </m:r>
                       </m:fName>
                       <m:e>
                         <m:r>
-                          <a:rPr lang="en-US" i="1"/>
+                          <a:rPr lang="en-US" i="1">
+                            <a:latin typeface="Cambria Math" panose="02040503050406030204" pitchFamily="18" charset="0"/>
+                          </a:rPr>
                           <m:t>𝜃</m:t>
                         </m:r>
                       </m:e>
                     </m:func>
                     <m:r>
-                      <a:rPr lang="en-US" i="1"/>
+                      <a:rPr lang="en-US" i="1">
+                        <a:latin typeface="Cambria Math" panose="02040503050406030204" pitchFamily="18" charset="0"/>
+                      </a:rPr>
                       <m:t>=</m:t>
                     </m:r>
                     <m:func>
                       <m:funcPr>
                         <m:ctrlPr>
-                          <a:rPr lang="en-US" i="1"/>
+                          <a:rPr lang="en-US" i="1">
+                            <a:latin typeface="Cambria Math" panose="02040503050406030204" pitchFamily="18" charset="0"/>
+                          </a:rPr>
                         </m:ctrlPr>
                       </m:funcPr>
                       <m:fName>
@@ -19969,13 +21526,17 @@
                           <m:rPr>
                             <m:sty m:val="p"/>
                           </m:rPr>
-                          <a:rPr lang="en-US"/>
+                          <a:rPr lang="en-US">
+                            <a:latin typeface="Cambria Math" panose="02040503050406030204" pitchFamily="18" charset="0"/>
+                          </a:rPr>
                           <m:t>cos</m:t>
                         </m:r>
                       </m:fName>
                       <m:e>
                         <m:r>
-                          <a:rPr lang="en-US" i="1"/>
+                          <a:rPr lang="en-US" i="1">
+                            <a:latin typeface="Cambria Math" panose="02040503050406030204" pitchFamily="18" charset="0"/>
+                          </a:rPr>
                           <m:t>𝜃</m:t>
                         </m:r>
                       </m:e>
@@ -20122,7 +21683,7 @@
             </p:txBody>
           </p:sp>
         </mc:Choice>
-        <mc:Fallback>
+        <mc:Fallback xmlns="">
           <p:sp>
             <p:nvSpPr>
               <p:cNvPr id="5" name="Content Placeholder 4">
@@ -20250,8 +21811,8 @@
           </a:p>
         </p:txBody>
       </p:sp>
-      <mc:AlternateContent xmlns:mc="http://schemas.openxmlformats.org/markup-compatibility/2006">
-        <mc:Choice xmlns:a14="http://schemas.microsoft.com/office/drawing/2010/main" Requires="a14">
+      <mc:AlternateContent xmlns:mc="http://schemas.openxmlformats.org/markup-compatibility/2006" xmlns:a14="http://schemas.microsoft.com/office/drawing/2010/main">
+        <mc:Choice Requires="a14">
           <p:sp>
             <p:nvSpPr>
               <p:cNvPr id="3" name="Content Placeholder 2">
@@ -20279,7 +21840,9 @@
                     <m:sSub>
                       <m:sSubPr>
                         <m:ctrlPr>
-                          <a:rPr lang="en-US" i="1"/>
+                          <a:rPr lang="en-US" i="1">
+                            <a:latin typeface="Cambria Math" panose="02040503050406030204" pitchFamily="18" charset="0"/>
+                          </a:rPr>
                         </m:ctrlPr>
                       </m:sSubPr>
                       <m:e>
@@ -20287,12 +21850,16 @@
                           <m:accPr>
                             <m:chr m:val="̂"/>
                             <m:ctrlPr>
-                              <a:rPr lang="en-US" i="1"/>
+                              <a:rPr lang="en-US" i="1">
+                                <a:latin typeface="Cambria Math" panose="02040503050406030204" pitchFamily="18" charset="0"/>
+                              </a:rPr>
                             </m:ctrlPr>
                           </m:accPr>
                           <m:e>
                             <m:r>
-                              <a:rPr lang="en-US" i="1"/>
+                              <a:rPr lang="en-US" i="1">
+                                <a:latin typeface="Cambria Math" panose="02040503050406030204" pitchFamily="18" charset="0"/>
+                              </a:rPr>
                               <m:t>𝑉</m:t>
                             </m:r>
                           </m:e>
@@ -20300,19 +21867,25 @@
                       </m:e>
                       <m:sub>
                         <m:r>
-                          <a:rPr lang="en-US"/>
+                          <a:rPr lang="en-US">
+                            <a:latin typeface="Cambria Math" panose="02040503050406030204" pitchFamily="18" charset="0"/>
+                          </a:rPr>
                           <m:t>1</m:t>
                         </m:r>
                       </m:sub>
                     </m:sSub>
                     <m:r>
-                      <a:rPr lang="en-US" i="1"/>
+                      <a:rPr lang="en-US" i="1">
+                        <a:latin typeface="Cambria Math" panose="02040503050406030204" pitchFamily="18" charset="0"/>
+                      </a:rPr>
                       <m:t>∙</m:t>
                     </m:r>
                     <m:sSub>
                       <m:sSubPr>
                         <m:ctrlPr>
-                          <a:rPr lang="en-US" i="1"/>
+                          <a:rPr lang="en-US" i="1">
+                            <a:latin typeface="Cambria Math" panose="02040503050406030204" pitchFamily="18" charset="0"/>
+                          </a:rPr>
                         </m:ctrlPr>
                       </m:sSubPr>
                       <m:e>
@@ -20320,12 +21893,16 @@
                           <m:accPr>
                             <m:chr m:val="̂"/>
                             <m:ctrlPr>
-                              <a:rPr lang="en-US" i="1"/>
+                              <a:rPr lang="en-US" i="1">
+                                <a:latin typeface="Cambria Math" panose="02040503050406030204" pitchFamily="18" charset="0"/>
+                              </a:rPr>
                             </m:ctrlPr>
                           </m:accPr>
                           <m:e>
                             <m:r>
-                              <a:rPr lang="en-US" i="1"/>
+                              <a:rPr lang="en-US" i="1">
+                                <a:latin typeface="Cambria Math" panose="02040503050406030204" pitchFamily="18" charset="0"/>
+                              </a:rPr>
                               <m:t>𝑉</m:t>
                             </m:r>
                           </m:e>
@@ -20333,19 +21910,25 @@
                       </m:e>
                       <m:sub>
                         <m:r>
-                          <a:rPr lang="en-US"/>
+                          <a:rPr lang="en-US">
+                            <a:latin typeface="Cambria Math" panose="02040503050406030204" pitchFamily="18" charset="0"/>
+                          </a:rPr>
                           <m:t>2</m:t>
                         </m:r>
                       </m:sub>
                     </m:sSub>
                     <m:r>
-                      <a:rPr lang="en-US" i="1"/>
+                      <a:rPr lang="en-US" i="1">
+                        <a:latin typeface="Cambria Math" panose="02040503050406030204" pitchFamily="18" charset="0"/>
+                      </a:rPr>
                       <m:t>=</m:t>
                     </m:r>
                     <m:func>
                       <m:funcPr>
                         <m:ctrlPr>
-                          <a:rPr lang="en-US" i="1"/>
+                          <a:rPr lang="en-US" i="1">
+                            <a:latin typeface="Cambria Math" panose="02040503050406030204" pitchFamily="18" charset="0"/>
+                          </a:rPr>
                         </m:ctrlPr>
                       </m:funcPr>
                       <m:fName>
@@ -20353,7 +21936,9 @@
                           <m:rPr>
                             <m:sty m:val="p"/>
                           </m:rPr>
-                          <a:rPr lang="en-US"/>
+                          <a:rPr lang="en-US">
+                            <a:latin typeface="Cambria Math" panose="02040503050406030204" pitchFamily="18" charset="0"/>
+                          </a:rPr>
                           <m:t>cos</m:t>
                         </m:r>
                       </m:fName>
@@ -20361,18 +21946,24 @@
                         <m:sSub>
                           <m:sSubPr>
                             <m:ctrlPr>
-                              <a:rPr lang="en-US" i="1"/>
+                              <a:rPr lang="en-US" i="1">
+                                <a:latin typeface="Cambria Math" panose="02040503050406030204" pitchFamily="18" charset="0"/>
+                              </a:rPr>
                             </m:ctrlPr>
                           </m:sSubPr>
                           <m:e>
                             <m:r>
-                              <a:rPr lang="en-US" i="1"/>
+                              <a:rPr lang="en-US" i="1">
+                                <a:latin typeface="Cambria Math" panose="02040503050406030204" pitchFamily="18" charset="0"/>
+                              </a:rPr>
                               <m:t>𝜃</m:t>
                             </m:r>
                           </m:e>
                           <m:sub>
                             <m:r>
-                              <a:rPr lang="en-US"/>
+                              <a:rPr lang="en-US">
+                                <a:latin typeface="Cambria Math" panose="02040503050406030204" pitchFamily="18" charset="0"/>
+                              </a:rPr>
                               <m:t>2</m:t>
                             </m:r>
                           </m:sub>
@@ -20380,74 +21971,100 @@
                       </m:e>
                     </m:func>
                     <m:r>
-                      <a:rPr lang="en-US" i="1"/>
+                      <a:rPr lang="en-US" i="1">
+                        <a:latin typeface="Cambria Math" panose="02040503050406030204" pitchFamily="18" charset="0"/>
+                      </a:rPr>
                       <m:t>=</m:t>
                     </m:r>
                     <m:r>
                       <m:rPr>
                         <m:sty m:val="p"/>
                       </m:rPr>
-                      <a:rPr lang="en-US"/>
+                      <a:rPr lang="en-US">
+                        <a:latin typeface="Cambria Math" panose="02040503050406030204" pitchFamily="18" charset="0"/>
+                      </a:rPr>
                       <m:t>a</m:t>
                     </m:r>
                     <m:r>
-                      <a:rPr lang="en-US"/>
+                      <a:rPr lang="en-US">
+                        <a:latin typeface="Cambria Math" panose="02040503050406030204" pitchFamily="18" charset="0"/>
+                      </a:rPr>
                       <m:t> </m:t>
                     </m:r>
                     <m:r>
                       <m:rPr>
                         <m:sty m:val="p"/>
                       </m:rPr>
-                      <a:rPr lang="en-US"/>
+                      <a:rPr lang="en-US">
+                        <a:latin typeface="Cambria Math" panose="02040503050406030204" pitchFamily="18" charset="0"/>
+                      </a:rPr>
                       <m:t>positive</m:t>
                     </m:r>
                     <m:r>
-                      <a:rPr lang="en-US"/>
+                      <a:rPr lang="en-US">
+                        <a:latin typeface="Cambria Math" panose="02040503050406030204" pitchFamily="18" charset="0"/>
+                      </a:rPr>
                       <m:t> </m:t>
                     </m:r>
                     <m:r>
                       <m:rPr>
                         <m:sty m:val="p"/>
                       </m:rPr>
-                      <a:rPr lang="en-US"/>
+                      <a:rPr lang="en-US">
+                        <a:latin typeface="Cambria Math" panose="02040503050406030204" pitchFamily="18" charset="0"/>
+                      </a:rPr>
                       <m:t>number</m:t>
                     </m:r>
                     <m:r>
-                      <a:rPr lang="en-US"/>
+                      <a:rPr lang="en-US">
+                        <a:latin typeface="Cambria Math" panose="02040503050406030204" pitchFamily="18" charset="0"/>
+                      </a:rPr>
                       <m:t>;     </m:t>
                     </m:r>
                     <m:r>
                       <m:rPr>
                         <m:sty m:val="p"/>
                       </m:rPr>
-                      <a:rPr lang="en-US"/>
+                      <a:rPr lang="en-US">
+                        <a:latin typeface="Cambria Math" panose="02040503050406030204" pitchFamily="18" charset="0"/>
+                      </a:rPr>
                       <m:t>because</m:t>
                     </m:r>
                     <m:r>
-                      <a:rPr lang="en-US"/>
+                      <a:rPr lang="en-US">
+                        <a:latin typeface="Cambria Math" panose="02040503050406030204" pitchFamily="18" charset="0"/>
+                      </a:rPr>
                       <m:t> </m:t>
                     </m:r>
                     <m:sSub>
                       <m:sSubPr>
                         <m:ctrlPr>
-                          <a:rPr lang="en-US" i="1"/>
+                          <a:rPr lang="en-US" i="1">
+                            <a:latin typeface="Cambria Math" panose="02040503050406030204" pitchFamily="18" charset="0"/>
+                          </a:rPr>
                         </m:ctrlPr>
                       </m:sSubPr>
                       <m:e>
                         <m:r>
-                          <a:rPr lang="en-US" i="1"/>
+                          <a:rPr lang="en-US" i="1">
+                            <a:latin typeface="Cambria Math" panose="02040503050406030204" pitchFamily="18" charset="0"/>
+                          </a:rPr>
                           <m:t>𝜃</m:t>
                         </m:r>
                       </m:e>
                       <m:sub>
                         <m:r>
-                          <a:rPr lang="en-US"/>
+                          <a:rPr lang="en-US">
+                            <a:latin typeface="Cambria Math" panose="02040503050406030204" pitchFamily="18" charset="0"/>
+                          </a:rPr>
                           <m:t>2</m:t>
                         </m:r>
                       </m:sub>
                     </m:sSub>
                     <m:r>
-                      <a:rPr lang="en-US" i="1"/>
+                      <a:rPr lang="en-US" i="1">
+                        <a:latin typeface="Cambria Math" panose="02040503050406030204" pitchFamily="18" charset="0"/>
+                      </a:rPr>
                       <m:t>&lt;90°</m:t>
                     </m:r>
                   </m:oMath>
@@ -20464,7 +22081,9 @@
                     <m:sSub>
                       <m:sSubPr>
                         <m:ctrlPr>
-                          <a:rPr lang="en-US" i="1"/>
+                          <a:rPr lang="en-US" i="1">
+                            <a:latin typeface="Cambria Math" panose="02040503050406030204" pitchFamily="18" charset="0"/>
+                          </a:rPr>
                         </m:ctrlPr>
                       </m:sSubPr>
                       <m:e>
@@ -20472,12 +22091,16 @@
                           <m:accPr>
                             <m:chr m:val="̂"/>
                             <m:ctrlPr>
-                              <a:rPr lang="en-US" i="1"/>
+                              <a:rPr lang="en-US" i="1">
+                                <a:latin typeface="Cambria Math" panose="02040503050406030204" pitchFamily="18" charset="0"/>
+                              </a:rPr>
                             </m:ctrlPr>
                           </m:accPr>
                           <m:e>
                             <m:r>
-                              <a:rPr lang="en-US" i="1"/>
+                              <a:rPr lang="en-US" i="1">
+                                <a:latin typeface="Cambria Math" panose="02040503050406030204" pitchFamily="18" charset="0"/>
+                              </a:rPr>
                               <m:t>𝑉</m:t>
                             </m:r>
                           </m:e>
@@ -20485,19 +22108,25 @@
                       </m:e>
                       <m:sub>
                         <m:r>
-                          <a:rPr lang="en-US"/>
+                          <a:rPr lang="en-US">
+                            <a:latin typeface="Cambria Math" panose="02040503050406030204" pitchFamily="18" charset="0"/>
+                          </a:rPr>
                           <m:t>1</m:t>
                         </m:r>
                       </m:sub>
                     </m:sSub>
                     <m:r>
-                      <a:rPr lang="en-US" i="1"/>
+                      <a:rPr lang="en-US" i="1">
+                        <a:latin typeface="Cambria Math" panose="02040503050406030204" pitchFamily="18" charset="0"/>
+                      </a:rPr>
                       <m:t>∙</m:t>
                     </m:r>
                     <m:sSub>
                       <m:sSubPr>
                         <m:ctrlPr>
-                          <a:rPr lang="en-US" i="1"/>
+                          <a:rPr lang="en-US" i="1">
+                            <a:latin typeface="Cambria Math" panose="02040503050406030204" pitchFamily="18" charset="0"/>
+                          </a:rPr>
                         </m:ctrlPr>
                       </m:sSubPr>
                       <m:e>
@@ -20505,12 +22134,16 @@
                           <m:accPr>
                             <m:chr m:val="̂"/>
                             <m:ctrlPr>
-                              <a:rPr lang="en-US" i="1"/>
+                              <a:rPr lang="en-US" i="1">
+                                <a:latin typeface="Cambria Math" panose="02040503050406030204" pitchFamily="18" charset="0"/>
+                              </a:rPr>
                             </m:ctrlPr>
                           </m:accPr>
                           <m:e>
                             <m:r>
-                              <a:rPr lang="en-US" i="1"/>
+                              <a:rPr lang="en-US" i="1">
+                                <a:latin typeface="Cambria Math" panose="02040503050406030204" pitchFamily="18" charset="0"/>
+                              </a:rPr>
                               <m:t>𝑉</m:t>
                             </m:r>
                           </m:e>
@@ -20518,19 +22151,25 @@
                       </m:e>
                       <m:sub>
                         <m:r>
-                          <a:rPr lang="en-US"/>
+                          <a:rPr lang="en-US">
+                            <a:latin typeface="Cambria Math" panose="02040503050406030204" pitchFamily="18" charset="0"/>
+                          </a:rPr>
                           <m:t>3</m:t>
                         </m:r>
                       </m:sub>
                     </m:sSub>
                     <m:r>
-                      <a:rPr lang="en-US" i="1"/>
+                      <a:rPr lang="en-US" i="1">
+                        <a:latin typeface="Cambria Math" panose="02040503050406030204" pitchFamily="18" charset="0"/>
+                      </a:rPr>
                       <m:t>=</m:t>
                     </m:r>
                     <m:func>
                       <m:funcPr>
                         <m:ctrlPr>
-                          <a:rPr lang="en-US" i="1"/>
+                          <a:rPr lang="en-US" i="1">
+                            <a:latin typeface="Cambria Math" panose="02040503050406030204" pitchFamily="18" charset="0"/>
+                          </a:rPr>
                         </m:ctrlPr>
                       </m:funcPr>
                       <m:fName>
@@ -20538,7 +22177,9 @@
                           <m:rPr>
                             <m:sty m:val="p"/>
                           </m:rPr>
-                          <a:rPr lang="en-US"/>
+                          <a:rPr lang="en-US">
+                            <a:latin typeface="Cambria Math" panose="02040503050406030204" pitchFamily="18" charset="0"/>
+                          </a:rPr>
                           <m:t>cos</m:t>
                         </m:r>
                       </m:fName>
@@ -20546,18 +22187,24 @@
                         <m:sSub>
                           <m:sSubPr>
                             <m:ctrlPr>
-                              <a:rPr lang="en-US" i="1"/>
+                              <a:rPr lang="en-US" i="1">
+                                <a:latin typeface="Cambria Math" panose="02040503050406030204" pitchFamily="18" charset="0"/>
+                              </a:rPr>
                             </m:ctrlPr>
                           </m:sSubPr>
                           <m:e>
                             <m:r>
-                              <a:rPr lang="en-US" i="1"/>
+                              <a:rPr lang="en-US" i="1">
+                                <a:latin typeface="Cambria Math" panose="02040503050406030204" pitchFamily="18" charset="0"/>
+                              </a:rPr>
                               <m:t>𝜃</m:t>
                             </m:r>
                           </m:e>
                           <m:sub>
                             <m:r>
-                              <a:rPr lang="en-US"/>
+                              <a:rPr lang="en-US">
+                                <a:latin typeface="Cambria Math" panose="02040503050406030204" pitchFamily="18" charset="0"/>
+                              </a:rPr>
                               <m:t>3</m:t>
                             </m:r>
                           </m:sub>
@@ -20565,45 +22212,61 @@
                       </m:e>
                     </m:func>
                     <m:r>
-                      <a:rPr lang="en-US" i="1"/>
+                      <a:rPr lang="en-US" i="1">
+                        <a:latin typeface="Cambria Math" panose="02040503050406030204" pitchFamily="18" charset="0"/>
+                      </a:rPr>
                       <m:t>=</m:t>
                     </m:r>
                     <m:r>
-                      <a:rPr lang="en-US"/>
+                      <a:rPr lang="en-US">
+                        <a:latin typeface="Cambria Math" panose="02040503050406030204" pitchFamily="18" charset="0"/>
+                      </a:rPr>
                       <m:t>0                                       </m:t>
                     </m:r>
                     <m:r>
                       <m:rPr>
                         <m:sty m:val="p"/>
                       </m:rPr>
-                      <a:rPr lang="en-US"/>
+                      <a:rPr lang="en-US">
+                        <a:latin typeface="Cambria Math" panose="02040503050406030204" pitchFamily="18" charset="0"/>
+                      </a:rPr>
                       <m:t>because</m:t>
                     </m:r>
                     <m:r>
-                      <a:rPr lang="en-US"/>
+                      <a:rPr lang="en-US">
+                        <a:latin typeface="Cambria Math" panose="02040503050406030204" pitchFamily="18" charset="0"/>
+                      </a:rPr>
                       <m:t> </m:t>
                     </m:r>
                     <m:sSub>
                       <m:sSubPr>
                         <m:ctrlPr>
-                          <a:rPr lang="en-US" i="1"/>
+                          <a:rPr lang="en-US" i="1">
+                            <a:latin typeface="Cambria Math" panose="02040503050406030204" pitchFamily="18" charset="0"/>
+                          </a:rPr>
                         </m:ctrlPr>
                       </m:sSubPr>
                       <m:e>
                         <m:r>
-                          <a:rPr lang="en-US" i="1"/>
+                          <a:rPr lang="en-US" i="1">
+                            <a:latin typeface="Cambria Math" panose="02040503050406030204" pitchFamily="18" charset="0"/>
+                          </a:rPr>
                           <m:t>𝜃</m:t>
                         </m:r>
                       </m:e>
                       <m:sub>
                         <m:r>
-                          <a:rPr lang="en-US"/>
+                          <a:rPr lang="en-US">
+                            <a:latin typeface="Cambria Math" panose="02040503050406030204" pitchFamily="18" charset="0"/>
+                          </a:rPr>
                           <m:t>3</m:t>
                         </m:r>
                       </m:sub>
                     </m:sSub>
                     <m:r>
-                      <a:rPr lang="en-US" i="1"/>
+                      <a:rPr lang="en-US" i="1">
+                        <a:latin typeface="Cambria Math" panose="02040503050406030204" pitchFamily="18" charset="0"/>
+                      </a:rPr>
                       <m:t>=90°</m:t>
                     </m:r>
                   </m:oMath>
@@ -20620,7 +22283,9 @@
                     <m:sSub>
                       <m:sSubPr>
                         <m:ctrlPr>
-                          <a:rPr lang="en-US" i="1"/>
+                          <a:rPr lang="en-US" i="1">
+                            <a:latin typeface="Cambria Math" panose="02040503050406030204" pitchFamily="18" charset="0"/>
+                          </a:rPr>
                         </m:ctrlPr>
                       </m:sSubPr>
                       <m:e>
@@ -20628,12 +22293,16 @@
                           <m:accPr>
                             <m:chr m:val="̂"/>
                             <m:ctrlPr>
-                              <a:rPr lang="en-US" i="1"/>
+                              <a:rPr lang="en-US" i="1">
+                                <a:latin typeface="Cambria Math" panose="02040503050406030204" pitchFamily="18" charset="0"/>
+                              </a:rPr>
                             </m:ctrlPr>
                           </m:accPr>
                           <m:e>
                             <m:r>
-                              <a:rPr lang="en-US" i="1"/>
+                              <a:rPr lang="en-US" i="1">
+                                <a:latin typeface="Cambria Math" panose="02040503050406030204" pitchFamily="18" charset="0"/>
+                              </a:rPr>
                               <m:t>𝑉</m:t>
                             </m:r>
                           </m:e>
@@ -20641,19 +22310,25 @@
                       </m:e>
                       <m:sub>
                         <m:r>
-                          <a:rPr lang="en-US"/>
+                          <a:rPr lang="en-US">
+                            <a:latin typeface="Cambria Math" panose="02040503050406030204" pitchFamily="18" charset="0"/>
+                          </a:rPr>
                           <m:t>1</m:t>
                         </m:r>
                       </m:sub>
                     </m:sSub>
                     <m:r>
-                      <a:rPr lang="en-US" i="1"/>
+                      <a:rPr lang="en-US" i="1">
+                        <a:latin typeface="Cambria Math" panose="02040503050406030204" pitchFamily="18" charset="0"/>
+                      </a:rPr>
                       <m:t>∙</m:t>
                     </m:r>
                     <m:sSub>
                       <m:sSubPr>
                         <m:ctrlPr>
-                          <a:rPr lang="en-US" i="1"/>
+                          <a:rPr lang="en-US" i="1">
+                            <a:latin typeface="Cambria Math" panose="02040503050406030204" pitchFamily="18" charset="0"/>
+                          </a:rPr>
                         </m:ctrlPr>
                       </m:sSubPr>
                       <m:e>
@@ -20661,12 +22336,16 @@
                           <m:accPr>
                             <m:chr m:val="̂"/>
                             <m:ctrlPr>
-                              <a:rPr lang="en-US" i="1"/>
+                              <a:rPr lang="en-US" i="1">
+                                <a:latin typeface="Cambria Math" panose="02040503050406030204" pitchFamily="18" charset="0"/>
+                              </a:rPr>
                             </m:ctrlPr>
                           </m:accPr>
                           <m:e>
                             <m:r>
-                              <a:rPr lang="en-US" i="1"/>
+                              <a:rPr lang="en-US" i="1">
+                                <a:latin typeface="Cambria Math" panose="02040503050406030204" pitchFamily="18" charset="0"/>
+                              </a:rPr>
                               <m:t>𝑉</m:t>
                             </m:r>
                           </m:e>
@@ -20674,19 +22353,25 @@
                       </m:e>
                       <m:sub>
                         <m:r>
-                          <a:rPr lang="en-US"/>
+                          <a:rPr lang="en-US">
+                            <a:latin typeface="Cambria Math" panose="02040503050406030204" pitchFamily="18" charset="0"/>
+                          </a:rPr>
                           <m:t>4</m:t>
                         </m:r>
                       </m:sub>
                     </m:sSub>
                     <m:r>
-                      <a:rPr lang="en-US" i="1"/>
+                      <a:rPr lang="en-US" i="1">
+                        <a:latin typeface="Cambria Math" panose="02040503050406030204" pitchFamily="18" charset="0"/>
+                      </a:rPr>
                       <m:t>=</m:t>
                     </m:r>
                     <m:func>
                       <m:funcPr>
                         <m:ctrlPr>
-                          <a:rPr lang="en-US" i="1"/>
+                          <a:rPr lang="en-US" i="1">
+                            <a:latin typeface="Cambria Math" panose="02040503050406030204" pitchFamily="18" charset="0"/>
+                          </a:rPr>
                         </m:ctrlPr>
                       </m:funcPr>
                       <m:fName>
@@ -20694,7 +22379,9 @@
                           <m:rPr>
                             <m:sty m:val="p"/>
                           </m:rPr>
-                          <a:rPr lang="en-US"/>
+                          <a:rPr lang="en-US">
+                            <a:latin typeface="Cambria Math" panose="02040503050406030204" pitchFamily="18" charset="0"/>
+                          </a:rPr>
                           <m:t>cos</m:t>
                         </m:r>
                       </m:fName>
@@ -20702,18 +22389,24 @@
                         <m:sSub>
                           <m:sSubPr>
                             <m:ctrlPr>
-                              <a:rPr lang="en-US" i="1"/>
+                              <a:rPr lang="en-US" i="1">
+                                <a:latin typeface="Cambria Math" panose="02040503050406030204" pitchFamily="18" charset="0"/>
+                              </a:rPr>
                             </m:ctrlPr>
                           </m:sSubPr>
                           <m:e>
                             <m:r>
-                              <a:rPr lang="en-US" i="1"/>
+                              <a:rPr lang="en-US" i="1">
+                                <a:latin typeface="Cambria Math" panose="02040503050406030204" pitchFamily="18" charset="0"/>
+                              </a:rPr>
                               <m:t>𝜃</m:t>
                             </m:r>
                           </m:e>
                           <m:sub>
                             <m:r>
-                              <a:rPr lang="en-US" i="1"/>
+                              <a:rPr lang="en-US" i="1">
+                                <a:latin typeface="Cambria Math" panose="02040503050406030204" pitchFamily="18" charset="0"/>
+                              </a:rPr>
                               <m:t>4</m:t>
                             </m:r>
                           </m:sub>
@@ -20721,74 +22414,100 @@
                       </m:e>
                     </m:func>
                     <m:r>
-                      <a:rPr lang="en-US" i="1"/>
+                      <a:rPr lang="en-US" i="1">
+                        <a:latin typeface="Cambria Math" panose="02040503050406030204" pitchFamily="18" charset="0"/>
+                      </a:rPr>
                       <m:t>=</m:t>
                     </m:r>
                     <m:r>
                       <m:rPr>
                         <m:sty m:val="p"/>
                       </m:rPr>
-                      <a:rPr lang="en-US"/>
+                      <a:rPr lang="en-US">
+                        <a:latin typeface="Cambria Math" panose="02040503050406030204" pitchFamily="18" charset="0"/>
+                      </a:rPr>
                       <m:t>a</m:t>
                     </m:r>
                     <m:r>
-                      <a:rPr lang="en-US"/>
+                      <a:rPr lang="en-US">
+                        <a:latin typeface="Cambria Math" panose="02040503050406030204" pitchFamily="18" charset="0"/>
+                      </a:rPr>
                       <m:t> </m:t>
                     </m:r>
                     <m:r>
                       <m:rPr>
                         <m:sty m:val="p"/>
                       </m:rPr>
-                      <a:rPr lang="en-US"/>
+                      <a:rPr lang="en-US">
+                        <a:latin typeface="Cambria Math" panose="02040503050406030204" pitchFamily="18" charset="0"/>
+                      </a:rPr>
                       <m:t>negative</m:t>
                     </m:r>
                     <m:r>
-                      <a:rPr lang="en-US"/>
+                      <a:rPr lang="en-US">
+                        <a:latin typeface="Cambria Math" panose="02040503050406030204" pitchFamily="18" charset="0"/>
+                      </a:rPr>
                       <m:t> </m:t>
                     </m:r>
                     <m:r>
                       <m:rPr>
                         <m:sty m:val="p"/>
                       </m:rPr>
-                      <a:rPr lang="en-US"/>
+                      <a:rPr lang="en-US">
+                        <a:latin typeface="Cambria Math" panose="02040503050406030204" pitchFamily="18" charset="0"/>
+                      </a:rPr>
                       <m:t>number</m:t>
                     </m:r>
                     <m:r>
-                      <a:rPr lang="en-US"/>
+                      <a:rPr lang="en-US">
+                        <a:latin typeface="Cambria Math" panose="02040503050406030204" pitchFamily="18" charset="0"/>
+                      </a:rPr>
                       <m:t>;    </m:t>
                     </m:r>
                     <m:r>
                       <m:rPr>
                         <m:sty m:val="p"/>
                       </m:rPr>
-                      <a:rPr lang="en-US"/>
+                      <a:rPr lang="en-US">
+                        <a:latin typeface="Cambria Math" panose="02040503050406030204" pitchFamily="18" charset="0"/>
+                      </a:rPr>
                       <m:t>because</m:t>
                     </m:r>
                     <m:r>
-                      <a:rPr lang="en-US"/>
+                      <a:rPr lang="en-US">
+                        <a:latin typeface="Cambria Math" panose="02040503050406030204" pitchFamily="18" charset="0"/>
+                      </a:rPr>
                       <m:t> </m:t>
                     </m:r>
                     <m:sSub>
                       <m:sSubPr>
                         <m:ctrlPr>
-                          <a:rPr lang="en-US" i="1"/>
+                          <a:rPr lang="en-US" i="1">
+                            <a:latin typeface="Cambria Math" panose="02040503050406030204" pitchFamily="18" charset="0"/>
+                          </a:rPr>
                         </m:ctrlPr>
                       </m:sSubPr>
                       <m:e>
                         <m:r>
-                          <a:rPr lang="en-US" i="1"/>
+                          <a:rPr lang="en-US" i="1">
+                            <a:latin typeface="Cambria Math" panose="02040503050406030204" pitchFamily="18" charset="0"/>
+                          </a:rPr>
                           <m:t>𝜃</m:t>
                         </m:r>
                       </m:e>
                       <m:sub>
                         <m:r>
-                          <a:rPr lang="en-US"/>
+                          <a:rPr lang="en-US">
+                            <a:latin typeface="Cambria Math" panose="02040503050406030204" pitchFamily="18" charset="0"/>
+                          </a:rPr>
                           <m:t>4</m:t>
                         </m:r>
                       </m:sub>
                     </m:sSub>
                     <m:r>
-                      <a:rPr lang="en-US" i="1"/>
+                      <a:rPr lang="en-US" i="1">
+                        <a:latin typeface="Cambria Math" panose="02040503050406030204" pitchFamily="18" charset="0"/>
+                      </a:rPr>
                       <m:t>&gt;90°</m:t>
                     </m:r>
                   </m:oMath>
@@ -20805,7 +22524,9 @@
                     <m:sSub>
                       <m:sSubPr>
                         <m:ctrlPr>
-                          <a:rPr lang="en-US" i="1"/>
+                          <a:rPr lang="en-US" i="1">
+                            <a:latin typeface="Cambria Math" panose="02040503050406030204" pitchFamily="18" charset="0"/>
+                          </a:rPr>
                         </m:ctrlPr>
                       </m:sSubPr>
                       <m:e>
@@ -20813,12 +22534,16 @@
                           <m:accPr>
                             <m:chr m:val="̂"/>
                             <m:ctrlPr>
-                              <a:rPr lang="en-US" i="1"/>
+                              <a:rPr lang="en-US" i="1">
+                                <a:latin typeface="Cambria Math" panose="02040503050406030204" pitchFamily="18" charset="0"/>
+                              </a:rPr>
                             </m:ctrlPr>
                           </m:accPr>
                           <m:e>
                             <m:r>
-                              <a:rPr lang="en-US" i="1"/>
+                              <a:rPr lang="en-US" i="1">
+                                <a:latin typeface="Cambria Math" panose="02040503050406030204" pitchFamily="18" charset="0"/>
+                              </a:rPr>
                               <m:t>𝑉</m:t>
                             </m:r>
                           </m:e>
@@ -20826,19 +22551,25 @@
                       </m:e>
                       <m:sub>
                         <m:r>
-                          <a:rPr lang="en-US"/>
+                          <a:rPr lang="en-US">
+                            <a:latin typeface="Cambria Math" panose="02040503050406030204" pitchFamily="18" charset="0"/>
+                          </a:rPr>
                           <m:t>1</m:t>
                         </m:r>
                       </m:sub>
                     </m:sSub>
                     <m:r>
-                      <a:rPr lang="en-US" i="1"/>
+                      <a:rPr lang="en-US" i="1">
+                        <a:latin typeface="Cambria Math" panose="02040503050406030204" pitchFamily="18" charset="0"/>
+                      </a:rPr>
                       <m:t>∙</m:t>
                     </m:r>
                     <m:sSub>
                       <m:sSubPr>
                         <m:ctrlPr>
-                          <a:rPr lang="en-US" i="1"/>
+                          <a:rPr lang="en-US" i="1">
+                            <a:latin typeface="Cambria Math" panose="02040503050406030204" pitchFamily="18" charset="0"/>
+                          </a:rPr>
                         </m:ctrlPr>
                       </m:sSubPr>
                       <m:e>
@@ -20846,12 +22577,16 @@
                           <m:accPr>
                             <m:chr m:val="̂"/>
                             <m:ctrlPr>
-                              <a:rPr lang="en-US" i="1"/>
+                              <a:rPr lang="en-US" i="1">
+                                <a:latin typeface="Cambria Math" panose="02040503050406030204" pitchFamily="18" charset="0"/>
+                              </a:rPr>
                             </m:ctrlPr>
                           </m:accPr>
                           <m:e>
                             <m:r>
-                              <a:rPr lang="en-US" i="1"/>
+                              <a:rPr lang="en-US" i="1">
+                                <a:latin typeface="Cambria Math" panose="02040503050406030204" pitchFamily="18" charset="0"/>
+                              </a:rPr>
                               <m:t>𝑉</m:t>
                             </m:r>
                           </m:e>
@@ -20859,19 +22594,25 @@
                       </m:e>
                       <m:sub>
                         <m:r>
-                          <a:rPr lang="en-US" i="1"/>
+                          <a:rPr lang="en-US" i="1">
+                            <a:latin typeface="Cambria Math" panose="02040503050406030204" pitchFamily="18" charset="0"/>
+                          </a:rPr>
                           <m:t>5</m:t>
                         </m:r>
                       </m:sub>
                     </m:sSub>
                     <m:r>
-                      <a:rPr lang="en-US" i="1"/>
+                      <a:rPr lang="en-US" i="1">
+                        <a:latin typeface="Cambria Math" panose="02040503050406030204" pitchFamily="18" charset="0"/>
+                      </a:rPr>
                       <m:t>=</m:t>
                     </m:r>
                     <m:func>
                       <m:funcPr>
                         <m:ctrlPr>
-                          <a:rPr lang="en-US" i="1"/>
+                          <a:rPr lang="en-US" i="1">
+                            <a:latin typeface="Cambria Math" panose="02040503050406030204" pitchFamily="18" charset="0"/>
+                          </a:rPr>
                         </m:ctrlPr>
                       </m:funcPr>
                       <m:fName>
@@ -20879,7 +22620,9 @@
                           <m:rPr>
                             <m:sty m:val="p"/>
                           </m:rPr>
-                          <a:rPr lang="en-US"/>
+                          <a:rPr lang="en-US">
+                            <a:latin typeface="Cambria Math" panose="02040503050406030204" pitchFamily="18" charset="0"/>
+                          </a:rPr>
                           <m:t>cos</m:t>
                         </m:r>
                       </m:fName>
@@ -20887,18 +22630,24 @@
                         <m:sSub>
                           <m:sSubPr>
                             <m:ctrlPr>
-                              <a:rPr lang="en-US" i="1"/>
+                              <a:rPr lang="en-US" i="1">
+                                <a:latin typeface="Cambria Math" panose="02040503050406030204" pitchFamily="18" charset="0"/>
+                              </a:rPr>
                             </m:ctrlPr>
                           </m:sSubPr>
                           <m:e>
                             <m:r>
-                              <a:rPr lang="en-US" i="1"/>
+                              <a:rPr lang="en-US" i="1">
+                                <a:latin typeface="Cambria Math" panose="02040503050406030204" pitchFamily="18" charset="0"/>
+                              </a:rPr>
                               <m:t>𝜃</m:t>
                             </m:r>
                           </m:e>
                           <m:sub>
                             <m:r>
-                              <a:rPr lang="en-US"/>
+                              <a:rPr lang="en-US">
+                                <a:latin typeface="Cambria Math" panose="02040503050406030204" pitchFamily="18" charset="0"/>
+                              </a:rPr>
                               <m:t>5</m:t>
                             </m:r>
                           </m:sub>
@@ -20906,45 +22655,61 @@
                       </m:e>
                     </m:func>
                     <m:r>
-                      <a:rPr lang="en-US" i="1"/>
+                      <a:rPr lang="en-US" i="1">
+                        <a:latin typeface="Cambria Math" panose="02040503050406030204" pitchFamily="18" charset="0"/>
+                      </a:rPr>
                       <m:t>=−</m:t>
                     </m:r>
                     <m:r>
-                      <a:rPr lang="en-US"/>
+                      <a:rPr lang="en-US">
+                        <a:latin typeface="Cambria Math" panose="02040503050406030204" pitchFamily="18" charset="0"/>
+                      </a:rPr>
                       <m:t>1                                    </m:t>
                     </m:r>
                     <m:r>
                       <m:rPr>
                         <m:sty m:val="p"/>
                       </m:rPr>
-                      <a:rPr lang="en-US"/>
+                      <a:rPr lang="en-US">
+                        <a:latin typeface="Cambria Math" panose="02040503050406030204" pitchFamily="18" charset="0"/>
+                      </a:rPr>
                       <m:t>because</m:t>
                     </m:r>
                     <m:r>
-                      <a:rPr lang="en-US"/>
+                      <a:rPr lang="en-US">
+                        <a:latin typeface="Cambria Math" panose="02040503050406030204" pitchFamily="18" charset="0"/>
+                      </a:rPr>
                       <m:t> </m:t>
                     </m:r>
                     <m:sSub>
                       <m:sSubPr>
                         <m:ctrlPr>
-                          <a:rPr lang="en-US" i="1"/>
+                          <a:rPr lang="en-US" i="1">
+                            <a:latin typeface="Cambria Math" panose="02040503050406030204" pitchFamily="18" charset="0"/>
+                          </a:rPr>
                         </m:ctrlPr>
                       </m:sSubPr>
                       <m:e>
                         <m:r>
-                          <a:rPr lang="en-US" i="1"/>
+                          <a:rPr lang="en-US" i="1">
+                            <a:latin typeface="Cambria Math" panose="02040503050406030204" pitchFamily="18" charset="0"/>
+                          </a:rPr>
                           <m:t>𝜃</m:t>
                         </m:r>
                       </m:e>
                       <m:sub>
                         <m:r>
-                          <a:rPr lang="en-US"/>
+                          <a:rPr lang="en-US">
+                            <a:latin typeface="Cambria Math" panose="02040503050406030204" pitchFamily="18" charset="0"/>
+                          </a:rPr>
                           <m:t>5</m:t>
                         </m:r>
                       </m:sub>
                     </m:sSub>
                     <m:r>
-                      <a:rPr lang="en-US" i="1"/>
+                      <a:rPr lang="en-US" i="1">
+                        <a:latin typeface="Cambria Math" panose="02040503050406030204" pitchFamily="18" charset="0"/>
+                      </a:rPr>
                       <m:t>=180°</m:t>
                     </m:r>
                   </m:oMath>
@@ -20961,7 +22726,9 @@
                     <m:sSub>
                       <m:sSubPr>
                         <m:ctrlPr>
-                          <a:rPr lang="en-US" i="1"/>
+                          <a:rPr lang="en-US" i="1">
+                            <a:latin typeface="Cambria Math" panose="02040503050406030204" pitchFamily="18" charset="0"/>
+                          </a:rPr>
                         </m:ctrlPr>
                       </m:sSubPr>
                       <m:e>
@@ -20969,12 +22736,16 @@
                           <m:accPr>
                             <m:chr m:val="̂"/>
                             <m:ctrlPr>
-                              <a:rPr lang="en-US" i="1"/>
+                              <a:rPr lang="en-US" i="1">
+                                <a:latin typeface="Cambria Math" panose="02040503050406030204" pitchFamily="18" charset="0"/>
+                              </a:rPr>
                             </m:ctrlPr>
                           </m:accPr>
                           <m:e>
                             <m:r>
-                              <a:rPr lang="en-US" i="1"/>
+                              <a:rPr lang="en-US" i="1">
+                                <a:latin typeface="Cambria Math" panose="02040503050406030204" pitchFamily="18" charset="0"/>
+                              </a:rPr>
                               <m:t>𝑉</m:t>
                             </m:r>
                           </m:e>
@@ -20982,19 +22753,25 @@
                       </m:e>
                       <m:sub>
                         <m:r>
-                          <a:rPr lang="en-US"/>
+                          <a:rPr lang="en-US">
+                            <a:latin typeface="Cambria Math" panose="02040503050406030204" pitchFamily="18" charset="0"/>
+                          </a:rPr>
                           <m:t>1</m:t>
                         </m:r>
                       </m:sub>
                     </m:sSub>
                     <m:r>
-                      <a:rPr lang="en-US" i="1"/>
+                      <a:rPr lang="en-US" i="1">
+                        <a:latin typeface="Cambria Math" panose="02040503050406030204" pitchFamily="18" charset="0"/>
+                      </a:rPr>
                       <m:t>∙</m:t>
                     </m:r>
                     <m:sSub>
                       <m:sSubPr>
                         <m:ctrlPr>
-                          <a:rPr lang="en-US" i="1"/>
+                          <a:rPr lang="en-US" i="1">
+                            <a:latin typeface="Cambria Math" panose="02040503050406030204" pitchFamily="18" charset="0"/>
+                          </a:rPr>
                         </m:ctrlPr>
                       </m:sSubPr>
                       <m:e>
@@ -21002,12 +22779,16 @@
                           <m:accPr>
                             <m:chr m:val="̂"/>
                             <m:ctrlPr>
-                              <a:rPr lang="en-US" i="1"/>
+                              <a:rPr lang="en-US" i="1">
+                                <a:latin typeface="Cambria Math" panose="02040503050406030204" pitchFamily="18" charset="0"/>
+                              </a:rPr>
                             </m:ctrlPr>
                           </m:accPr>
                           <m:e>
                             <m:r>
-                              <a:rPr lang="en-US" i="1"/>
+                              <a:rPr lang="en-US" i="1">
+                                <a:latin typeface="Cambria Math" panose="02040503050406030204" pitchFamily="18" charset="0"/>
+                              </a:rPr>
                               <m:t>𝑉</m:t>
                             </m:r>
                           </m:e>
@@ -21015,19 +22796,25 @@
                       </m:e>
                       <m:sub>
                         <m:r>
-                          <a:rPr lang="en-US" i="1"/>
+                          <a:rPr lang="en-US" i="1">
+                            <a:latin typeface="Cambria Math" panose="02040503050406030204" pitchFamily="18" charset="0"/>
+                          </a:rPr>
                           <m:t>6</m:t>
                         </m:r>
                       </m:sub>
                     </m:sSub>
                     <m:r>
-                      <a:rPr lang="en-US" i="1"/>
+                      <a:rPr lang="en-US" i="1">
+                        <a:latin typeface="Cambria Math" panose="02040503050406030204" pitchFamily="18" charset="0"/>
+                      </a:rPr>
                       <m:t>=</m:t>
                     </m:r>
                     <m:func>
                       <m:funcPr>
                         <m:ctrlPr>
-                          <a:rPr lang="en-US" i="1"/>
+                          <a:rPr lang="en-US" i="1">
+                            <a:latin typeface="Cambria Math" panose="02040503050406030204" pitchFamily="18" charset="0"/>
+                          </a:rPr>
                         </m:ctrlPr>
                       </m:funcPr>
                       <m:fName>
@@ -21035,7 +22822,9 @@
                           <m:rPr>
                             <m:sty m:val="p"/>
                           </m:rPr>
-                          <a:rPr lang="en-US"/>
+                          <a:rPr lang="en-US">
+                            <a:latin typeface="Cambria Math" panose="02040503050406030204" pitchFamily="18" charset="0"/>
+                          </a:rPr>
                           <m:t>cos</m:t>
                         </m:r>
                       </m:fName>
@@ -21043,18 +22832,24 @@
                         <m:sSub>
                           <m:sSubPr>
                             <m:ctrlPr>
-                              <a:rPr lang="en-US" i="1"/>
+                              <a:rPr lang="en-US" i="1">
+                                <a:latin typeface="Cambria Math" panose="02040503050406030204" pitchFamily="18" charset="0"/>
+                              </a:rPr>
                             </m:ctrlPr>
                           </m:sSubPr>
                           <m:e>
                             <m:r>
-                              <a:rPr lang="en-US" i="1"/>
+                              <a:rPr lang="en-US" i="1">
+                                <a:latin typeface="Cambria Math" panose="02040503050406030204" pitchFamily="18" charset="0"/>
+                              </a:rPr>
                               <m:t>𝜃</m:t>
                             </m:r>
                           </m:e>
                           <m:sub>
                             <m:r>
-                              <a:rPr lang="en-US"/>
+                              <a:rPr lang="en-US">
+                                <a:latin typeface="Cambria Math" panose="02040503050406030204" pitchFamily="18" charset="0"/>
+                              </a:rPr>
                               <m:t>6</m:t>
                             </m:r>
                           </m:sub>
@@ -21062,74 +22857,100 @@
                       </m:e>
                     </m:func>
                     <m:r>
-                      <a:rPr lang="en-US" i="1"/>
+                      <a:rPr lang="en-US" i="1">
+                        <a:latin typeface="Cambria Math" panose="02040503050406030204" pitchFamily="18" charset="0"/>
+                      </a:rPr>
                       <m:t>=</m:t>
                     </m:r>
                     <m:r>
                       <m:rPr>
                         <m:sty m:val="p"/>
                       </m:rPr>
-                      <a:rPr lang="en-US"/>
+                      <a:rPr lang="en-US">
+                        <a:latin typeface="Cambria Math" panose="02040503050406030204" pitchFamily="18" charset="0"/>
+                      </a:rPr>
                       <m:t>a</m:t>
                     </m:r>
                     <m:r>
-                      <a:rPr lang="en-US"/>
+                      <a:rPr lang="en-US">
+                        <a:latin typeface="Cambria Math" panose="02040503050406030204" pitchFamily="18" charset="0"/>
+                      </a:rPr>
                       <m:t> </m:t>
                     </m:r>
                     <m:r>
                       <m:rPr>
                         <m:sty m:val="p"/>
                       </m:rPr>
-                      <a:rPr lang="en-US"/>
+                      <a:rPr lang="en-US">
+                        <a:latin typeface="Cambria Math" panose="02040503050406030204" pitchFamily="18" charset="0"/>
+                      </a:rPr>
                       <m:t>negative</m:t>
                     </m:r>
                     <m:r>
-                      <a:rPr lang="en-US"/>
+                      <a:rPr lang="en-US">
+                        <a:latin typeface="Cambria Math" panose="02040503050406030204" pitchFamily="18" charset="0"/>
+                      </a:rPr>
                       <m:t> </m:t>
                     </m:r>
                     <m:r>
                       <m:rPr>
                         <m:sty m:val="p"/>
                       </m:rPr>
-                      <a:rPr lang="en-US"/>
+                      <a:rPr lang="en-US">
+                        <a:latin typeface="Cambria Math" panose="02040503050406030204" pitchFamily="18" charset="0"/>
+                      </a:rPr>
                       <m:t>number</m:t>
                     </m:r>
                     <m:r>
-                      <a:rPr lang="en-US"/>
+                      <a:rPr lang="en-US">
+                        <a:latin typeface="Cambria Math" panose="02040503050406030204" pitchFamily="18" charset="0"/>
+                      </a:rPr>
                       <m:t>     </m:t>
                     </m:r>
                     <m:r>
                       <m:rPr>
                         <m:sty m:val="p"/>
                       </m:rPr>
-                      <a:rPr lang="en-US"/>
+                      <a:rPr lang="en-US">
+                        <a:latin typeface="Cambria Math" panose="02040503050406030204" pitchFamily="18" charset="0"/>
+                      </a:rPr>
                       <m:t>because</m:t>
                     </m:r>
                     <m:r>
-                      <a:rPr lang="en-US"/>
+                      <a:rPr lang="en-US">
+                        <a:latin typeface="Cambria Math" panose="02040503050406030204" pitchFamily="18" charset="0"/>
+                      </a:rPr>
                       <m:t> </m:t>
                     </m:r>
                     <m:sSub>
                       <m:sSubPr>
                         <m:ctrlPr>
-                          <a:rPr lang="en-US" i="1"/>
+                          <a:rPr lang="en-US" i="1">
+                            <a:latin typeface="Cambria Math" panose="02040503050406030204" pitchFamily="18" charset="0"/>
+                          </a:rPr>
                         </m:ctrlPr>
                       </m:sSubPr>
                       <m:e>
                         <m:r>
-                          <a:rPr lang="en-US" i="1"/>
+                          <a:rPr lang="en-US" i="1">
+                            <a:latin typeface="Cambria Math" panose="02040503050406030204" pitchFamily="18" charset="0"/>
+                          </a:rPr>
                           <m:t>𝜃</m:t>
                         </m:r>
                       </m:e>
                       <m:sub>
                         <m:r>
-                          <a:rPr lang="en-US"/>
+                          <a:rPr lang="en-US">
+                            <a:latin typeface="Cambria Math" panose="02040503050406030204" pitchFamily="18" charset="0"/>
+                          </a:rPr>
                           <m:t>6</m:t>
                         </m:r>
                       </m:sub>
                     </m:sSub>
                     <m:r>
-                      <a:rPr lang="en-US" i="1"/>
+                      <a:rPr lang="en-US" i="1">
+                        <a:latin typeface="Cambria Math" panose="02040503050406030204" pitchFamily="18" charset="0"/>
+                      </a:rPr>
                       <m:t>&gt;90°</m:t>
                     </m:r>
                   </m:oMath>
@@ -21148,7 +22969,7 @@
             </p:txBody>
           </p:sp>
         </mc:Choice>
-        <mc:Fallback>
+        <mc:Fallback xmlns="">
           <p:sp>
             <p:nvSpPr>
               <p:cNvPr id="3" name="Content Placeholder 2">
